--- a/Rudix sort.pptx
+++ b/Rudix sort.pptx
@@ -8,17 +8,18 @@
     <p:sldId id="256" r:id="rId2"/>
     <p:sldId id="257" r:id="rId3"/>
     <p:sldId id="258" r:id="rId4"/>
-    <p:sldId id="259" r:id="rId5"/>
-    <p:sldId id="260" r:id="rId6"/>
-    <p:sldId id="261" r:id="rId7"/>
-    <p:sldId id="262" r:id="rId8"/>
-    <p:sldId id="263" r:id="rId9"/>
-    <p:sldId id="264" r:id="rId10"/>
-    <p:sldId id="265" r:id="rId11"/>
-    <p:sldId id="266" r:id="rId12"/>
-    <p:sldId id="267" r:id="rId13"/>
-    <p:sldId id="268" r:id="rId14"/>
-    <p:sldId id="269" r:id="rId15"/>
+    <p:sldId id="270" r:id="rId5"/>
+    <p:sldId id="259" r:id="rId6"/>
+    <p:sldId id="260" r:id="rId7"/>
+    <p:sldId id="261" r:id="rId8"/>
+    <p:sldId id="262" r:id="rId9"/>
+    <p:sldId id="263" r:id="rId10"/>
+    <p:sldId id="264" r:id="rId11"/>
+    <p:sldId id="265" r:id="rId12"/>
+    <p:sldId id="266" r:id="rId13"/>
+    <p:sldId id="267" r:id="rId14"/>
+    <p:sldId id="268" r:id="rId15"/>
+    <p:sldId id="269" r:id="rId16"/>
   </p:sldIdLst>
   <p:sldSz cx="9144000" cy="6858000" type="screen4x3"/>
   <p:notesSz cx="6858000" cy="9144000"/>
@@ -390,7 +391,8 @@
           <a:p>
             <a:fld id="{3042DDE9-F808-4A51-8769-4C3D83229CD1}" type="datetimeFigureOut">
               <a:rPr lang="en-US" smtClean="0"/>
-              <a:t>7/7/2021</a:t>
+              <a:pPr/>
+              <a:t>7/10/2021</a:t>
             </a:fld>
             <a:endParaRPr lang="en-US"/>
           </a:p>
@@ -460,6 +462,7 @@
           <a:p>
             <a:fld id="{A19DB69A-8858-49C2-8578-24DA32BAB1F8}" type="slidenum">
               <a:rPr lang="en-US" smtClean="0"/>
+              <a:pPr/>
               <a:t>‹#›</a:t>
             </a:fld>
             <a:endParaRPr lang="en-US"/>
@@ -589,7 +592,8 @@
           <a:p>
             <a:fld id="{3042DDE9-F808-4A51-8769-4C3D83229CD1}" type="datetimeFigureOut">
               <a:rPr lang="en-US" smtClean="0"/>
-              <a:t>7/7/2021</a:t>
+              <a:pPr/>
+              <a:t>7/10/2021</a:t>
             </a:fld>
             <a:endParaRPr lang="en-US"/>
           </a:p>
@@ -635,6 +639,7 @@
           <a:p>
             <a:fld id="{A19DB69A-8858-49C2-8578-24DA32BAB1F8}" type="slidenum">
               <a:rPr lang="en-US" smtClean="0"/>
+              <a:pPr/>
               <a:t>‹#›</a:t>
             </a:fld>
             <a:endParaRPr lang="en-US"/>
@@ -779,7 +784,8 @@
           <a:p>
             <a:fld id="{3042DDE9-F808-4A51-8769-4C3D83229CD1}" type="datetimeFigureOut">
               <a:rPr lang="en-US" smtClean="0"/>
-              <a:t>7/7/2021</a:t>
+              <a:pPr/>
+              <a:t>7/10/2021</a:t>
             </a:fld>
             <a:endParaRPr lang="en-US"/>
           </a:p>
@@ -842,6 +848,7 @@
           <a:p>
             <a:fld id="{A19DB69A-8858-49C2-8578-24DA32BAB1F8}" type="slidenum">
               <a:rPr lang="en-US" smtClean="0"/>
+              <a:pPr/>
               <a:t>‹#›</a:t>
             </a:fld>
             <a:endParaRPr lang="en-US"/>
@@ -971,7 +978,8 @@
           <a:p>
             <a:fld id="{3042DDE9-F808-4A51-8769-4C3D83229CD1}" type="datetimeFigureOut">
               <a:rPr lang="en-US" smtClean="0"/>
-              <a:t>7/7/2021</a:t>
+              <a:pPr/>
+              <a:t>7/10/2021</a:t>
             </a:fld>
             <a:endParaRPr lang="en-US"/>
           </a:p>
@@ -1017,6 +1025,7 @@
           <a:p>
             <a:fld id="{A19DB69A-8858-49C2-8578-24DA32BAB1F8}" type="slidenum">
               <a:rPr lang="en-US" smtClean="0"/>
+              <a:pPr/>
               <a:t>‹#›</a:t>
             </a:fld>
             <a:endParaRPr lang="en-US"/>
@@ -1197,7 +1206,8 @@
           <a:p>
             <a:fld id="{3042DDE9-F808-4A51-8769-4C3D83229CD1}" type="datetimeFigureOut">
               <a:rPr lang="en-US" smtClean="0"/>
-              <a:t>7/7/2021</a:t>
+              <a:pPr/>
+              <a:t>7/10/2021</a:t>
             </a:fld>
             <a:endParaRPr lang="en-US"/>
           </a:p>
@@ -1260,6 +1270,7 @@
           <a:p>
             <a:fld id="{A19DB69A-8858-49C2-8578-24DA32BAB1F8}" type="slidenum">
               <a:rPr lang="en-US" smtClean="0"/>
+              <a:pPr/>
               <a:t>‹#›</a:t>
             </a:fld>
             <a:endParaRPr lang="en-US"/>
@@ -1488,7 +1499,8 @@
           <a:p>
             <a:fld id="{3042DDE9-F808-4A51-8769-4C3D83229CD1}" type="datetimeFigureOut">
               <a:rPr lang="en-US" smtClean="0"/>
-              <a:t>7/7/2021</a:t>
+              <a:pPr/>
+              <a:t>7/10/2021</a:t>
             </a:fld>
             <a:endParaRPr lang="en-US"/>
           </a:p>
@@ -1534,6 +1546,7 @@
           <a:p>
             <a:fld id="{A19DB69A-8858-49C2-8578-24DA32BAB1F8}" type="slidenum">
               <a:rPr lang="en-US" smtClean="0"/>
+              <a:pPr/>
               <a:t>‹#›</a:t>
             </a:fld>
             <a:endParaRPr lang="en-US"/>
@@ -1919,7 +1932,8 @@
           <a:p>
             <a:fld id="{3042DDE9-F808-4A51-8769-4C3D83229CD1}" type="datetimeFigureOut">
               <a:rPr lang="en-US" smtClean="0"/>
-              <a:t>7/7/2021</a:t>
+              <a:pPr/>
+              <a:t>7/10/2021</a:t>
             </a:fld>
             <a:endParaRPr lang="en-US"/>
           </a:p>
@@ -1965,6 +1979,7 @@
           <a:p>
             <a:fld id="{A19DB69A-8858-49C2-8578-24DA32BAB1F8}" type="slidenum">
               <a:rPr lang="en-US" smtClean="0"/>
+              <a:pPr/>
               <a:t>‹#›</a:t>
             </a:fld>
             <a:endParaRPr lang="en-US"/>
@@ -2045,7 +2060,8 @@
           <a:p>
             <a:fld id="{3042DDE9-F808-4A51-8769-4C3D83229CD1}" type="datetimeFigureOut">
               <a:rPr lang="en-US" smtClean="0"/>
-              <a:t>7/7/2021</a:t>
+              <a:pPr/>
+              <a:t>7/10/2021</a:t>
             </a:fld>
             <a:endParaRPr lang="en-US"/>
           </a:p>
@@ -2091,6 +2107,7 @@
           <a:p>
             <a:fld id="{A19DB69A-8858-49C2-8578-24DA32BAB1F8}" type="slidenum">
               <a:rPr lang="en-US" smtClean="0"/>
+              <a:pPr/>
               <a:t>‹#›</a:t>
             </a:fld>
             <a:endParaRPr lang="en-US"/>
@@ -2148,7 +2165,8 @@
           <a:p>
             <a:fld id="{3042DDE9-F808-4A51-8769-4C3D83229CD1}" type="datetimeFigureOut">
               <a:rPr lang="en-US" smtClean="0"/>
-              <a:t>7/7/2021</a:t>
+              <a:pPr/>
+              <a:t>7/10/2021</a:t>
             </a:fld>
             <a:endParaRPr lang="en-US"/>
           </a:p>
@@ -2201,6 +2219,7 @@
           <a:p>
             <a:fld id="{A19DB69A-8858-49C2-8578-24DA32BAB1F8}" type="slidenum">
               <a:rPr lang="en-US" smtClean="0"/>
+              <a:pPr/>
               <a:t>‹#›</a:t>
             </a:fld>
             <a:endParaRPr lang="en-US"/>
@@ -2417,7 +2436,8 @@
           <a:p>
             <a:fld id="{3042DDE9-F808-4A51-8769-4C3D83229CD1}" type="datetimeFigureOut">
               <a:rPr lang="en-US" smtClean="0"/>
-              <a:t>7/7/2021</a:t>
+              <a:pPr/>
+              <a:t>7/10/2021</a:t>
             </a:fld>
             <a:endParaRPr lang="en-US"/>
           </a:p>
@@ -2463,6 +2483,7 @@
           <a:p>
             <a:fld id="{A19DB69A-8858-49C2-8578-24DA32BAB1F8}" type="slidenum">
               <a:rPr lang="en-US" smtClean="0"/>
+              <a:pPr/>
               <a:t>‹#›</a:t>
             </a:fld>
             <a:endParaRPr lang="en-US"/>
@@ -2781,7 +2802,8 @@
           <a:p>
             <a:fld id="{3042DDE9-F808-4A51-8769-4C3D83229CD1}" type="datetimeFigureOut">
               <a:rPr lang="en-US" smtClean="0"/>
-              <a:t>7/7/2021</a:t>
+              <a:pPr/>
+              <a:t>7/10/2021</a:t>
             </a:fld>
             <a:endParaRPr lang="en-US"/>
           </a:p>
@@ -2827,6 +2849,7 @@
           <a:p>
             <a:fld id="{A19DB69A-8858-49C2-8578-24DA32BAB1F8}" type="slidenum">
               <a:rPr lang="en-US" smtClean="0"/>
+              <a:pPr/>
               <a:t>‹#›</a:t>
             </a:fld>
             <a:endParaRPr lang="en-US"/>
@@ -3136,7 +3159,8 @@
           <a:p>
             <a:fld id="{3042DDE9-F808-4A51-8769-4C3D83229CD1}" type="datetimeFigureOut">
               <a:rPr lang="en-US" smtClean="0"/>
-              <a:t>7/7/2021</a:t>
+              <a:pPr/>
+              <a:t>7/10/2021</a:t>
             </a:fld>
             <a:endParaRPr lang="en-US"/>
           </a:p>
@@ -3212,6 +3236,7 @@
           <a:p>
             <a:fld id="{A19DB69A-8858-49C2-8578-24DA32BAB1F8}" type="slidenum">
               <a:rPr lang="en-US" smtClean="0"/>
+              <a:pPr/>
               <a:t>‹#›</a:t>
             </a:fld>
             <a:endParaRPr lang="en-US"/>
@@ -3599,12 +3624,12 @@
           <a:lstStyle/>
           <a:p>
             <a:r>
-              <a:rPr lang="en-US" dirty="0" err="1" smtClean="0"/>
-              <a:t>Rudix</a:t>
-            </a:r>
-            <a:r>
-              <a:rPr lang="en-US" dirty="0" smtClean="0"/>
-              <a:t> sort</a:t>
+              <a:rPr lang="en-US" dirty="0" smtClean="0"/>
+              <a:t>Radix </a:t>
+            </a:r>
+            <a:r>
+              <a:rPr lang="en-US" dirty="0" smtClean="0"/>
+              <a:t>sort</a:t>
             </a:r>
             <a:endParaRPr lang="en-US" dirty="0"/>
           </a:p>
@@ -3693,7 +3718,7 @@
           <a:p>
             <a:r>
               <a:rPr lang="en-US" dirty="0" smtClean="0"/>
-              <a:t>                  ANALYSIS</a:t>
+              <a:t>                ALGORITHM</a:t>
             </a:r>
             <a:endParaRPr lang="en-US" dirty="0"/>
           </a:p>
@@ -3716,45 +3741,31 @@
           <a:p>
             <a:r>
               <a:rPr lang="en-US" dirty="0" smtClean="0"/>
-              <a:t>Each pass over n d-digit numbers and k base keys then takes time O(</a:t>
-            </a:r>
-            <a:r>
-              <a:rPr lang="en-US" dirty="0" err="1" smtClean="0"/>
-              <a:t>n+k</a:t>
-            </a:r>
-            <a:r>
-              <a:rPr lang="en-US" dirty="0" smtClean="0"/>
-              <a:t>).</a:t>
-            </a:r>
-          </a:p>
-          <a:p>
+              <a:t>1. Create an array a[ 0…..n-1] elements. </a:t>
+            </a:r>
+          </a:p>
+          <a:p>
+            <a:pPr>
+              <a:buNone/>
+            </a:pPr>
             <a:endParaRPr lang="en-US" dirty="0" smtClean="0"/>
           </a:p>
           <a:p>
             <a:r>
               <a:rPr lang="en-US" dirty="0" smtClean="0"/>
-              <a:t>There are d passes, so the total time for radix sort is O(d (</a:t>
-            </a:r>
-            <a:r>
-              <a:rPr lang="en-US" dirty="0" err="1" smtClean="0"/>
-              <a:t>n+k</a:t>
-            </a:r>
-            <a:r>
-              <a:rPr lang="en-US" dirty="0" smtClean="0"/>
-              <a:t>)).</a:t>
-            </a:r>
-          </a:p>
-          <a:p>
+              <a:t>2. Call bucket sort repeatedly on least to most significant digit of each element as the key. </a:t>
+            </a:r>
+          </a:p>
+          <a:p>
+            <a:pPr>
+              <a:buNone/>
+            </a:pPr>
             <a:endParaRPr lang="en-US" dirty="0" smtClean="0"/>
           </a:p>
           <a:p>
             <a:r>
               <a:rPr lang="en-US" dirty="0" smtClean="0"/>
-              <a:t>When d is a constant and total run time = O(n</a:t>
-            </a:r>
-            <a:r>
-              <a:rPr lang="en-US" dirty="0" smtClean="0"/>
-              <a:t>).</a:t>
+              <a:t>3. Return the sorted array.</a:t>
             </a:r>
             <a:endParaRPr lang="en-US" dirty="0"/>
           </a:p>
@@ -3802,11 +3813,7 @@
           <a:p>
             <a:r>
               <a:rPr lang="en-US" dirty="0" smtClean="0"/>
-              <a:t>   advantages </a:t>
-            </a:r>
-            <a:r>
-              <a:rPr lang="en-US" dirty="0" smtClean="0"/>
-              <a:t>of radix sort</a:t>
+              <a:t>                  ANALYSIS</a:t>
             </a:r>
             <a:endParaRPr lang="en-US" dirty="0"/>
           </a:p>
@@ -3829,53 +3836,32 @@
           <a:p>
             <a:r>
               <a:rPr lang="en-US" dirty="0" smtClean="0"/>
-              <a:t>Fast </a:t>
-            </a:r>
-            <a:r>
-              <a:rPr lang="en-US" dirty="0" smtClean="0"/>
-              <a:t>when the keys are </a:t>
-            </a:r>
-            <a:r>
-              <a:rPr lang="en-US" dirty="0" smtClean="0"/>
-              <a:t>short </a:t>
-            </a:r>
-            <a:r>
-              <a:rPr lang="en-US" dirty="0" smtClean="0"/>
-              <a:t>when the range of the array elements is less.</a:t>
-            </a:r>
-            <a:br>
-              <a:rPr lang="en-US" dirty="0" smtClean="0"/>
-            </a:br>
+              <a:t>Each pass over n d-digit numbers and k base keys then takes time O(</a:t>
+            </a:r>
+            <a:r>
+              <a:rPr lang="en-US" dirty="0" err="1" smtClean="0"/>
+              <a:t>n+k</a:t>
+            </a:r>
+            <a:r>
+              <a:rPr lang="en-US" dirty="0" smtClean="0"/>
+              <a:t>).</a:t>
+            </a:r>
+          </a:p>
+          <a:p>
             <a:endParaRPr lang="en-US" dirty="0" smtClean="0"/>
           </a:p>
           <a:p>
             <a:r>
               <a:rPr lang="en-US" dirty="0" smtClean="0"/>
-              <a:t>Used </a:t>
-            </a:r>
-            <a:r>
-              <a:rPr lang="en-US" dirty="0" smtClean="0"/>
-              <a:t>in suffix array </a:t>
+              <a:t>There are d passes, so the total time for radix sort is O(d (</a:t>
             </a:r>
             <a:r>
               <a:rPr lang="en-US" dirty="0" err="1" smtClean="0"/>
-              <a:t>constuction</a:t>
-            </a:r>
-            <a:r>
-              <a:rPr lang="en-US" dirty="0" smtClean="0"/>
-              <a:t> algorithms like </a:t>
-            </a:r>
-            <a:r>
-              <a:rPr lang="en-US" dirty="0" err="1" smtClean="0"/>
-              <a:t>Manber's</a:t>
-            </a:r>
-            <a:r>
-              <a:rPr lang="en-US" dirty="0" smtClean="0"/>
-              <a:t> algorithm and DC3 algorithm</a:t>
-            </a:r>
-            <a:r>
-              <a:rPr lang="en-US" dirty="0" smtClean="0"/>
-              <a:t>.</a:t>
+              <a:t>n+k</a:t>
+            </a:r>
+            <a:r>
+              <a:rPr lang="en-US" dirty="0" smtClean="0"/>
+              <a:t>)).</a:t>
             </a:r>
           </a:p>
           <a:p>
@@ -3884,7 +3870,7 @@
           <a:p>
             <a:r>
               <a:rPr lang="en-US" dirty="0" smtClean="0"/>
-              <a:t>Radix Sort is stable sort as relative order of elements with equal values is maintained.</a:t>
+              <a:t>When d is a constant and total run time = O(n).</a:t>
             </a:r>
             <a:endParaRPr lang="en-US" dirty="0"/>
           </a:p>
@@ -3927,88 +3913,70 @@
         </p:nvSpPr>
         <p:spPr/>
         <p:txBody>
-          <a:bodyPr>
-            <a:normAutofit fontScale="90000"/>
-          </a:bodyPr>
-          <a:lstStyle/>
-          <a:p>
-            <a:r>
-              <a:rPr lang="en-US" dirty="0" smtClean="0"/>
-              <a:t>   disadvantages </a:t>
-            </a:r>
-            <a:r>
-              <a:rPr lang="en-US" dirty="0" smtClean="0"/>
-              <a:t>of radix sort</a:t>
-            </a:r>
-            <a:endParaRPr lang="en-US" dirty="0"/>
-          </a:p>
-        </p:txBody>
-      </p:sp>
-      <p:sp>
-        <p:nvSpPr>
-          <p:cNvPr id="3" name="Content Placeholder 2"/>
-          <p:cNvSpPr>
-            <a:spLocks noGrp="1"/>
-          </p:cNvSpPr>
-          <p:nvPr>
-            <p:ph idx="1"/>
-          </p:nvPr>
-        </p:nvSpPr>
-        <p:spPr/>
-        <p:txBody>
           <a:bodyPr/>
           <a:lstStyle/>
           <a:p>
             <a:r>
               <a:rPr lang="en-US" dirty="0" smtClean="0"/>
-              <a:t>Since Radix Sort depends on digits or letters, Radix Sort is much less flexible than other sorts. Hence , for every different type of data it needs to be rewritten.</a:t>
-            </a:r>
+              <a:t>   advantages of radix sort</a:t>
+            </a:r>
+            <a:endParaRPr lang="en-US" dirty="0"/>
+          </a:p>
+        </p:txBody>
+      </p:sp>
+      <p:sp>
+        <p:nvSpPr>
+          <p:cNvPr id="3" name="Content Placeholder 2"/>
+          <p:cNvSpPr>
+            <a:spLocks noGrp="1"/>
+          </p:cNvSpPr>
+          <p:nvPr>
+            <p:ph idx="1"/>
+          </p:nvPr>
+        </p:nvSpPr>
+        <p:spPr/>
+        <p:txBody>
+          <a:bodyPr/>
+          <a:lstStyle/>
+          <a:p>
+            <a:r>
+              <a:rPr lang="en-US" dirty="0" smtClean="0"/>
+              <a:t>Fast when the keys are short when the range of the array elements is less.</a:t>
+            </a:r>
+            <a:br>
+              <a:rPr lang="en-US" dirty="0" smtClean="0"/>
+            </a:br>
             <a:endParaRPr lang="en-US" dirty="0" smtClean="0"/>
           </a:p>
           <a:p>
+            <a:r>
+              <a:rPr lang="en-US" dirty="0" smtClean="0"/>
+              <a:t>Used in suffix array </a:t>
+            </a:r>
+            <a:r>
+              <a:rPr lang="en-US" dirty="0" err="1" smtClean="0"/>
+              <a:t>constuction</a:t>
+            </a:r>
+            <a:r>
+              <a:rPr lang="en-US" dirty="0" smtClean="0"/>
+              <a:t> algorithms like </a:t>
+            </a:r>
+            <a:r>
+              <a:rPr lang="en-US" dirty="0" err="1" smtClean="0"/>
+              <a:t>Manber's</a:t>
+            </a:r>
+            <a:r>
+              <a:rPr lang="en-US" dirty="0" smtClean="0"/>
+              <a:t> algorithm and DC3 algorithm.</a:t>
+            </a:r>
+          </a:p>
+          <a:p>
             <a:endParaRPr lang="en-US" dirty="0" smtClean="0"/>
           </a:p>
           <a:p>
             <a:r>
               <a:rPr lang="en-US" dirty="0" smtClean="0"/>
-              <a:t>The </a:t>
-            </a:r>
-            <a:r>
-              <a:rPr lang="en-US" dirty="0" smtClean="0"/>
-              <a:t>constant for Radix sort is greater compared to other sorting algorithms</a:t>
-            </a:r>
-            <a:r>
-              <a:rPr lang="en-US" dirty="0" smtClean="0"/>
-              <a:t>.</a:t>
-            </a:r>
-          </a:p>
-          <a:p>
-            <a:endParaRPr lang="en-US" dirty="0" smtClean="0"/>
-          </a:p>
-          <a:p>
-            <a:r>
-              <a:rPr lang="en-US" dirty="0" smtClean="0"/>
-              <a:t>It </a:t>
-            </a:r>
-            <a:r>
-              <a:rPr lang="en-US" dirty="0" smtClean="0"/>
-              <a:t>takes more space compared to </a:t>
-            </a:r>
-            <a:r>
-              <a:rPr lang="en-US" dirty="0" err="1" smtClean="0"/>
-              <a:t>Quicksort</a:t>
-            </a:r>
-            <a:r>
-              <a:rPr lang="en-US" dirty="0" smtClean="0"/>
-              <a:t> which is </a:t>
-            </a:r>
-            <a:r>
-              <a:rPr lang="en-US" dirty="0" err="1" smtClean="0"/>
-              <a:t>inplace</a:t>
-            </a:r>
-            <a:r>
-              <a:rPr lang="en-US" dirty="0" smtClean="0"/>
-              <a:t> sorting.</a:t>
+              <a:t>Radix Sort is stable sort as relative order of elements with equal values is maintained.</a:t>
             </a:r>
             <a:endParaRPr lang="en-US" dirty="0"/>
           </a:p>
@@ -4051,66 +4019,73 @@
         </p:nvSpPr>
         <p:spPr/>
         <p:txBody>
+          <a:bodyPr>
+            <a:normAutofit fontScale="90000"/>
+          </a:bodyPr>
+          <a:lstStyle/>
+          <a:p>
+            <a:r>
+              <a:rPr lang="en-US" dirty="0" smtClean="0"/>
+              <a:t>   disadvantages of radix sort</a:t>
+            </a:r>
+            <a:endParaRPr lang="en-US" dirty="0"/>
+          </a:p>
+        </p:txBody>
+      </p:sp>
+      <p:sp>
+        <p:nvSpPr>
+          <p:cNvPr id="3" name="Content Placeholder 2"/>
+          <p:cNvSpPr>
+            <a:spLocks noGrp="1"/>
+          </p:cNvSpPr>
+          <p:nvPr>
+            <p:ph idx="1"/>
+          </p:nvPr>
+        </p:nvSpPr>
+        <p:spPr/>
+        <p:txBody>
           <a:bodyPr/>
           <a:lstStyle/>
           <a:p>
             <a:r>
               <a:rPr lang="en-US" dirty="0" smtClean="0"/>
-              <a:t>   application </a:t>
-            </a:r>
-            <a:r>
-              <a:rPr lang="en-US" dirty="0" smtClean="0"/>
-              <a:t>of radix sort</a:t>
+              <a:t>Since Radix Sort depends on digits or letters, Radix Sort is much less flexible than other sorts. Hence , for every different type of data it needs to be rewritten.</a:t>
+            </a:r>
+          </a:p>
+          <a:p>
+            <a:endParaRPr lang="en-US" dirty="0" smtClean="0"/>
+          </a:p>
+          <a:p>
+            <a:r>
+              <a:rPr lang="en-US" dirty="0" smtClean="0"/>
+              <a:t>The constant for Radix sort is greater compared to other sorting algorithms.</a:t>
+            </a:r>
+          </a:p>
+          <a:p>
+            <a:endParaRPr lang="en-US" dirty="0" smtClean="0"/>
+          </a:p>
+          <a:p>
+            <a:r>
+              <a:rPr lang="en-US" dirty="0" smtClean="0"/>
+              <a:t>It takes more space compared to </a:t>
+            </a:r>
+            <a:r>
+              <a:rPr lang="en-US" dirty="0" err="1" smtClean="0"/>
+              <a:t>Quicksort</a:t>
+            </a:r>
+            <a:r>
+              <a:rPr lang="en-US" dirty="0" smtClean="0"/>
+              <a:t> which is </a:t>
+            </a:r>
+            <a:r>
+              <a:rPr lang="en-US" dirty="0" err="1" smtClean="0"/>
+              <a:t>inplace</a:t>
+            </a:r>
+            <a:r>
+              <a:rPr lang="en-US" dirty="0" smtClean="0"/>
+              <a:t> sorting.</a:t>
             </a:r>
             <a:endParaRPr lang="en-US" dirty="0"/>
-          </a:p>
-        </p:txBody>
-      </p:sp>
-      <p:sp>
-        <p:nvSpPr>
-          <p:cNvPr id="3" name="Content Placeholder 2"/>
-          <p:cNvSpPr>
-            <a:spLocks noGrp="1"/>
-          </p:cNvSpPr>
-          <p:nvPr>
-            <p:ph idx="1"/>
-          </p:nvPr>
-        </p:nvSpPr>
-        <p:spPr/>
-        <p:txBody>
-          <a:bodyPr/>
-          <a:lstStyle/>
-          <a:p>
-            <a:r>
-              <a:rPr lang="en-US" dirty="0" smtClean="0"/>
-              <a:t>Radix sort is an integer sorting algorithm that sorts data with integer keys by grouping the keys by individual digits that share the same significant position and </a:t>
-            </a:r>
-            <a:r>
-              <a:rPr lang="en-US" dirty="0" smtClean="0"/>
-              <a:t>value.</a:t>
-            </a:r>
-          </a:p>
-          <a:p>
-            <a:endParaRPr lang="en-US" dirty="0" smtClean="0"/>
-          </a:p>
-          <a:p>
-            <a:r>
-              <a:rPr lang="en-US" dirty="0" smtClean="0"/>
-              <a:t>Mostly used in parallel </a:t>
-            </a:r>
-            <a:r>
-              <a:rPr lang="en-US" dirty="0" smtClean="0"/>
-              <a:t>computing.</a:t>
-            </a:r>
-          </a:p>
-          <a:p>
-            <a:endParaRPr lang="en-US" dirty="0" smtClean="0"/>
-          </a:p>
-          <a:p>
-            <a:r>
-              <a:rPr lang="en-US" dirty="0" smtClean="0"/>
-              <a:t>Radix sort can be applied to data that can be sorted lexicographically, be they integers, words, punch cards, playing cards, or the mail.</a:t>
-            </a:r>
           </a:p>
         </p:txBody>
       </p:sp>
@@ -4141,6 +4116,94 @@
       </p:grpSpPr>
       <p:sp>
         <p:nvSpPr>
+          <p:cNvPr id="2" name="Title 1"/>
+          <p:cNvSpPr>
+            <a:spLocks noGrp="1"/>
+          </p:cNvSpPr>
+          <p:nvPr>
+            <p:ph type="title"/>
+          </p:nvPr>
+        </p:nvSpPr>
+        <p:spPr/>
+        <p:txBody>
+          <a:bodyPr/>
+          <a:lstStyle/>
+          <a:p>
+            <a:r>
+              <a:rPr lang="en-US" dirty="0" smtClean="0"/>
+              <a:t>   application of radix sort</a:t>
+            </a:r>
+            <a:endParaRPr lang="en-US" dirty="0"/>
+          </a:p>
+        </p:txBody>
+      </p:sp>
+      <p:sp>
+        <p:nvSpPr>
+          <p:cNvPr id="3" name="Content Placeholder 2"/>
+          <p:cNvSpPr>
+            <a:spLocks noGrp="1"/>
+          </p:cNvSpPr>
+          <p:nvPr>
+            <p:ph idx="1"/>
+          </p:nvPr>
+        </p:nvSpPr>
+        <p:spPr/>
+        <p:txBody>
+          <a:bodyPr/>
+          <a:lstStyle/>
+          <a:p>
+            <a:r>
+              <a:rPr lang="en-US" dirty="0" smtClean="0"/>
+              <a:t>Radix sort is an integer sorting algorithm that sorts data with integer keys by grouping the keys by individual digits that share the same significant position and value.</a:t>
+            </a:r>
+          </a:p>
+          <a:p>
+            <a:endParaRPr lang="en-US" dirty="0" smtClean="0"/>
+          </a:p>
+          <a:p>
+            <a:r>
+              <a:rPr lang="en-US" dirty="0" smtClean="0"/>
+              <a:t>Mostly used in parallel computing.</a:t>
+            </a:r>
+          </a:p>
+          <a:p>
+            <a:endParaRPr lang="en-US" dirty="0" smtClean="0"/>
+          </a:p>
+          <a:p>
+            <a:r>
+              <a:rPr lang="en-US" dirty="0" smtClean="0"/>
+              <a:t>Radix sort can be applied to data that can be sorted lexicographically, be they integers, words, punch cards, playing cards, or the mail.</a:t>
+            </a:r>
+          </a:p>
+        </p:txBody>
+      </p:sp>
+    </p:spTree>
+  </p:cSld>
+  <p:clrMapOvr>
+    <a:masterClrMapping/>
+  </p:clrMapOvr>
+</p:sld>
+</file>
+
+<file path=ppt/slides/slide15.xml><?xml version="1.0" encoding="utf-8"?>
+<p:sld xmlns:a="http://schemas.openxmlformats.org/drawingml/2006/main" xmlns:r="http://schemas.openxmlformats.org/officeDocument/2006/relationships" xmlns:p="http://schemas.openxmlformats.org/presentationml/2006/main">
+  <p:cSld>
+    <p:spTree>
+      <p:nvGrpSpPr>
+        <p:cNvPr id="1" name=""/>
+        <p:cNvGrpSpPr/>
+        <p:nvPr/>
+      </p:nvGrpSpPr>
+      <p:grpSpPr>
+        <a:xfrm>
+          <a:off x="0" y="0"/>
+          <a:ext cx="0" cy="0"/>
+          <a:chOff x="0" y="0"/>
+          <a:chExt cx="0" cy="0"/>
+        </a:xfrm>
+      </p:grpSpPr>
+      <p:sp>
+        <p:nvSpPr>
           <p:cNvPr id="4" name="Title 3"/>
           <p:cNvSpPr>
             <a:spLocks noGrp="1"/>
@@ -4242,19 +4305,7 @@
             </a:pPr>
             <a:r>
               <a:rPr lang="en-US" dirty="0" smtClean="0"/>
-              <a:t>  Radix </a:t>
-            </a:r>
-            <a:r>
-              <a:rPr lang="en-US" dirty="0" smtClean="0"/>
-              <a:t>sort is an integer sorting algorithm </a:t>
-            </a:r>
-            <a:r>
-              <a:rPr lang="en-US" dirty="0" smtClean="0"/>
-              <a:t>that sorts </a:t>
-            </a:r>
-            <a:r>
-              <a:rPr lang="en-US" dirty="0" smtClean="0"/>
-              <a:t>data with integer keys by grouping the keys by individual digits that share the same significant position and value (place value). Radix sort uses counting sort as a subroutine to sort an array of numbers.</a:t>
+              <a:t>  Radix sort is an integer sorting algorithm that sorts data with integer keys by grouping the keys by individual digits that share the same significant position and value (place value). Radix sort uses counting sort as a subroutine to sort an array of numbers.</a:t>
             </a:r>
             <a:endParaRPr lang="en-US" dirty="0"/>
           </a:p>
@@ -4332,11 +4383,7 @@
             </a:pPr>
             <a:r>
               <a:rPr lang="en-US" dirty="0" smtClean="0"/>
-              <a:t>The </a:t>
-            </a:r>
-            <a:r>
-              <a:rPr lang="en-US" dirty="0" smtClean="0"/>
-              <a:t>time complexity of radix sort is given by the </a:t>
+              <a:t>The time complexity of radix sort is given by the </a:t>
             </a:r>
             <a:r>
               <a:rPr lang="en-US" dirty="0" err="1" smtClean="0"/>
@@ -4352,11 +4399,7 @@
             </a:r>
             <a:r>
               <a:rPr lang="en-US" dirty="0" smtClean="0"/>
-              <a:t>)), where d is the number of digits in the given list, n is the number of elements in the list, and b is the base or bucket size used, which is normally base 10 for decimal </a:t>
-            </a:r>
-            <a:r>
-              <a:rPr lang="en-US" dirty="0" smtClean="0"/>
-              <a:t>representation.</a:t>
+              <a:t>)), where d is the number of digits in the given list, n is the number of elements in the list, and b is the base or bucket size used, which is normally base 10 for decimal representation.</a:t>
             </a:r>
           </a:p>
           <a:p>
@@ -4376,7 +4419,6 @@
               <a:rPr lang="en-US" dirty="0" smtClean="0"/>
               <a:t>Time Complexity </a:t>
             </a:r>
-            <a:endParaRPr lang="en-US" dirty="0" smtClean="0"/>
           </a:p>
           <a:p>
             <a:pPr>
@@ -4384,11 +4426,7 @@
             </a:pPr>
             <a:r>
               <a:rPr lang="en-US" dirty="0" smtClean="0"/>
-              <a:t>-&gt;Best </a:t>
-            </a:r>
-            <a:r>
-              <a:rPr lang="en-US" dirty="0" smtClean="0"/>
-              <a:t>= O(</a:t>
+              <a:t>-&gt;Best = O(</a:t>
             </a:r>
             <a:r>
               <a:rPr lang="en-US" dirty="0" err="1" smtClean="0"/>
@@ -4405,11 +4443,7 @@
             </a:pPr>
             <a:r>
               <a:rPr lang="en-US" dirty="0" smtClean="0"/>
-              <a:t>-&gt;Worst </a:t>
-            </a:r>
-            <a:r>
-              <a:rPr lang="en-US" dirty="0" smtClean="0"/>
-              <a:t>= O(</a:t>
+              <a:t>-&gt;Worst = O(</a:t>
             </a:r>
             <a:r>
               <a:rPr lang="en-US" dirty="0" err="1" smtClean="0"/>
@@ -4426,11 +4460,7 @@
             </a:pPr>
             <a:r>
               <a:rPr lang="en-US" dirty="0" smtClean="0"/>
-              <a:t>-&gt;Average</a:t>
-            </a:r>
-            <a:r>
-              <a:rPr lang="en-US" dirty="0" smtClean="0"/>
-              <a:t>= O(</a:t>
+              <a:t>-&gt;Average= O(</a:t>
             </a:r>
             <a:r>
               <a:rPr lang="en-US" dirty="0" err="1" smtClean="0"/>
@@ -4447,15 +4477,7 @@
             </a:pPr>
             <a:r>
               <a:rPr lang="en-US" dirty="0" smtClean="0"/>
-              <a:t>-&gt;Space </a:t>
-            </a:r>
-            <a:r>
-              <a:rPr lang="en-US" dirty="0" smtClean="0"/>
-              <a:t>Complexity = O(max</a:t>
-            </a:r>
-            <a:r>
-              <a:rPr lang="en-US" dirty="0" smtClean="0"/>
-              <a:t>)</a:t>
+              <a:t>-&gt;Space Complexity = O(max)</a:t>
             </a:r>
           </a:p>
           <a:p>
@@ -4504,19 +4526,14 @@
             <p:ph type="title"/>
           </p:nvPr>
         </p:nvSpPr>
-        <p:spPr>
-          <a:xfrm>
-            <a:off x="457200" y="320040"/>
-            <a:ext cx="7239000" cy="670560"/>
-          </a:xfrm>
-        </p:spPr>
+        <p:spPr/>
         <p:txBody>
           <a:bodyPr/>
           <a:lstStyle/>
           <a:p>
             <a:r>
               <a:rPr lang="en-US" dirty="0" smtClean="0"/>
-              <a:t>How Radix Sort Work</a:t>
+              <a:t>              complexity</a:t>
             </a:r>
             <a:endParaRPr lang="en-US" dirty="0"/>
           </a:p>
@@ -4535,7 +4552,7 @@
         <p:spPr/>
         <p:txBody>
           <a:bodyPr>
-            <a:normAutofit fontScale="85000" lnSpcReduction="10000"/>
+            <a:normAutofit lnSpcReduction="10000"/>
           </a:bodyPr>
           <a:lstStyle/>
           <a:p>
@@ -4544,96 +4561,33 @@
             </a:pPr>
             <a:r>
               <a:rPr lang="en-US" dirty="0" smtClean="0"/>
-              <a:t>Assume the input array is:</a:t>
-            </a:r>
-            <a:br>
-              <a:rPr lang="en-US" dirty="0" smtClean="0"/>
-            </a:br>
-            <a:r>
-              <a:rPr lang="en-US" dirty="0" smtClean="0"/>
-              <a:t>10,21,17,34,44,11,654,123</a:t>
-            </a:r>
-            <a:br>
-              <a:rPr lang="en-US" dirty="0" smtClean="0"/>
-            </a:br>
-            <a:r>
-              <a:rPr lang="en-US" dirty="0" smtClean="0"/>
-              <a:t>Based on the algorithm, we will sort the input array according to the one's digit (least significant digit).</a:t>
-            </a:r>
-            <a:br>
-              <a:rPr lang="en-US" dirty="0" smtClean="0"/>
-            </a:br>
-            <a:r>
-              <a:rPr lang="en-US" dirty="0" smtClean="0"/>
-              <a:t>0: 10</a:t>
-            </a:r>
-            <a:br>
-              <a:rPr lang="en-US" dirty="0" smtClean="0"/>
-            </a:br>
-            <a:r>
-              <a:rPr lang="en-US" dirty="0" smtClean="0"/>
-              <a:t>1: 21 11</a:t>
-            </a:r>
-            <a:br>
-              <a:rPr lang="en-US" dirty="0" smtClean="0"/>
-            </a:br>
-            <a:r>
-              <a:rPr lang="en-US" dirty="0" smtClean="0"/>
-              <a:t>2:</a:t>
-            </a:r>
-            <a:br>
-              <a:rPr lang="en-US" dirty="0" smtClean="0"/>
-            </a:br>
-            <a:r>
-              <a:rPr lang="en-US" dirty="0" smtClean="0"/>
-              <a:t>3: 123</a:t>
-            </a:r>
-            <a:br>
-              <a:rPr lang="en-US" dirty="0" smtClean="0"/>
-            </a:br>
-            <a:r>
-              <a:rPr lang="en-US" dirty="0" smtClean="0"/>
-              <a:t>4: 34 44 654</a:t>
-            </a:r>
-            <a:br>
-              <a:rPr lang="en-US" dirty="0" smtClean="0"/>
-            </a:br>
-            <a:r>
-              <a:rPr lang="en-US" dirty="0" smtClean="0"/>
-              <a:t>5:</a:t>
-            </a:r>
-            <a:br>
-              <a:rPr lang="en-US" dirty="0" smtClean="0"/>
-            </a:br>
-            <a:r>
-              <a:rPr lang="en-US" dirty="0" smtClean="0"/>
-              <a:t>6:</a:t>
-            </a:r>
-            <a:br>
-              <a:rPr lang="en-US" dirty="0" smtClean="0"/>
-            </a:br>
-            <a:r>
-              <a:rPr lang="en-US" dirty="0" smtClean="0"/>
-              <a:t>7: 17</a:t>
-            </a:r>
-            <a:br>
-              <a:rPr lang="en-US" dirty="0" smtClean="0"/>
-            </a:br>
-            <a:r>
-              <a:rPr lang="en-US" dirty="0" smtClean="0"/>
-              <a:t>8:</a:t>
-            </a:r>
-            <a:br>
-              <a:rPr lang="en-US" dirty="0" smtClean="0"/>
-            </a:br>
-            <a:r>
-              <a:rPr lang="en-US" dirty="0" smtClean="0"/>
-              <a:t>9</a:t>
-            </a:r>
-            <a:r>
-              <a:rPr lang="en-US" dirty="0" smtClean="0"/>
-              <a:t>:</a:t>
-            </a:r>
+              <a:t>  The </a:t>
+            </a:r>
+            <a:r>
+              <a:rPr lang="en-US" dirty="0" smtClean="0"/>
+              <a:t>time complexity of radix sort is given by the </a:t>
+            </a:r>
+            <a:r>
+              <a:rPr lang="en-US" dirty="0" err="1" smtClean="0"/>
+              <a:t>formula,T</a:t>
+            </a:r>
+            <a:r>
+              <a:rPr lang="en-US" dirty="0" smtClean="0"/>
+              <a:t>(n) = O(d*(</a:t>
+            </a:r>
+            <a:r>
+              <a:rPr lang="en-US" dirty="0" err="1" smtClean="0"/>
+              <a:t>n+b</a:t>
+            </a:r>
+            <a:r>
+              <a:rPr lang="en-US" dirty="0" smtClean="0"/>
+              <a:t>)), where d is the number of digits in the given list, n is the number of elements in the list, and b is the base or bucket size used, which is normally base 10 for decimal </a:t>
+            </a:r>
+            <a:r>
+              <a:rPr lang="en-US" dirty="0" smtClean="0"/>
+              <a:t>representation.</a:t>
+            </a:r>
+            <a:endParaRPr lang="en-US" dirty="0" smtClean="0"/>
           </a:p>
           <a:p>
             <a:pPr>
@@ -4641,11 +4595,117 @@
             </a:pPr>
             <a:r>
               <a:rPr lang="en-US" dirty="0" smtClean="0"/>
+              <a:t>   Time Complexity </a:t>
+            </a:r>
+            <a:endParaRPr lang="en-US" dirty="0" smtClean="0"/>
+          </a:p>
+          <a:p>
+            <a:pPr>
+              <a:buNone/>
+            </a:pPr>
+            <a:r>
+              <a:rPr lang="en-US" dirty="0" smtClean="0"/>
               <a:t> </a:t>
             </a:r>
             <a:r>
               <a:rPr lang="en-US" dirty="0" smtClean="0"/>
-              <a:t>                                        PTO</a:t>
+              <a:t>  Best </a:t>
+            </a:r>
+            <a:r>
+              <a:rPr lang="en-US" dirty="0" smtClean="0"/>
+              <a:t>= O(</a:t>
+            </a:r>
+            <a:r>
+              <a:rPr lang="en-US" dirty="0" err="1" smtClean="0"/>
+              <a:t>n+k</a:t>
+            </a:r>
+            <a:r>
+              <a:rPr lang="en-US" dirty="0" smtClean="0"/>
+              <a:t>)</a:t>
+            </a:r>
+          </a:p>
+          <a:p>
+            <a:pPr>
+              <a:buNone/>
+            </a:pPr>
+            <a:r>
+              <a:rPr lang="en-US" dirty="0" smtClean="0"/>
+              <a:t> </a:t>
+            </a:r>
+            <a:r>
+              <a:rPr lang="en-US" dirty="0" smtClean="0"/>
+              <a:t>  Worst </a:t>
+            </a:r>
+            <a:r>
+              <a:rPr lang="en-US" dirty="0" smtClean="0"/>
+              <a:t>= O(</a:t>
+            </a:r>
+            <a:r>
+              <a:rPr lang="en-US" dirty="0" err="1" smtClean="0"/>
+              <a:t>n+k</a:t>
+            </a:r>
+            <a:r>
+              <a:rPr lang="en-US" dirty="0" smtClean="0"/>
+              <a:t>)</a:t>
+            </a:r>
+          </a:p>
+          <a:p>
+            <a:pPr>
+              <a:buNone/>
+            </a:pPr>
+            <a:r>
+              <a:rPr lang="en-US" dirty="0" smtClean="0"/>
+              <a:t> </a:t>
+            </a:r>
+            <a:r>
+              <a:rPr lang="en-US" dirty="0" smtClean="0"/>
+              <a:t>  Average</a:t>
+            </a:r>
+            <a:r>
+              <a:rPr lang="en-US" dirty="0" smtClean="0"/>
+              <a:t>= O(</a:t>
+            </a:r>
+            <a:r>
+              <a:rPr lang="en-US" dirty="0" err="1" smtClean="0"/>
+              <a:t>n+k</a:t>
+            </a:r>
+            <a:r>
+              <a:rPr lang="en-US" dirty="0" smtClean="0"/>
+              <a:t>)</a:t>
+            </a:r>
+          </a:p>
+          <a:p>
+            <a:pPr>
+              <a:buNone/>
+            </a:pPr>
+            <a:r>
+              <a:rPr lang="en-US" dirty="0" smtClean="0"/>
+              <a:t> </a:t>
+            </a:r>
+            <a:r>
+              <a:rPr lang="en-US" dirty="0" smtClean="0"/>
+              <a:t>  Space </a:t>
+            </a:r>
+            <a:r>
+              <a:rPr lang="en-US" dirty="0" smtClean="0"/>
+              <a:t>Complexity = O(max</a:t>
+            </a:r>
+            <a:r>
+              <a:rPr lang="en-US" dirty="0" smtClean="0"/>
+              <a:t>)</a:t>
+            </a:r>
+          </a:p>
+          <a:p>
+            <a:pPr>
+              <a:buNone/>
+            </a:pPr>
+            <a:r>
+              <a:rPr lang="en-US" dirty="0" smtClean="0"/>
+              <a:t> </a:t>
+            </a:r>
+            <a:r>
+              <a:rPr lang="en-US" dirty="0" smtClean="0"/>
+              <a:t>  Stability=Yes</a:t>
             </a:r>
             <a:endParaRPr lang="en-US" dirty="0"/>
           </a:p>
@@ -4678,83 +4738,117 @@
       </p:grpSpPr>
       <p:sp>
         <p:nvSpPr>
-          <p:cNvPr id="5" name="Rectangle 4"/>
-          <p:cNvSpPr/>
-          <p:nvPr/>
+          <p:cNvPr id="2" name="Title 1"/>
+          <p:cNvSpPr>
+            <a:spLocks noGrp="1"/>
+          </p:cNvSpPr>
+          <p:nvPr>
+            <p:ph type="title"/>
+          </p:nvPr>
         </p:nvSpPr>
         <p:spPr>
           <a:xfrm>
-            <a:off x="2286000" y="1305342"/>
-            <a:ext cx="4572000" cy="4247317"/>
+            <a:off x="457200" y="320040"/>
+            <a:ext cx="7239000" cy="670560"/>
           </a:xfrm>
-          <a:prstGeom prst="rect">
-            <a:avLst/>
-          </a:prstGeom>
         </p:spPr>
         <p:txBody>
+          <a:bodyPr/>
+          <a:lstStyle/>
+          <a:p>
+            <a:r>
+              <a:rPr lang="en-US" dirty="0" smtClean="0"/>
+              <a:t>How Radix Sort Work</a:t>
+            </a:r>
+            <a:endParaRPr lang="en-US" dirty="0"/>
+          </a:p>
+        </p:txBody>
+      </p:sp>
+      <p:sp>
+        <p:nvSpPr>
+          <p:cNvPr id="3" name="Content Placeholder 2"/>
+          <p:cNvSpPr>
+            <a:spLocks noGrp="1"/>
+          </p:cNvSpPr>
+          <p:nvPr>
+            <p:ph idx="1"/>
+          </p:nvPr>
+        </p:nvSpPr>
+        <p:spPr/>
+        <p:txBody>
           <a:bodyPr>
-            <a:spAutoFit/>
+            <a:normAutofit fontScale="85000" lnSpcReduction="10000"/>
           </a:bodyPr>
           <a:lstStyle/>
           <a:p>
-            <a:r>
-              <a:rPr lang="en-US" dirty="0" smtClean="0"/>
-              <a:t>So, the array becomes 10,21,11,123,24,44,654,17</a:t>
+            <a:pPr>
+              <a:buNone/>
+            </a:pPr>
+            <a:r>
+              <a:rPr lang="en-US" dirty="0" smtClean="0"/>
+              <a:t>Assume the input array is:</a:t>
             </a:r>
             <a:br>
               <a:rPr lang="en-US" dirty="0" smtClean="0"/>
             </a:br>
             <a:r>
               <a:rPr lang="en-US" dirty="0" smtClean="0"/>
-              <a:t>Now, we'll sort according to the ten's digit:</a:t>
+              <a:t>10,21,17,34,44,11,654,123</a:t>
             </a:r>
             <a:br>
               <a:rPr lang="en-US" dirty="0" smtClean="0"/>
             </a:br>
             <a:r>
               <a:rPr lang="en-US" dirty="0" smtClean="0"/>
-              <a:t>0:</a:t>
+              <a:t>Based on the algorithm, we will sort the input array according to the one's digit (least significant digit).</a:t>
             </a:r>
             <a:br>
               <a:rPr lang="en-US" dirty="0" smtClean="0"/>
             </a:br>
             <a:r>
               <a:rPr lang="en-US" dirty="0" smtClean="0"/>
-              <a:t>1: 10 11 17</a:t>
+              <a:t>0: 10</a:t>
             </a:r>
             <a:br>
               <a:rPr lang="en-US" dirty="0" smtClean="0"/>
             </a:br>
             <a:r>
               <a:rPr lang="en-US" dirty="0" smtClean="0"/>
-              <a:t>2: 21 123</a:t>
+              <a:t>1: 21 11</a:t>
             </a:r>
             <a:br>
               <a:rPr lang="en-US" dirty="0" smtClean="0"/>
             </a:br>
             <a:r>
               <a:rPr lang="en-US" dirty="0" smtClean="0"/>
-              <a:t>3: 34</a:t>
+              <a:t>2:</a:t>
             </a:r>
             <a:br>
               <a:rPr lang="en-US" dirty="0" smtClean="0"/>
             </a:br>
             <a:r>
               <a:rPr lang="en-US" dirty="0" smtClean="0"/>
-              <a:t>4: 44</a:t>
+              <a:t>3: 123</a:t>
             </a:r>
             <a:br>
               <a:rPr lang="en-US" dirty="0" smtClean="0"/>
             </a:br>
             <a:r>
               <a:rPr lang="en-US" dirty="0" smtClean="0"/>
-              <a:t>5: 654</a:t>
+              <a:t>4: 34 44 654</a:t>
             </a:r>
             <a:br>
               <a:rPr lang="en-US" dirty="0" smtClean="0"/>
             </a:br>
             <a:r>
               <a:rPr lang="en-US" dirty="0" smtClean="0"/>
+              <a:t>5:</a:t>
+            </a:r>
+            <a:br>
+              <a:rPr lang="en-US" dirty="0" smtClean="0"/>
+            </a:br>
+            <a:r>
+              <a:rPr lang="en-US" dirty="0" smtClean="0"/>
               <a:t>6:</a:t>
             </a:r>
             <a:br>
@@ -4762,7 +4856,7 @@
             </a:br>
             <a:r>
               <a:rPr lang="en-US" dirty="0" smtClean="0"/>
-              <a:t>7:</a:t>
+              <a:t>7: 17</a:t>
             </a:r>
             <a:br>
               <a:rPr lang="en-US" dirty="0" smtClean="0"/>
@@ -4780,13 +4874,12 @@
             </a:r>
           </a:p>
           <a:p>
-            <a:r>
-              <a:rPr lang="en-US" dirty="0"/>
-              <a:t> </a:t>
-            </a:r>
-            <a:r>
-              <a:rPr lang="en-US" dirty="0" smtClean="0"/>
-              <a:t>                             PTO</a:t>
+            <a:pPr>
+              <a:buNone/>
+            </a:pPr>
+            <a:r>
+              <a:rPr lang="en-US" dirty="0" smtClean="0"/>
+              <a:t>                                         PTO</a:t>
             </a:r>
             <a:endParaRPr lang="en-US" dirty="0"/>
           </a:p>
@@ -4819,14 +4912,14 @@
       </p:grpSpPr>
       <p:sp>
         <p:nvSpPr>
-          <p:cNvPr id="2" name="Rectangle 1"/>
+          <p:cNvPr id="5" name="Rectangle 4"/>
           <p:cNvSpPr/>
           <p:nvPr/>
         </p:nvSpPr>
         <p:spPr>
           <a:xfrm>
-            <a:off x="2286000" y="1166843"/>
-            <a:ext cx="4572000" cy="5078313"/>
+            <a:off x="2286000" y="1305342"/>
+            <a:ext cx="4572000" cy="4247317"/>
           </a:xfrm>
           <a:prstGeom prst="rect">
             <a:avLst/>
@@ -4840,63 +4933,63 @@
           <a:p>
             <a:r>
               <a:rPr lang="en-US" dirty="0" smtClean="0"/>
-              <a:t>Now, the array becomes : 10,11,17,21,123,34,44,654</a:t>
+              <a:t>So, the array becomes 10,21,11,123,24,44,654,17</a:t>
             </a:r>
             <a:br>
               <a:rPr lang="en-US" dirty="0" smtClean="0"/>
             </a:br>
             <a:r>
               <a:rPr lang="en-US" dirty="0" smtClean="0"/>
-              <a:t>Finally , we sort according to the hundred's digit (most significant digit):</a:t>
+              <a:t>Now, we'll sort according to the ten's digit:</a:t>
             </a:r>
             <a:br>
               <a:rPr lang="en-US" dirty="0" smtClean="0"/>
             </a:br>
             <a:r>
               <a:rPr lang="en-US" dirty="0" smtClean="0"/>
-              <a:t>0: 010 011 017 021 034 044</a:t>
+              <a:t>0:</a:t>
             </a:r>
             <a:br>
               <a:rPr lang="en-US" dirty="0" smtClean="0"/>
             </a:br>
             <a:r>
               <a:rPr lang="en-US" dirty="0" smtClean="0"/>
-              <a:t>1: 123</a:t>
+              <a:t>1: 10 11 17</a:t>
             </a:r>
             <a:br>
               <a:rPr lang="en-US" dirty="0" smtClean="0"/>
             </a:br>
             <a:r>
               <a:rPr lang="en-US" dirty="0" smtClean="0"/>
-              <a:t>2:</a:t>
+              <a:t>2: 21 123</a:t>
             </a:r>
             <a:br>
               <a:rPr lang="en-US" dirty="0" smtClean="0"/>
             </a:br>
             <a:r>
               <a:rPr lang="en-US" dirty="0" smtClean="0"/>
-              <a:t>3:</a:t>
+              <a:t>3: 34</a:t>
             </a:r>
             <a:br>
               <a:rPr lang="en-US" dirty="0" smtClean="0"/>
             </a:br>
             <a:r>
               <a:rPr lang="en-US" dirty="0" smtClean="0"/>
-              <a:t>4:</a:t>
+              <a:t>4: 44</a:t>
             </a:r>
             <a:br>
               <a:rPr lang="en-US" dirty="0" smtClean="0"/>
             </a:br>
             <a:r>
               <a:rPr lang="en-US" dirty="0" smtClean="0"/>
-              <a:t>5:</a:t>
+              <a:t>5: 654</a:t>
             </a:r>
             <a:br>
               <a:rPr lang="en-US" dirty="0" smtClean="0"/>
             </a:br>
             <a:r>
               <a:rPr lang="en-US" dirty="0" smtClean="0"/>
-              <a:t>6: 654</a:t>
+              <a:t>6:</a:t>
             </a:r>
             <a:br>
               <a:rPr lang="en-US" dirty="0" smtClean="0"/>
@@ -4921,12 +5014,13 @@
             </a:r>
           </a:p>
           <a:p>
-            <a:endParaRPr lang="en-US" dirty="0"/>
-          </a:p>
-          <a:p>
-            <a:r>
-              <a:rPr lang="en-US" dirty="0" smtClean="0"/>
-              <a:t>The array becomes : 10,11,17,21,34,44,123,654 which is sorted. This is how our algorithm works.</a:t>
+            <a:r>
+              <a:rPr lang="en-US" dirty="0"/>
+              <a:t> </a:t>
+            </a:r>
+            <a:r>
+              <a:rPr lang="en-US" dirty="0" smtClean="0"/>
+              <a:t>                             PTO</a:t>
             </a:r>
             <a:endParaRPr lang="en-US" dirty="0"/>
           </a:p>
@@ -4959,159 +5053,114 @@
       </p:grpSpPr>
       <p:sp>
         <p:nvSpPr>
-          <p:cNvPr id="2" name="Title 1"/>
-          <p:cNvSpPr>
-            <a:spLocks noGrp="1"/>
-          </p:cNvSpPr>
-          <p:nvPr>
-            <p:ph type="title"/>
-          </p:nvPr>
-        </p:nvSpPr>
-        <p:spPr/>
-        <p:txBody>
-          <a:bodyPr/>
-          <a:lstStyle/>
-          <a:p>
-            <a:r>
-              <a:rPr lang="en-US" dirty="0" smtClean="0"/>
-              <a:t>     Step </a:t>
-            </a:r>
-            <a:r>
-              <a:rPr lang="en-US" dirty="0" smtClean="0"/>
-              <a:t>by Step Process</a:t>
-            </a:r>
-            <a:endParaRPr lang="en-US" dirty="0"/>
-          </a:p>
-        </p:txBody>
-      </p:sp>
-      <p:sp>
-        <p:nvSpPr>
-          <p:cNvPr id="3" name="Content Placeholder 2"/>
-          <p:cNvSpPr>
-            <a:spLocks noGrp="1"/>
-          </p:cNvSpPr>
-          <p:nvPr>
-            <p:ph idx="1"/>
-          </p:nvPr>
-        </p:nvSpPr>
-        <p:spPr/>
+          <p:cNvPr id="2" name="Rectangle 1"/>
+          <p:cNvSpPr/>
+          <p:nvPr/>
+        </p:nvSpPr>
+        <p:spPr>
+          <a:xfrm>
+            <a:off x="2286000" y="1166843"/>
+            <a:ext cx="4572000" cy="5078313"/>
+          </a:xfrm>
+          <a:prstGeom prst="rect">
+            <a:avLst/>
+          </a:prstGeom>
+        </p:spPr>
         <p:txBody>
           <a:bodyPr>
-            <a:normAutofit fontScale="77500" lnSpcReduction="20000"/>
+            <a:spAutoFit/>
           </a:bodyPr>
           <a:lstStyle/>
           <a:p>
             <a:r>
               <a:rPr lang="en-US" dirty="0" smtClean="0"/>
-              <a:t>The Radix sort algorithm is performed using the following </a:t>
-            </a:r>
-            <a:r>
-              <a:rPr lang="en-US" dirty="0" smtClean="0"/>
-              <a:t>steps:</a:t>
-            </a:r>
-          </a:p>
-          <a:p>
-            <a:pPr>
-              <a:buNone/>
-            </a:pPr>
-            <a:endParaRPr lang="en-US" dirty="0" smtClean="0"/>
-          </a:p>
-          <a:p>
-            <a:pPr>
-              <a:buNone/>
-            </a:pPr>
-            <a:r>
-              <a:rPr lang="en-US" dirty="0" smtClean="0"/>
-              <a:t>-&gt;Step </a:t>
-            </a:r>
-            <a:r>
-              <a:rPr lang="en-US" dirty="0" smtClean="0"/>
-              <a:t>1 - Define 10 queues each representing a bucket for each digit from 0 to 9</a:t>
-            </a:r>
-            <a:r>
-              <a:rPr lang="en-US" dirty="0" smtClean="0"/>
-              <a:t>.</a:t>
-            </a:r>
-          </a:p>
-          <a:p>
-            <a:pPr>
-              <a:buNone/>
-            </a:pPr>
-            <a:r>
-              <a:rPr lang="en-US" dirty="0" smtClean="0"/>
-              <a:t>-&gt;Step </a:t>
-            </a:r>
-            <a:r>
-              <a:rPr lang="en-US" dirty="0" smtClean="0"/>
-              <a:t>2 - Consider the least significant digit of each number in the list which is to be sorted</a:t>
-            </a:r>
-            <a:r>
-              <a:rPr lang="en-US" dirty="0" smtClean="0"/>
-              <a:t>.</a:t>
-            </a:r>
-          </a:p>
-          <a:p>
-            <a:pPr>
-              <a:buNone/>
-            </a:pPr>
-            <a:r>
-              <a:rPr lang="en-US" dirty="0" smtClean="0"/>
-              <a:t>-&gt;Step </a:t>
-            </a:r>
-            <a:r>
-              <a:rPr lang="en-US" dirty="0" smtClean="0"/>
-              <a:t>3 - Insert each number into their respective queue based on the least significant digit</a:t>
-            </a:r>
-            <a:r>
-              <a:rPr lang="en-US" dirty="0" smtClean="0"/>
-              <a:t>.</a:t>
-            </a:r>
-          </a:p>
-          <a:p>
-            <a:pPr>
-              <a:buNone/>
-            </a:pPr>
-            <a:r>
-              <a:rPr lang="en-US" dirty="0" smtClean="0"/>
-              <a:t>-&gt;Step </a:t>
-            </a:r>
-            <a:r>
-              <a:rPr lang="en-US" dirty="0" smtClean="0"/>
-              <a:t>4 - Group all the numbers from queue 0 to queue 9 in the order they have inserted into their respective queues</a:t>
-            </a:r>
-            <a:r>
-              <a:rPr lang="en-US" dirty="0" smtClean="0"/>
-              <a:t>.</a:t>
-            </a:r>
-          </a:p>
-          <a:p>
-            <a:pPr>
-              <a:buNone/>
-            </a:pPr>
-            <a:r>
-              <a:rPr lang="en-US" dirty="0" smtClean="0"/>
-              <a:t>-&gt;Step </a:t>
-            </a:r>
-            <a:r>
-              <a:rPr lang="en-US" dirty="0" smtClean="0"/>
-              <a:t>5 - Repeat from step 3 based on the next least significant digit</a:t>
-            </a:r>
-            <a:r>
-              <a:rPr lang="en-US" dirty="0" smtClean="0"/>
-              <a:t>.</a:t>
-            </a:r>
-          </a:p>
-          <a:p>
-            <a:pPr>
-              <a:buNone/>
-            </a:pPr>
-            <a:r>
-              <a:rPr lang="en-US" dirty="0" smtClean="0"/>
-              <a:t>-&gt;Step </a:t>
-            </a:r>
-            <a:r>
-              <a:rPr lang="en-US" dirty="0" smtClean="0"/>
-              <a:t>6 - Repeat from step 2 until all the numbers are grouped based on the most significant digit.</a:t>
+              <a:t>Now, the array becomes : 10,11,17,21,123,34,44,654</a:t>
+            </a:r>
+            <a:br>
+              <a:rPr lang="en-US" dirty="0" smtClean="0"/>
+            </a:br>
+            <a:r>
+              <a:rPr lang="en-US" dirty="0" smtClean="0"/>
+              <a:t>Finally , we sort according to the hundred's digit (most significant digit):</a:t>
+            </a:r>
+            <a:br>
+              <a:rPr lang="en-US" dirty="0" smtClean="0"/>
+            </a:br>
+            <a:r>
+              <a:rPr lang="en-US" dirty="0" smtClean="0"/>
+              <a:t>0: 010 011 017 021 034 044</a:t>
+            </a:r>
+            <a:br>
+              <a:rPr lang="en-US" dirty="0" smtClean="0"/>
+            </a:br>
+            <a:r>
+              <a:rPr lang="en-US" dirty="0" smtClean="0"/>
+              <a:t>1: 123</a:t>
+            </a:r>
+            <a:br>
+              <a:rPr lang="en-US" dirty="0" smtClean="0"/>
+            </a:br>
+            <a:r>
+              <a:rPr lang="en-US" dirty="0" smtClean="0"/>
+              <a:t>2:</a:t>
+            </a:r>
+            <a:br>
+              <a:rPr lang="en-US" dirty="0" smtClean="0"/>
+            </a:br>
+            <a:r>
+              <a:rPr lang="en-US" dirty="0" smtClean="0"/>
+              <a:t>3:</a:t>
+            </a:r>
+            <a:br>
+              <a:rPr lang="en-US" dirty="0" smtClean="0"/>
+            </a:br>
+            <a:r>
+              <a:rPr lang="en-US" dirty="0" smtClean="0"/>
+              <a:t>4:</a:t>
+            </a:r>
+            <a:br>
+              <a:rPr lang="en-US" dirty="0" smtClean="0"/>
+            </a:br>
+            <a:r>
+              <a:rPr lang="en-US" dirty="0" smtClean="0"/>
+              <a:t>5:</a:t>
+            </a:r>
+            <a:br>
+              <a:rPr lang="en-US" dirty="0" smtClean="0"/>
+            </a:br>
+            <a:r>
+              <a:rPr lang="en-US" dirty="0" smtClean="0"/>
+              <a:t>6: 654</a:t>
+            </a:r>
+            <a:br>
+              <a:rPr lang="en-US" dirty="0" smtClean="0"/>
+            </a:br>
+            <a:r>
+              <a:rPr lang="en-US" dirty="0" smtClean="0"/>
+              <a:t>7:</a:t>
+            </a:r>
+            <a:br>
+              <a:rPr lang="en-US" dirty="0" smtClean="0"/>
+            </a:br>
+            <a:r>
+              <a:rPr lang="en-US" dirty="0" smtClean="0"/>
+              <a:t>8:</a:t>
+            </a:r>
+            <a:br>
+              <a:rPr lang="en-US" dirty="0" smtClean="0"/>
+            </a:br>
+            <a:r>
+              <a:rPr lang="en-US" dirty="0" smtClean="0"/>
+              <a:t>9:</a:t>
+            </a:r>
+          </a:p>
+          <a:p>
+            <a:endParaRPr lang="en-US" dirty="0"/>
+          </a:p>
+          <a:p>
+            <a:r>
+              <a:rPr lang="en-US" dirty="0" smtClean="0"/>
+              <a:t>The array becomes : 10,11,17,21,34,44,123,654 which is sorted. This is how our algorithm works.</a:t>
             </a:r>
             <a:endParaRPr lang="en-US" dirty="0"/>
           </a:p>
@@ -5159,7 +5208,7 @@
           <a:p>
             <a:r>
               <a:rPr lang="en-US" dirty="0" smtClean="0"/>
-              <a:t>          Implementation</a:t>
+              <a:t>     Step by Step Process</a:t>
             </a:r>
             <a:endParaRPr lang="en-US" dirty="0"/>
           </a:p>
@@ -5178,251 +5227,37 @@
         <p:spPr/>
         <p:txBody>
           <a:bodyPr>
-            <a:normAutofit fontScale="55000" lnSpcReduction="20000"/>
+            <a:normAutofit fontScale="77500" lnSpcReduction="20000"/>
           </a:bodyPr>
           <a:lstStyle/>
           <a:p>
+            <a:r>
+              <a:rPr lang="en-US" dirty="0" smtClean="0"/>
+              <a:t>The Radix sort algorithm is performed using the following steps:</a:t>
+            </a:r>
+          </a:p>
+          <a:p>
             <a:pPr>
               <a:buNone/>
             </a:pPr>
-            <a:r>
-              <a:rPr lang="en-GB" dirty="0" smtClean="0">
-                <a:solidFill>
-                  <a:srgbClr val="000088"/>
-                </a:solidFill>
-              </a:rPr>
-              <a:t>void</a:t>
-            </a:r>
-            <a:r>
-              <a:rPr lang="en-GB" dirty="0" smtClean="0">
-                <a:solidFill>
-                  <a:srgbClr val="252C33"/>
-                </a:solidFill>
-              </a:rPr>
-              <a:t> </a:t>
-            </a:r>
-            <a:r>
-              <a:rPr lang="en-GB" dirty="0" err="1" smtClean="0">
-                <a:solidFill>
-                  <a:srgbClr val="252C33"/>
-                </a:solidFill>
-              </a:rPr>
-              <a:t>countsort</a:t>
-            </a:r>
-            <a:r>
-              <a:rPr lang="en-GB" dirty="0" smtClean="0">
-                <a:solidFill>
-                  <a:srgbClr val="666600"/>
-                </a:solidFill>
-              </a:rPr>
-              <a:t>(</a:t>
-            </a:r>
-            <a:r>
-              <a:rPr lang="en-GB" dirty="0" err="1" smtClean="0">
-                <a:solidFill>
-                  <a:srgbClr val="000088"/>
-                </a:solidFill>
-              </a:rPr>
-              <a:t>int</a:t>
-            </a:r>
-            <a:r>
-              <a:rPr lang="en-GB" dirty="0" smtClean="0">
-                <a:solidFill>
-                  <a:srgbClr val="252C33"/>
-                </a:solidFill>
-              </a:rPr>
-              <a:t> </a:t>
-            </a:r>
-            <a:r>
-              <a:rPr lang="en-GB" dirty="0" err="1" smtClean="0">
-                <a:solidFill>
-                  <a:srgbClr val="252C33"/>
-                </a:solidFill>
-              </a:rPr>
-              <a:t>arr</a:t>
-            </a:r>
-            <a:r>
-              <a:rPr lang="en-GB" dirty="0" smtClean="0">
-                <a:solidFill>
-                  <a:srgbClr val="666600"/>
-                </a:solidFill>
-              </a:rPr>
-              <a:t>[],</a:t>
-            </a:r>
-            <a:r>
-              <a:rPr lang="en-GB" dirty="0" err="1" smtClean="0">
-                <a:solidFill>
-                  <a:srgbClr val="000088"/>
-                </a:solidFill>
-              </a:rPr>
-              <a:t>int</a:t>
-            </a:r>
-            <a:r>
-              <a:rPr lang="en-GB" dirty="0" smtClean="0">
-                <a:solidFill>
-                  <a:srgbClr val="252C33"/>
-                </a:solidFill>
-              </a:rPr>
-              <a:t> </a:t>
-            </a:r>
-            <a:r>
-              <a:rPr lang="en-GB" dirty="0" err="1" smtClean="0">
-                <a:solidFill>
-                  <a:srgbClr val="252C33"/>
-                </a:solidFill>
-              </a:rPr>
-              <a:t>n</a:t>
-            </a:r>
-            <a:r>
-              <a:rPr lang="en-GB" dirty="0" err="1" smtClean="0">
-                <a:solidFill>
-                  <a:srgbClr val="666600"/>
-                </a:solidFill>
-              </a:rPr>
-              <a:t>,</a:t>
-            </a:r>
-            <a:r>
-              <a:rPr lang="en-GB" dirty="0" err="1" smtClean="0">
-                <a:solidFill>
-                  <a:srgbClr val="000088"/>
-                </a:solidFill>
-              </a:rPr>
-              <a:t>int</a:t>
-            </a:r>
-            <a:r>
-              <a:rPr lang="en-GB" dirty="0" smtClean="0">
-                <a:solidFill>
-                  <a:srgbClr val="252C33"/>
-                </a:solidFill>
-              </a:rPr>
-              <a:t> place</a:t>
-            </a:r>
-            <a:r>
-              <a:rPr lang="en-GB" dirty="0" smtClean="0">
-                <a:solidFill>
-                  <a:srgbClr val="666600"/>
-                </a:solidFill>
-              </a:rPr>
-              <a:t>)</a:t>
-            </a:r>
+            <a:endParaRPr lang="en-US" dirty="0" smtClean="0"/>
           </a:p>
           <a:p>
             <a:pPr>
               <a:buNone/>
             </a:pPr>
             <a:r>
-              <a:rPr lang="en-GB" dirty="0" smtClean="0">
-                <a:solidFill>
-                  <a:srgbClr val="666600"/>
-                </a:solidFill>
-              </a:rPr>
-              <a:t>{</a:t>
-            </a:r>
-            <a:r>
-              <a:rPr lang="en-GB" dirty="0" smtClean="0">
-                <a:solidFill>
-                  <a:srgbClr val="252C33"/>
-                </a:solidFill>
-              </a:rPr>
-              <a:t> </a:t>
-            </a:r>
-            <a:endParaRPr lang="en-GB" dirty="0" smtClean="0">
-              <a:solidFill>
-                <a:srgbClr val="252C33"/>
-              </a:solidFill>
-            </a:endParaRPr>
+              <a:rPr lang="en-US" dirty="0" smtClean="0"/>
+              <a:t>-&gt;Step 1 - Define 10 queues each representing a bucket for each digit from 0 to 9.</a:t>
+            </a:r>
           </a:p>
           <a:p>
             <a:pPr>
               <a:buNone/>
             </a:pPr>
             <a:r>
-              <a:rPr lang="en-GB" dirty="0" err="1" smtClean="0">
-                <a:solidFill>
-                  <a:srgbClr val="000088"/>
-                </a:solidFill>
-              </a:rPr>
-              <a:t>int</a:t>
-            </a:r>
-            <a:r>
-              <a:rPr lang="en-GB" dirty="0" smtClean="0">
-                <a:solidFill>
-                  <a:srgbClr val="252C33"/>
-                </a:solidFill>
-              </a:rPr>
-              <a:t> </a:t>
-            </a:r>
-            <a:r>
-              <a:rPr lang="en-GB" dirty="0" err="1" smtClean="0">
-                <a:solidFill>
-                  <a:srgbClr val="252C33"/>
-                </a:solidFill>
-              </a:rPr>
-              <a:t>i</a:t>
-            </a:r>
-            <a:r>
-              <a:rPr lang="en-GB" dirty="0" err="1" smtClean="0">
-                <a:solidFill>
-                  <a:srgbClr val="666600"/>
-                </a:solidFill>
-              </a:rPr>
-              <a:t>,</a:t>
-            </a:r>
-            <a:r>
-              <a:rPr lang="en-GB" dirty="0" err="1" smtClean="0">
-                <a:solidFill>
-                  <a:srgbClr val="252C33"/>
-                </a:solidFill>
-              </a:rPr>
-              <a:t>freq</a:t>
-            </a:r>
-            <a:r>
-              <a:rPr lang="en-GB" dirty="0" smtClean="0">
-                <a:solidFill>
-                  <a:srgbClr val="666600"/>
-                </a:solidFill>
-              </a:rPr>
-              <a:t>[</a:t>
-            </a:r>
-            <a:r>
-              <a:rPr lang="en-GB" dirty="0" smtClean="0">
-                <a:solidFill>
-                  <a:srgbClr val="252C33"/>
-                </a:solidFill>
-              </a:rPr>
-              <a:t>range</a:t>
-            </a:r>
-            <a:r>
-              <a:rPr lang="en-GB" dirty="0" smtClean="0">
-                <a:solidFill>
-                  <a:srgbClr val="666600"/>
-                </a:solidFill>
-              </a:rPr>
-              <a:t>]={</a:t>
-            </a:r>
-            <a:r>
-              <a:rPr lang="en-GB" dirty="0" smtClean="0">
-                <a:solidFill>
-                  <a:srgbClr val="006666"/>
-                </a:solidFill>
-              </a:rPr>
-              <a:t>0</a:t>
-            </a:r>
-            <a:r>
-              <a:rPr lang="en-GB" dirty="0" smtClean="0">
-                <a:solidFill>
-                  <a:srgbClr val="666600"/>
-                </a:solidFill>
-              </a:rPr>
-              <a:t>};</a:t>
-            </a:r>
-            <a:r>
-              <a:rPr lang="en-GB" dirty="0" smtClean="0">
-                <a:solidFill>
-                  <a:srgbClr val="252C33"/>
-                </a:solidFill>
-              </a:rPr>
-              <a:t> </a:t>
+              <a:rPr lang="en-US" dirty="0" smtClean="0"/>
+              <a:t>-&gt;Step 2 - Consider the least significant digit of each number in the list which is to be sorted.</a:t>
             </a:r>
           </a:p>
           <a:p>
@@ -5430,52 +5265,8 @@
               <a:buNone/>
             </a:pPr>
             <a:r>
-              <a:rPr lang="en-GB" dirty="0" err="1" smtClean="0">
-                <a:solidFill>
-                  <a:srgbClr val="000088"/>
-                </a:solidFill>
-              </a:rPr>
-              <a:t>int</a:t>
-            </a:r>
-            <a:r>
-              <a:rPr lang="en-GB" dirty="0" smtClean="0">
-                <a:solidFill>
-                  <a:srgbClr val="252C33"/>
-                </a:solidFill>
-              </a:rPr>
-              <a:t> output</a:t>
-            </a:r>
-            <a:r>
-              <a:rPr lang="en-GB" dirty="0" smtClean="0">
-                <a:solidFill>
-                  <a:srgbClr val="666600"/>
-                </a:solidFill>
-              </a:rPr>
-              <a:t>[</a:t>
-            </a:r>
-            <a:r>
-              <a:rPr lang="en-GB" dirty="0" smtClean="0">
-                <a:solidFill>
-                  <a:srgbClr val="252C33"/>
-                </a:solidFill>
-              </a:rPr>
-              <a:t>n</a:t>
-            </a:r>
-            <a:r>
-              <a:rPr lang="en-GB" dirty="0" smtClean="0">
-                <a:solidFill>
-                  <a:srgbClr val="666600"/>
-                </a:solidFill>
-              </a:rPr>
-              <a:t>];</a:t>
-            </a:r>
-            <a:r>
-              <a:rPr lang="en-GB" dirty="0" smtClean="0">
-                <a:solidFill>
-                  <a:srgbClr val="252C33"/>
-                </a:solidFill>
-              </a:rPr>
-              <a:t> </a:t>
+              <a:rPr lang="en-US" dirty="0" smtClean="0"/>
+              <a:t>-&gt;Step 3 - Insert each number into their respective queue based on the least significant digit.</a:t>
             </a:r>
           </a:p>
           <a:p>
@@ -5483,108 +5274,8 @@
               <a:buNone/>
             </a:pPr>
             <a:r>
-              <a:rPr lang="en-GB" dirty="0" smtClean="0">
-                <a:solidFill>
-                  <a:srgbClr val="000088"/>
-                </a:solidFill>
-              </a:rPr>
-              <a:t>for</a:t>
-            </a:r>
-            <a:r>
-              <a:rPr lang="en-GB" dirty="0" smtClean="0">
-                <a:solidFill>
-                  <a:srgbClr val="666600"/>
-                </a:solidFill>
-              </a:rPr>
-              <a:t>(</a:t>
-            </a:r>
-            <a:r>
-              <a:rPr lang="en-GB" dirty="0" err="1" smtClean="0">
-                <a:solidFill>
-                  <a:srgbClr val="252C33"/>
-                </a:solidFill>
-              </a:rPr>
-              <a:t>i</a:t>
-            </a:r>
-            <a:r>
-              <a:rPr lang="en-GB" dirty="0" smtClean="0">
-                <a:solidFill>
-                  <a:srgbClr val="666600"/>
-                </a:solidFill>
-              </a:rPr>
-              <a:t>=</a:t>
-            </a:r>
-            <a:r>
-              <a:rPr lang="en-GB" dirty="0" smtClean="0">
-                <a:solidFill>
-                  <a:srgbClr val="006666"/>
-                </a:solidFill>
-              </a:rPr>
-              <a:t>0</a:t>
-            </a:r>
-            <a:r>
-              <a:rPr lang="en-GB" dirty="0" smtClean="0">
-                <a:solidFill>
-                  <a:srgbClr val="666600"/>
-                </a:solidFill>
-              </a:rPr>
-              <a:t>;</a:t>
-            </a:r>
-            <a:r>
-              <a:rPr lang="en-GB" dirty="0" smtClean="0">
-                <a:solidFill>
-                  <a:srgbClr val="252C33"/>
-                </a:solidFill>
-              </a:rPr>
-              <a:t>i</a:t>
-            </a:r>
-            <a:r>
-              <a:rPr lang="en-GB" dirty="0" smtClean="0">
-                <a:solidFill>
-                  <a:srgbClr val="666600"/>
-                </a:solidFill>
-              </a:rPr>
-              <a:t>&lt;</a:t>
-            </a:r>
-            <a:r>
-              <a:rPr lang="en-GB" dirty="0" err="1" smtClean="0">
-                <a:solidFill>
-                  <a:srgbClr val="252C33"/>
-                </a:solidFill>
-              </a:rPr>
-              <a:t>n</a:t>
-            </a:r>
-            <a:r>
-              <a:rPr lang="en-GB" dirty="0" err="1" smtClean="0">
-                <a:solidFill>
-                  <a:srgbClr val="666600"/>
-                </a:solidFill>
-              </a:rPr>
-              <a:t>;</a:t>
-            </a:r>
-            <a:r>
-              <a:rPr lang="en-GB" dirty="0" err="1" smtClean="0">
-                <a:solidFill>
-                  <a:srgbClr val="252C33"/>
-                </a:solidFill>
-              </a:rPr>
-              <a:t>i</a:t>
-            </a:r>
-            <a:r>
-              <a:rPr lang="en-GB" dirty="0" smtClean="0">
-                <a:solidFill>
-                  <a:srgbClr val="666600"/>
-                </a:solidFill>
-              </a:rPr>
-              <a:t>++)</a:t>
-            </a:r>
-            <a:r>
-              <a:rPr lang="en-GB" dirty="0" smtClean="0">
-                <a:solidFill>
-                  <a:srgbClr val="252C33"/>
-                </a:solidFill>
-              </a:rPr>
-              <a:t> </a:t>
+              <a:rPr lang="en-US" dirty="0" smtClean="0"/>
+              <a:t>-&gt;Step 4 - Group all the numbers from queue 0 to queue 9 in the order they have inserted into their respective queues.</a:t>
             </a:r>
           </a:p>
           <a:p>
@@ -5592,84 +5283,8 @@
               <a:buNone/>
             </a:pPr>
             <a:r>
-              <a:rPr lang="en-GB" dirty="0" smtClean="0">
-                <a:solidFill>
-                  <a:srgbClr val="252C33"/>
-                </a:solidFill>
-              </a:rPr>
-              <a:t>freq</a:t>
-            </a:r>
-            <a:r>
-              <a:rPr lang="en-GB" dirty="0" smtClean="0">
-                <a:solidFill>
-                  <a:srgbClr val="666600"/>
-                </a:solidFill>
-              </a:rPr>
-              <a:t>[(</a:t>
-            </a:r>
-            <a:r>
-              <a:rPr lang="en-GB" dirty="0" err="1" smtClean="0">
-                <a:solidFill>
-                  <a:srgbClr val="252C33"/>
-                </a:solidFill>
-              </a:rPr>
-              <a:t>arr</a:t>
-            </a:r>
-            <a:r>
-              <a:rPr lang="en-GB" dirty="0" smtClean="0">
-                <a:solidFill>
-                  <a:srgbClr val="666600"/>
-                </a:solidFill>
-              </a:rPr>
-              <a:t>[</a:t>
-            </a:r>
-            <a:r>
-              <a:rPr lang="en-GB" dirty="0" err="1" smtClean="0">
-                <a:solidFill>
-                  <a:srgbClr val="252C33"/>
-                </a:solidFill>
-              </a:rPr>
-              <a:t>i</a:t>
-            </a:r>
-            <a:r>
-              <a:rPr lang="en-GB" dirty="0" smtClean="0">
-                <a:solidFill>
-                  <a:srgbClr val="666600"/>
-                </a:solidFill>
-              </a:rPr>
-              <a:t>]/</a:t>
-            </a:r>
-            <a:r>
-              <a:rPr lang="en-GB" dirty="0" smtClean="0">
-                <a:solidFill>
-                  <a:srgbClr val="252C33"/>
-                </a:solidFill>
-              </a:rPr>
-              <a:t>place</a:t>
-            </a:r>
-            <a:r>
-              <a:rPr lang="en-GB" dirty="0" smtClean="0">
-                <a:solidFill>
-                  <a:srgbClr val="666600"/>
-                </a:solidFill>
-              </a:rPr>
-              <a:t>)%</a:t>
-            </a:r>
-            <a:r>
-              <a:rPr lang="en-GB" dirty="0" smtClean="0">
-                <a:solidFill>
-                  <a:srgbClr val="252C33"/>
-                </a:solidFill>
-              </a:rPr>
-              <a:t>range</a:t>
-            </a:r>
-            <a:r>
-              <a:rPr lang="en-GB" dirty="0" smtClean="0">
-                <a:solidFill>
-                  <a:srgbClr val="666600"/>
-                </a:solidFill>
-              </a:rPr>
-              <a:t>]++;</a:t>
+              <a:rPr lang="en-US" dirty="0" smtClean="0"/>
+              <a:t>-&gt;Step 5 - Repeat from step 3 based on the next least significant digit.</a:t>
             </a:r>
           </a:p>
           <a:p>
@@ -5677,1281 +5292,9 @@
               <a:buNone/>
             </a:pPr>
             <a:r>
-              <a:rPr lang="en-GB" dirty="0" smtClean="0">
-                <a:solidFill>
-                  <a:srgbClr val="000088"/>
-                </a:solidFill>
-              </a:rPr>
-              <a:t>for</a:t>
-            </a:r>
-            <a:r>
-              <a:rPr lang="en-GB" dirty="0" smtClean="0">
-                <a:solidFill>
-                  <a:srgbClr val="666600"/>
-                </a:solidFill>
-              </a:rPr>
-              <a:t>(</a:t>
-            </a:r>
-            <a:r>
-              <a:rPr lang="en-GB" dirty="0" err="1" smtClean="0">
-                <a:solidFill>
-                  <a:srgbClr val="252C33"/>
-                </a:solidFill>
-              </a:rPr>
-              <a:t>i</a:t>
-            </a:r>
-            <a:r>
-              <a:rPr lang="en-GB" dirty="0" smtClean="0">
-                <a:solidFill>
-                  <a:srgbClr val="666600"/>
-                </a:solidFill>
-              </a:rPr>
-              <a:t>=</a:t>
-            </a:r>
-            <a:r>
-              <a:rPr lang="en-GB" dirty="0" smtClean="0">
-                <a:solidFill>
-                  <a:srgbClr val="006666"/>
-                </a:solidFill>
-              </a:rPr>
-              <a:t>1</a:t>
-            </a:r>
-            <a:r>
-              <a:rPr lang="en-GB" dirty="0" smtClean="0">
-                <a:solidFill>
-                  <a:srgbClr val="666600"/>
-                </a:solidFill>
-              </a:rPr>
-              <a:t>;</a:t>
-            </a:r>
-            <a:r>
-              <a:rPr lang="en-GB" dirty="0" smtClean="0">
-                <a:solidFill>
-                  <a:srgbClr val="252C33"/>
-                </a:solidFill>
-              </a:rPr>
-              <a:t>i</a:t>
-            </a:r>
-            <a:r>
-              <a:rPr lang="en-GB" dirty="0" smtClean="0">
-                <a:solidFill>
-                  <a:srgbClr val="666600"/>
-                </a:solidFill>
-              </a:rPr>
-              <a:t>&lt;</a:t>
-            </a:r>
-            <a:r>
-              <a:rPr lang="en-GB" dirty="0" err="1" smtClean="0">
-                <a:solidFill>
-                  <a:srgbClr val="252C33"/>
-                </a:solidFill>
-              </a:rPr>
-              <a:t>range</a:t>
-            </a:r>
-            <a:r>
-              <a:rPr lang="en-GB" dirty="0" err="1" smtClean="0">
-                <a:solidFill>
-                  <a:srgbClr val="666600"/>
-                </a:solidFill>
-              </a:rPr>
-              <a:t>;</a:t>
-            </a:r>
-            <a:r>
-              <a:rPr lang="en-GB" dirty="0" err="1" smtClean="0">
-                <a:solidFill>
-                  <a:srgbClr val="252C33"/>
-                </a:solidFill>
-              </a:rPr>
-              <a:t>i</a:t>
-            </a:r>
-            <a:r>
-              <a:rPr lang="en-GB" dirty="0" smtClean="0">
-                <a:solidFill>
-                  <a:srgbClr val="666600"/>
-                </a:solidFill>
-              </a:rPr>
-              <a:t>++)</a:t>
-            </a:r>
-            <a:r>
-              <a:rPr lang="en-GB" dirty="0" smtClean="0">
-                <a:solidFill>
-                  <a:srgbClr val="252C33"/>
-                </a:solidFill>
-              </a:rPr>
-              <a:t> freq</a:t>
-            </a:r>
-            <a:r>
-              <a:rPr lang="en-GB" dirty="0" smtClean="0">
-                <a:solidFill>
-                  <a:srgbClr val="666600"/>
-                </a:solidFill>
-              </a:rPr>
-              <a:t>[</a:t>
-            </a:r>
-            <a:r>
-              <a:rPr lang="en-GB" dirty="0" err="1" smtClean="0">
-                <a:solidFill>
-                  <a:srgbClr val="252C33"/>
-                </a:solidFill>
-              </a:rPr>
-              <a:t>i</a:t>
-            </a:r>
-            <a:r>
-              <a:rPr lang="en-GB" dirty="0" smtClean="0">
-                <a:solidFill>
-                  <a:srgbClr val="666600"/>
-                </a:solidFill>
-              </a:rPr>
-              <a:t>]+=</a:t>
-            </a:r>
-            <a:r>
-              <a:rPr lang="en-GB" dirty="0" smtClean="0">
-                <a:solidFill>
-                  <a:srgbClr val="252C33"/>
-                </a:solidFill>
-              </a:rPr>
-              <a:t>freq</a:t>
-            </a:r>
-            <a:r>
-              <a:rPr lang="en-GB" dirty="0" smtClean="0">
-                <a:solidFill>
-                  <a:srgbClr val="666600"/>
-                </a:solidFill>
-              </a:rPr>
-              <a:t>[</a:t>
-            </a:r>
-            <a:r>
-              <a:rPr lang="en-GB" dirty="0" smtClean="0">
-                <a:solidFill>
-                  <a:srgbClr val="252C33"/>
-                </a:solidFill>
-              </a:rPr>
-              <a:t>i</a:t>
-            </a:r>
-            <a:r>
-              <a:rPr lang="en-GB" dirty="0" smtClean="0">
-                <a:solidFill>
-                  <a:srgbClr val="666600"/>
-                </a:solidFill>
-              </a:rPr>
-              <a:t>-</a:t>
-            </a:r>
-            <a:r>
-              <a:rPr lang="en-GB" dirty="0" smtClean="0">
-                <a:solidFill>
-                  <a:srgbClr val="006666"/>
-                </a:solidFill>
-              </a:rPr>
-              <a:t>1</a:t>
-            </a:r>
-            <a:r>
-              <a:rPr lang="en-GB" dirty="0" smtClean="0">
-                <a:solidFill>
-                  <a:srgbClr val="666600"/>
-                </a:solidFill>
-              </a:rPr>
-              <a:t>];</a:t>
-            </a:r>
-            <a:r>
-              <a:rPr lang="en-GB" dirty="0" smtClean="0">
-                <a:solidFill>
-                  <a:srgbClr val="252C33"/>
-                </a:solidFill>
-              </a:rPr>
-              <a:t> </a:t>
-            </a:r>
-          </a:p>
-          <a:p>
-            <a:pPr>
-              <a:buNone/>
-            </a:pPr>
-            <a:r>
-              <a:rPr lang="en-GB" dirty="0" smtClean="0">
-                <a:solidFill>
-                  <a:srgbClr val="000088"/>
-                </a:solidFill>
-              </a:rPr>
-              <a:t>for</a:t>
-            </a:r>
-            <a:r>
-              <a:rPr lang="en-GB" dirty="0" smtClean="0">
-                <a:solidFill>
-                  <a:srgbClr val="666600"/>
-                </a:solidFill>
-              </a:rPr>
-              <a:t>(</a:t>
-            </a:r>
-            <a:r>
-              <a:rPr lang="en-GB" dirty="0" err="1" smtClean="0">
-                <a:solidFill>
-                  <a:srgbClr val="252C33"/>
-                </a:solidFill>
-              </a:rPr>
-              <a:t>i</a:t>
-            </a:r>
-            <a:r>
-              <a:rPr lang="en-GB" dirty="0" smtClean="0">
-                <a:solidFill>
-                  <a:srgbClr val="666600"/>
-                </a:solidFill>
-              </a:rPr>
-              <a:t>=</a:t>
-            </a:r>
-            <a:r>
-              <a:rPr lang="en-GB" dirty="0" smtClean="0">
-                <a:solidFill>
-                  <a:srgbClr val="252C33"/>
-                </a:solidFill>
-              </a:rPr>
-              <a:t>n</a:t>
-            </a:r>
-            <a:r>
-              <a:rPr lang="en-GB" dirty="0" smtClean="0">
-                <a:solidFill>
-                  <a:srgbClr val="666600"/>
-                </a:solidFill>
-              </a:rPr>
-              <a:t>-</a:t>
-            </a:r>
-            <a:r>
-              <a:rPr lang="en-GB" dirty="0" smtClean="0">
-                <a:solidFill>
-                  <a:srgbClr val="006666"/>
-                </a:solidFill>
-              </a:rPr>
-              <a:t>1</a:t>
-            </a:r>
-            <a:r>
-              <a:rPr lang="en-GB" dirty="0" smtClean="0">
-                <a:solidFill>
-                  <a:srgbClr val="666600"/>
-                </a:solidFill>
-              </a:rPr>
-              <a:t>;</a:t>
-            </a:r>
-            <a:r>
-              <a:rPr lang="en-GB" dirty="0" smtClean="0">
-                <a:solidFill>
-                  <a:srgbClr val="252C33"/>
-                </a:solidFill>
-              </a:rPr>
-              <a:t>i</a:t>
-            </a:r>
-            <a:r>
-              <a:rPr lang="en-GB" dirty="0" smtClean="0">
-                <a:solidFill>
-                  <a:srgbClr val="666600"/>
-                </a:solidFill>
-              </a:rPr>
-              <a:t>&gt;=</a:t>
-            </a:r>
-            <a:r>
-              <a:rPr lang="en-GB" dirty="0" smtClean="0">
-                <a:solidFill>
-                  <a:srgbClr val="006666"/>
-                </a:solidFill>
-              </a:rPr>
-              <a:t>0</a:t>
-            </a:r>
-            <a:r>
-              <a:rPr lang="en-GB" dirty="0" smtClean="0">
-                <a:solidFill>
-                  <a:srgbClr val="666600"/>
-                </a:solidFill>
-              </a:rPr>
-              <a:t>;</a:t>
-            </a:r>
-            <a:r>
-              <a:rPr lang="en-GB" dirty="0" smtClean="0">
-                <a:solidFill>
-                  <a:srgbClr val="252C33"/>
-                </a:solidFill>
-              </a:rPr>
-              <a:t>i</a:t>
-            </a:r>
-            <a:r>
-              <a:rPr lang="en-GB" dirty="0" smtClean="0">
-                <a:solidFill>
-                  <a:srgbClr val="666600"/>
-                </a:solidFill>
-              </a:rPr>
-              <a:t>--)</a:t>
-            </a:r>
-          </a:p>
-          <a:p>
-            <a:pPr>
-              <a:buNone/>
-            </a:pPr>
-            <a:r>
-              <a:rPr lang="en-GB" dirty="0" smtClean="0">
-                <a:solidFill>
-                  <a:srgbClr val="666600"/>
-                </a:solidFill>
-              </a:rPr>
-              <a:t>{</a:t>
-            </a:r>
-            <a:r>
-              <a:rPr lang="en-GB" dirty="0" smtClean="0">
-                <a:solidFill>
-                  <a:srgbClr val="252C33"/>
-                </a:solidFill>
-              </a:rPr>
-              <a:t> </a:t>
-            </a:r>
-            <a:endParaRPr lang="en-GB" dirty="0" smtClean="0">
-              <a:solidFill>
-                <a:srgbClr val="252C33"/>
-              </a:solidFill>
-            </a:endParaRPr>
-          </a:p>
-          <a:p>
-            <a:pPr>
-              <a:buNone/>
-            </a:pPr>
-            <a:r>
-              <a:rPr lang="en-GB" dirty="0" smtClean="0">
-                <a:solidFill>
-                  <a:srgbClr val="252C33"/>
-                </a:solidFill>
-              </a:rPr>
-              <a:t>output</a:t>
-            </a:r>
-            <a:r>
-              <a:rPr lang="en-GB" dirty="0" smtClean="0">
-                <a:solidFill>
-                  <a:srgbClr val="666600"/>
-                </a:solidFill>
-              </a:rPr>
-              <a:t>[</a:t>
-            </a:r>
-            <a:r>
-              <a:rPr lang="en-GB" dirty="0" smtClean="0">
-                <a:solidFill>
-                  <a:srgbClr val="252C33"/>
-                </a:solidFill>
-              </a:rPr>
-              <a:t>freq</a:t>
-            </a:r>
-            <a:r>
-              <a:rPr lang="en-GB" dirty="0" smtClean="0">
-                <a:solidFill>
-                  <a:srgbClr val="666600"/>
-                </a:solidFill>
-              </a:rPr>
-              <a:t>[(</a:t>
-            </a:r>
-            <a:r>
-              <a:rPr lang="en-GB" dirty="0" err="1" smtClean="0">
-                <a:solidFill>
-                  <a:srgbClr val="252C33"/>
-                </a:solidFill>
-              </a:rPr>
-              <a:t>arr</a:t>
-            </a:r>
-            <a:r>
-              <a:rPr lang="en-GB" dirty="0" smtClean="0">
-                <a:solidFill>
-                  <a:srgbClr val="666600"/>
-                </a:solidFill>
-              </a:rPr>
-              <a:t>[</a:t>
-            </a:r>
-            <a:r>
-              <a:rPr lang="en-GB" dirty="0" err="1" smtClean="0">
-                <a:solidFill>
-                  <a:srgbClr val="252C33"/>
-                </a:solidFill>
-              </a:rPr>
-              <a:t>i</a:t>
-            </a:r>
-            <a:r>
-              <a:rPr lang="en-GB" dirty="0" smtClean="0">
-                <a:solidFill>
-                  <a:srgbClr val="666600"/>
-                </a:solidFill>
-              </a:rPr>
-              <a:t>]/</a:t>
-            </a:r>
-            <a:r>
-              <a:rPr lang="en-GB" dirty="0" smtClean="0">
-                <a:solidFill>
-                  <a:srgbClr val="252C33"/>
-                </a:solidFill>
-              </a:rPr>
-              <a:t>place</a:t>
-            </a:r>
-            <a:r>
-              <a:rPr lang="en-GB" dirty="0" smtClean="0">
-                <a:solidFill>
-                  <a:srgbClr val="666600"/>
-                </a:solidFill>
-              </a:rPr>
-              <a:t>)%</a:t>
-            </a:r>
-            <a:r>
-              <a:rPr lang="en-GB" dirty="0" smtClean="0">
-                <a:solidFill>
-                  <a:srgbClr val="252C33"/>
-                </a:solidFill>
-              </a:rPr>
-              <a:t>range</a:t>
-            </a:r>
-            <a:r>
-              <a:rPr lang="en-GB" dirty="0" smtClean="0">
-                <a:solidFill>
-                  <a:srgbClr val="666600"/>
-                </a:solidFill>
-              </a:rPr>
-              <a:t>]-</a:t>
-            </a:r>
-            <a:r>
-              <a:rPr lang="en-GB" dirty="0" smtClean="0">
-                <a:solidFill>
-                  <a:srgbClr val="006666"/>
-                </a:solidFill>
-              </a:rPr>
-              <a:t>1</a:t>
-            </a:r>
-            <a:r>
-              <a:rPr lang="en-GB" dirty="0" smtClean="0">
-                <a:solidFill>
-                  <a:srgbClr val="666600"/>
-                </a:solidFill>
-              </a:rPr>
-              <a:t>]=</a:t>
-            </a:r>
-            <a:r>
-              <a:rPr lang="en-GB" dirty="0" err="1" smtClean="0">
-                <a:solidFill>
-                  <a:srgbClr val="252C33"/>
-                </a:solidFill>
-              </a:rPr>
-              <a:t>arr</a:t>
-            </a:r>
-            <a:r>
-              <a:rPr lang="en-GB" dirty="0" smtClean="0">
-                <a:solidFill>
-                  <a:srgbClr val="666600"/>
-                </a:solidFill>
-              </a:rPr>
-              <a:t>[</a:t>
-            </a:r>
-            <a:r>
-              <a:rPr lang="en-GB" dirty="0" err="1" smtClean="0">
-                <a:solidFill>
-                  <a:srgbClr val="252C33"/>
-                </a:solidFill>
-              </a:rPr>
-              <a:t>i</a:t>
-            </a:r>
-            <a:r>
-              <a:rPr lang="en-GB" dirty="0" smtClean="0">
-                <a:solidFill>
-                  <a:srgbClr val="666600"/>
-                </a:solidFill>
-              </a:rPr>
-              <a:t>];</a:t>
-            </a:r>
-          </a:p>
-          <a:p>
-            <a:pPr>
-              <a:buNone/>
-            </a:pPr>
-            <a:r>
-              <a:rPr lang="en-GB" dirty="0" smtClean="0">
-                <a:solidFill>
-                  <a:srgbClr val="252C33"/>
-                </a:solidFill>
-              </a:rPr>
-              <a:t>freq</a:t>
-            </a:r>
-            <a:r>
-              <a:rPr lang="en-GB" dirty="0" smtClean="0">
-                <a:solidFill>
-                  <a:srgbClr val="666600"/>
-                </a:solidFill>
-              </a:rPr>
-              <a:t>[(</a:t>
-            </a:r>
-            <a:r>
-              <a:rPr lang="en-GB" dirty="0" err="1" smtClean="0">
-                <a:solidFill>
-                  <a:srgbClr val="252C33"/>
-                </a:solidFill>
-              </a:rPr>
-              <a:t>arr</a:t>
-            </a:r>
-            <a:r>
-              <a:rPr lang="en-GB" dirty="0" smtClean="0">
-                <a:solidFill>
-                  <a:srgbClr val="666600"/>
-                </a:solidFill>
-              </a:rPr>
-              <a:t>[</a:t>
-            </a:r>
-            <a:r>
-              <a:rPr lang="en-GB" dirty="0" err="1" smtClean="0">
-                <a:solidFill>
-                  <a:srgbClr val="252C33"/>
-                </a:solidFill>
-              </a:rPr>
-              <a:t>i</a:t>
-            </a:r>
-            <a:r>
-              <a:rPr lang="en-GB" dirty="0" smtClean="0">
-                <a:solidFill>
-                  <a:srgbClr val="666600"/>
-                </a:solidFill>
-              </a:rPr>
-              <a:t>]/</a:t>
-            </a:r>
-            <a:r>
-              <a:rPr lang="en-GB" dirty="0" smtClean="0">
-                <a:solidFill>
-                  <a:srgbClr val="252C33"/>
-                </a:solidFill>
-              </a:rPr>
-              <a:t>place</a:t>
-            </a:r>
-            <a:r>
-              <a:rPr lang="en-GB" dirty="0" smtClean="0">
-                <a:solidFill>
-                  <a:srgbClr val="666600"/>
-                </a:solidFill>
-              </a:rPr>
-              <a:t>)%</a:t>
-            </a:r>
-            <a:r>
-              <a:rPr lang="en-GB" dirty="0" smtClean="0">
-                <a:solidFill>
-                  <a:srgbClr val="252C33"/>
-                </a:solidFill>
-              </a:rPr>
-              <a:t>range</a:t>
-            </a:r>
-            <a:r>
-              <a:rPr lang="en-GB" dirty="0" smtClean="0">
-                <a:solidFill>
-                  <a:srgbClr val="666600"/>
-                </a:solidFill>
-              </a:rPr>
-              <a:t>]--;</a:t>
-            </a:r>
-            <a:r>
-              <a:rPr lang="en-GB" dirty="0" smtClean="0">
-                <a:solidFill>
-                  <a:srgbClr val="252C33"/>
-                </a:solidFill>
-              </a:rPr>
-              <a:t> </a:t>
-            </a:r>
-          </a:p>
-          <a:p>
-            <a:pPr>
-              <a:buNone/>
-            </a:pPr>
-            <a:r>
-              <a:rPr lang="en-GB" dirty="0" smtClean="0">
-                <a:solidFill>
-                  <a:srgbClr val="666600"/>
-                </a:solidFill>
-              </a:rPr>
-              <a:t>}</a:t>
-            </a:r>
-            <a:r>
-              <a:rPr lang="en-GB" dirty="0" smtClean="0">
-                <a:solidFill>
-                  <a:srgbClr val="252C33"/>
-                </a:solidFill>
-              </a:rPr>
-              <a:t> </a:t>
-            </a:r>
-          </a:p>
-          <a:p>
-            <a:pPr>
-              <a:buNone/>
-            </a:pPr>
-            <a:r>
-              <a:rPr lang="en-GB" dirty="0" smtClean="0">
-                <a:solidFill>
-                  <a:srgbClr val="000088"/>
-                </a:solidFill>
-              </a:rPr>
-              <a:t>for</a:t>
-            </a:r>
-            <a:r>
-              <a:rPr lang="en-GB" dirty="0" smtClean="0">
-                <a:solidFill>
-                  <a:srgbClr val="666600"/>
-                </a:solidFill>
-              </a:rPr>
-              <a:t>(</a:t>
-            </a:r>
-            <a:r>
-              <a:rPr lang="en-GB" dirty="0" err="1" smtClean="0">
-                <a:solidFill>
-                  <a:srgbClr val="252C33"/>
-                </a:solidFill>
-              </a:rPr>
-              <a:t>i</a:t>
-            </a:r>
-            <a:r>
-              <a:rPr lang="en-GB" dirty="0" smtClean="0">
-                <a:solidFill>
-                  <a:srgbClr val="666600"/>
-                </a:solidFill>
-              </a:rPr>
-              <a:t>=</a:t>
-            </a:r>
-            <a:r>
-              <a:rPr lang="en-GB" dirty="0" smtClean="0">
-                <a:solidFill>
-                  <a:srgbClr val="006666"/>
-                </a:solidFill>
-              </a:rPr>
-              <a:t>0</a:t>
-            </a:r>
-            <a:r>
-              <a:rPr lang="en-GB" dirty="0" smtClean="0">
-                <a:solidFill>
-                  <a:srgbClr val="666600"/>
-                </a:solidFill>
-              </a:rPr>
-              <a:t>;</a:t>
-            </a:r>
-            <a:r>
-              <a:rPr lang="en-GB" dirty="0" smtClean="0">
-                <a:solidFill>
-                  <a:srgbClr val="252C33"/>
-                </a:solidFill>
-              </a:rPr>
-              <a:t>i</a:t>
-            </a:r>
-            <a:r>
-              <a:rPr lang="en-GB" dirty="0" smtClean="0">
-                <a:solidFill>
-                  <a:srgbClr val="666600"/>
-                </a:solidFill>
-              </a:rPr>
-              <a:t>&lt;</a:t>
-            </a:r>
-            <a:r>
-              <a:rPr lang="en-GB" dirty="0" err="1" smtClean="0">
-                <a:solidFill>
-                  <a:srgbClr val="252C33"/>
-                </a:solidFill>
-              </a:rPr>
-              <a:t>n</a:t>
-            </a:r>
-            <a:r>
-              <a:rPr lang="en-GB" dirty="0" err="1" smtClean="0">
-                <a:solidFill>
-                  <a:srgbClr val="666600"/>
-                </a:solidFill>
-              </a:rPr>
-              <a:t>;</a:t>
-            </a:r>
-            <a:r>
-              <a:rPr lang="en-GB" dirty="0" err="1" smtClean="0">
-                <a:solidFill>
-                  <a:srgbClr val="252C33"/>
-                </a:solidFill>
-              </a:rPr>
-              <a:t>i</a:t>
-            </a:r>
-            <a:r>
-              <a:rPr lang="en-GB" dirty="0" smtClean="0">
-                <a:solidFill>
-                  <a:srgbClr val="666600"/>
-                </a:solidFill>
-              </a:rPr>
-              <a:t>++)</a:t>
-            </a:r>
-            <a:r>
-              <a:rPr lang="en-GB" dirty="0" smtClean="0">
-                <a:solidFill>
-                  <a:srgbClr val="252C33"/>
-                </a:solidFill>
-              </a:rPr>
-              <a:t> </a:t>
-            </a:r>
-          </a:p>
-          <a:p>
-            <a:pPr>
-              <a:buNone/>
-            </a:pPr>
-            <a:r>
-              <a:rPr lang="en-GB" dirty="0" err="1" smtClean="0">
-                <a:solidFill>
-                  <a:srgbClr val="252C33"/>
-                </a:solidFill>
-              </a:rPr>
-              <a:t>arr</a:t>
-            </a:r>
-            <a:r>
-              <a:rPr lang="en-GB" dirty="0" smtClean="0">
-                <a:solidFill>
-                  <a:srgbClr val="666600"/>
-                </a:solidFill>
-              </a:rPr>
-              <a:t>[</a:t>
-            </a:r>
-            <a:r>
-              <a:rPr lang="en-GB" dirty="0" err="1" smtClean="0">
-                <a:solidFill>
-                  <a:srgbClr val="252C33"/>
-                </a:solidFill>
-              </a:rPr>
-              <a:t>i</a:t>
-            </a:r>
-            <a:r>
-              <a:rPr lang="en-GB" dirty="0" smtClean="0">
-                <a:solidFill>
-                  <a:srgbClr val="666600"/>
-                </a:solidFill>
-              </a:rPr>
-              <a:t>]=</a:t>
-            </a:r>
-            <a:r>
-              <a:rPr lang="en-GB" dirty="0" smtClean="0">
-                <a:solidFill>
-                  <a:srgbClr val="252C33"/>
-                </a:solidFill>
-              </a:rPr>
-              <a:t>output</a:t>
-            </a:r>
-            <a:r>
-              <a:rPr lang="en-GB" dirty="0" smtClean="0">
-                <a:solidFill>
-                  <a:srgbClr val="666600"/>
-                </a:solidFill>
-              </a:rPr>
-              <a:t>[</a:t>
-            </a:r>
-            <a:r>
-              <a:rPr lang="en-GB" dirty="0" err="1" smtClean="0">
-                <a:solidFill>
-                  <a:srgbClr val="252C33"/>
-                </a:solidFill>
-              </a:rPr>
-              <a:t>i</a:t>
-            </a:r>
-            <a:r>
-              <a:rPr lang="en-GB" dirty="0" smtClean="0">
-                <a:solidFill>
-                  <a:srgbClr val="666600"/>
-                </a:solidFill>
-              </a:rPr>
-              <a:t>];</a:t>
-            </a:r>
-            <a:r>
-              <a:rPr lang="en-GB" dirty="0" smtClean="0">
-                <a:solidFill>
-                  <a:srgbClr val="252C33"/>
-                </a:solidFill>
-              </a:rPr>
-              <a:t> </a:t>
-            </a:r>
-            <a:r>
-              <a:rPr lang="en-GB" dirty="0" smtClean="0">
-                <a:solidFill>
-                  <a:srgbClr val="666600"/>
-                </a:solidFill>
-              </a:rPr>
-              <a:t>}</a:t>
-            </a:r>
-            <a:r>
-              <a:rPr lang="en-GB" dirty="0" smtClean="0">
-                <a:solidFill>
-                  <a:srgbClr val="252C33"/>
-                </a:solidFill>
-              </a:rPr>
-              <a:t> </a:t>
-            </a:r>
-          </a:p>
-          <a:p>
-            <a:pPr>
-              <a:buNone/>
-            </a:pPr>
-            <a:r>
-              <a:rPr lang="en-GB" dirty="0" smtClean="0">
-                <a:solidFill>
-                  <a:srgbClr val="000088"/>
-                </a:solidFill>
-              </a:rPr>
-              <a:t>void</a:t>
-            </a:r>
-            <a:r>
-              <a:rPr lang="en-GB" dirty="0" smtClean="0">
-                <a:solidFill>
-                  <a:srgbClr val="252C33"/>
-                </a:solidFill>
-              </a:rPr>
-              <a:t> </a:t>
-            </a:r>
-            <a:r>
-              <a:rPr lang="en-GB" dirty="0" err="1" smtClean="0">
-                <a:solidFill>
-                  <a:srgbClr val="252C33"/>
-                </a:solidFill>
-              </a:rPr>
-              <a:t>radixsort</a:t>
-            </a:r>
-            <a:r>
-              <a:rPr lang="en-GB" dirty="0" smtClean="0">
-                <a:solidFill>
-                  <a:srgbClr val="666600"/>
-                </a:solidFill>
-              </a:rPr>
-              <a:t>(</a:t>
-            </a:r>
-            <a:r>
-              <a:rPr lang="en-GB" dirty="0" err="1" smtClean="0">
-                <a:solidFill>
-                  <a:srgbClr val="252C33"/>
-                </a:solidFill>
-              </a:rPr>
-              <a:t>ll</a:t>
-            </a:r>
-            <a:r>
-              <a:rPr lang="en-GB" dirty="0" smtClean="0">
-                <a:solidFill>
-                  <a:srgbClr val="252C33"/>
-                </a:solidFill>
-              </a:rPr>
-              <a:t> </a:t>
-            </a:r>
-            <a:r>
-              <a:rPr lang="en-GB" dirty="0" err="1" smtClean="0">
-                <a:solidFill>
-                  <a:srgbClr val="252C33"/>
-                </a:solidFill>
-              </a:rPr>
-              <a:t>arr</a:t>
-            </a:r>
-            <a:r>
-              <a:rPr lang="en-GB" dirty="0" smtClean="0">
-                <a:solidFill>
-                  <a:srgbClr val="666600"/>
-                </a:solidFill>
-              </a:rPr>
-              <a:t>[],</a:t>
-            </a:r>
-            <a:r>
-              <a:rPr lang="en-GB" dirty="0" err="1" smtClean="0">
-                <a:solidFill>
-                  <a:srgbClr val="000088"/>
-                </a:solidFill>
-              </a:rPr>
-              <a:t>int</a:t>
-            </a:r>
-            <a:r>
-              <a:rPr lang="en-GB" dirty="0" smtClean="0">
-                <a:solidFill>
-                  <a:srgbClr val="252C33"/>
-                </a:solidFill>
-              </a:rPr>
-              <a:t> </a:t>
-            </a:r>
-            <a:r>
-              <a:rPr lang="en-GB" dirty="0" err="1" smtClean="0">
-                <a:solidFill>
-                  <a:srgbClr val="252C33"/>
-                </a:solidFill>
-              </a:rPr>
-              <a:t>n</a:t>
-            </a:r>
-            <a:r>
-              <a:rPr lang="en-GB" dirty="0" err="1" smtClean="0">
-                <a:solidFill>
-                  <a:srgbClr val="666600"/>
-                </a:solidFill>
-              </a:rPr>
-              <a:t>,</a:t>
-            </a:r>
-            <a:r>
-              <a:rPr lang="en-GB" dirty="0" err="1" smtClean="0">
-                <a:solidFill>
-                  <a:srgbClr val="000088"/>
-                </a:solidFill>
-              </a:rPr>
-              <a:t>int</a:t>
-            </a:r>
-            <a:r>
-              <a:rPr lang="en-GB" dirty="0" smtClean="0">
-                <a:solidFill>
-                  <a:srgbClr val="252C33"/>
-                </a:solidFill>
-              </a:rPr>
-              <a:t> </a:t>
-            </a:r>
-            <a:r>
-              <a:rPr lang="en-GB" dirty="0" err="1" smtClean="0">
-                <a:solidFill>
-                  <a:srgbClr val="252C33"/>
-                </a:solidFill>
-              </a:rPr>
-              <a:t>maxx</a:t>
-            </a:r>
-            <a:r>
-              <a:rPr lang="en-GB" dirty="0" smtClean="0">
-                <a:solidFill>
-                  <a:srgbClr val="666600"/>
-                </a:solidFill>
-              </a:rPr>
-              <a:t>)</a:t>
-            </a:r>
-            <a:r>
-              <a:rPr lang="en-GB" dirty="0" smtClean="0">
-                <a:solidFill>
-                  <a:srgbClr val="252C33"/>
-                </a:solidFill>
-              </a:rPr>
-              <a:t> </a:t>
-            </a:r>
-            <a:r>
-              <a:rPr lang="en-GB" dirty="0" smtClean="0">
-                <a:solidFill>
-                  <a:srgbClr val="252C33"/>
-                </a:solidFill>
-              </a:rPr>
-              <a:t> </a:t>
-            </a:r>
-            <a:endParaRPr lang="en-GB" dirty="0" smtClean="0">
-              <a:solidFill>
-                <a:srgbClr val="252C33"/>
-              </a:solidFill>
-            </a:endParaRPr>
-          </a:p>
-          <a:p>
-            <a:pPr>
-              <a:buNone/>
-            </a:pPr>
-            <a:r>
-              <a:rPr lang="en-GB" dirty="0" smtClean="0">
-                <a:solidFill>
-                  <a:srgbClr val="666600"/>
-                </a:solidFill>
-              </a:rPr>
-              <a:t>{</a:t>
-            </a:r>
-            <a:r>
-              <a:rPr lang="en-GB" dirty="0" smtClean="0">
-                <a:solidFill>
-                  <a:srgbClr val="252C33"/>
-                </a:solidFill>
-              </a:rPr>
-              <a:t> </a:t>
-            </a:r>
-          </a:p>
-          <a:p>
-            <a:pPr>
-              <a:buNone/>
-            </a:pPr>
-            <a:r>
-              <a:rPr lang="en-GB" dirty="0" err="1" smtClean="0">
-                <a:solidFill>
-                  <a:srgbClr val="000088"/>
-                </a:solidFill>
-              </a:rPr>
-              <a:t>int</a:t>
-            </a:r>
-            <a:r>
-              <a:rPr lang="en-GB" dirty="0" smtClean="0">
-                <a:solidFill>
-                  <a:srgbClr val="252C33"/>
-                </a:solidFill>
-              </a:rPr>
-              <a:t> </a:t>
-            </a:r>
-            <a:r>
-              <a:rPr lang="en-GB" dirty="0" err="1" smtClean="0">
-                <a:solidFill>
-                  <a:srgbClr val="252C33"/>
-                </a:solidFill>
-              </a:rPr>
-              <a:t>mul</a:t>
-            </a:r>
-            <a:r>
-              <a:rPr lang="en-GB" dirty="0" smtClean="0">
-                <a:solidFill>
-                  <a:srgbClr val="666600"/>
-                </a:solidFill>
-              </a:rPr>
-              <a:t>=</a:t>
-            </a:r>
-            <a:r>
-              <a:rPr lang="en-GB" dirty="0" smtClean="0">
-                <a:solidFill>
-                  <a:srgbClr val="006666"/>
-                </a:solidFill>
-              </a:rPr>
-              <a:t>1</a:t>
-            </a:r>
-            <a:r>
-              <a:rPr lang="en-GB" dirty="0" smtClean="0">
-                <a:solidFill>
-                  <a:srgbClr val="666600"/>
-                </a:solidFill>
-              </a:rPr>
-              <a:t>;</a:t>
-            </a:r>
-            <a:r>
-              <a:rPr lang="en-GB" dirty="0" smtClean="0">
-                <a:solidFill>
-                  <a:srgbClr val="252C33"/>
-                </a:solidFill>
-              </a:rPr>
-              <a:t> </a:t>
-            </a:r>
-          </a:p>
-          <a:p>
-            <a:pPr>
-              <a:buNone/>
-            </a:pPr>
-            <a:r>
-              <a:rPr lang="en-GB" dirty="0" smtClean="0">
-                <a:solidFill>
-                  <a:srgbClr val="000088"/>
-                </a:solidFill>
-              </a:rPr>
-              <a:t>while</a:t>
-            </a:r>
-            <a:r>
-              <a:rPr lang="en-GB" dirty="0" smtClean="0">
-                <a:solidFill>
-                  <a:srgbClr val="666600"/>
-                </a:solidFill>
-              </a:rPr>
-              <a:t>(</a:t>
-            </a:r>
-            <a:r>
-              <a:rPr lang="en-GB" dirty="0" err="1" smtClean="0">
-                <a:solidFill>
-                  <a:srgbClr val="252C33"/>
-                </a:solidFill>
-              </a:rPr>
-              <a:t>maxx</a:t>
-            </a:r>
-            <a:r>
-              <a:rPr lang="en-GB" dirty="0" smtClean="0">
-                <a:solidFill>
-                  <a:srgbClr val="666600"/>
-                </a:solidFill>
-              </a:rPr>
-              <a:t>)</a:t>
-            </a:r>
-            <a:r>
-              <a:rPr lang="en-GB" dirty="0" smtClean="0">
-                <a:solidFill>
-                  <a:srgbClr val="252C33"/>
-                </a:solidFill>
-              </a:rPr>
-              <a:t> </a:t>
-            </a:r>
-          </a:p>
-          <a:p>
-            <a:pPr>
-              <a:buNone/>
-            </a:pPr>
-            <a:r>
-              <a:rPr lang="en-GB" dirty="0" smtClean="0">
-                <a:solidFill>
-                  <a:srgbClr val="666600"/>
-                </a:solidFill>
-              </a:rPr>
-              <a:t>{</a:t>
-            </a:r>
-            <a:r>
-              <a:rPr lang="en-GB" dirty="0" smtClean="0">
-                <a:solidFill>
-                  <a:srgbClr val="252C33"/>
-                </a:solidFill>
-              </a:rPr>
-              <a:t> </a:t>
-            </a:r>
-            <a:r>
-              <a:rPr lang="en-GB" dirty="0" err="1" smtClean="0">
-                <a:solidFill>
-                  <a:srgbClr val="252C33"/>
-                </a:solidFill>
-              </a:rPr>
-              <a:t>countsort</a:t>
-            </a:r>
-            <a:r>
-              <a:rPr lang="en-GB" dirty="0" smtClean="0">
-                <a:solidFill>
-                  <a:srgbClr val="666600"/>
-                </a:solidFill>
-              </a:rPr>
-              <a:t>(</a:t>
-            </a:r>
-            <a:r>
-              <a:rPr lang="en-GB" dirty="0" err="1" smtClean="0">
-                <a:solidFill>
-                  <a:srgbClr val="252C33"/>
-                </a:solidFill>
-              </a:rPr>
-              <a:t>arr</a:t>
-            </a:r>
-            <a:r>
-              <a:rPr lang="en-GB" dirty="0" err="1" smtClean="0">
-                <a:solidFill>
-                  <a:srgbClr val="666600"/>
-                </a:solidFill>
-              </a:rPr>
-              <a:t>,</a:t>
-            </a:r>
-            <a:r>
-              <a:rPr lang="en-GB" dirty="0" err="1" smtClean="0">
-                <a:solidFill>
-                  <a:srgbClr val="252C33"/>
-                </a:solidFill>
-              </a:rPr>
-              <a:t>n</a:t>
-            </a:r>
-            <a:r>
-              <a:rPr lang="en-GB" dirty="0" err="1" smtClean="0">
-                <a:solidFill>
-                  <a:srgbClr val="666600"/>
-                </a:solidFill>
-              </a:rPr>
-              <a:t>,</a:t>
-            </a:r>
-            <a:r>
-              <a:rPr lang="en-GB" dirty="0" err="1" smtClean="0">
-                <a:solidFill>
-                  <a:srgbClr val="252C33"/>
-                </a:solidFill>
-              </a:rPr>
-              <a:t>mul</a:t>
-            </a:r>
-            <a:r>
-              <a:rPr lang="en-GB" dirty="0" smtClean="0">
-                <a:solidFill>
-                  <a:srgbClr val="666600"/>
-                </a:solidFill>
-              </a:rPr>
-              <a:t>);</a:t>
-            </a:r>
-            <a:r>
-              <a:rPr lang="en-GB" dirty="0" smtClean="0">
-                <a:solidFill>
-                  <a:srgbClr val="252C33"/>
-                </a:solidFill>
-              </a:rPr>
-              <a:t> </a:t>
-            </a:r>
-            <a:r>
-              <a:rPr lang="en-GB" dirty="0" err="1" smtClean="0">
-                <a:solidFill>
-                  <a:srgbClr val="252C33"/>
-                </a:solidFill>
-              </a:rPr>
-              <a:t>mul</a:t>
-            </a:r>
-            <a:r>
-              <a:rPr lang="en-GB" dirty="0" smtClean="0">
-                <a:solidFill>
-                  <a:srgbClr val="666600"/>
-                </a:solidFill>
-              </a:rPr>
-              <a:t>*=</a:t>
-            </a:r>
-            <a:r>
-              <a:rPr lang="en-GB" dirty="0" smtClean="0">
-                <a:solidFill>
-                  <a:srgbClr val="006666"/>
-                </a:solidFill>
-              </a:rPr>
-              <a:t>10</a:t>
-            </a:r>
-            <a:r>
-              <a:rPr lang="en-GB" dirty="0" smtClean="0">
-                <a:solidFill>
-                  <a:srgbClr val="666600"/>
-                </a:solidFill>
-              </a:rPr>
-              <a:t>;</a:t>
-            </a:r>
-            <a:r>
-              <a:rPr lang="en-GB" dirty="0" smtClean="0">
-                <a:solidFill>
-                  <a:srgbClr val="252C33"/>
-                </a:solidFill>
-              </a:rPr>
-              <a:t> </a:t>
-            </a:r>
-            <a:r>
-              <a:rPr lang="en-GB" dirty="0" err="1" smtClean="0">
-                <a:solidFill>
-                  <a:srgbClr val="252C33"/>
-                </a:solidFill>
-              </a:rPr>
-              <a:t>maxx</a:t>
-            </a:r>
-            <a:r>
-              <a:rPr lang="en-GB" dirty="0" smtClean="0">
-                <a:solidFill>
-                  <a:srgbClr val="666600"/>
-                </a:solidFill>
-              </a:rPr>
-              <a:t>/=</a:t>
-            </a:r>
-            <a:r>
-              <a:rPr lang="en-GB" dirty="0" smtClean="0">
-                <a:solidFill>
-                  <a:srgbClr val="006666"/>
-                </a:solidFill>
-              </a:rPr>
-              <a:t>10</a:t>
-            </a:r>
-            <a:r>
-              <a:rPr lang="en-GB" dirty="0" smtClean="0">
-                <a:solidFill>
-                  <a:srgbClr val="666600"/>
-                </a:solidFill>
-              </a:rPr>
-              <a:t>;</a:t>
-            </a:r>
-            <a:r>
-              <a:rPr lang="en-GB" dirty="0" smtClean="0">
-                <a:solidFill>
-                  <a:srgbClr val="252C33"/>
-                </a:solidFill>
-              </a:rPr>
-              <a:t> </a:t>
-            </a:r>
-            <a:r>
-              <a:rPr lang="en-GB" dirty="0" smtClean="0">
-                <a:solidFill>
-                  <a:srgbClr val="666600"/>
-                </a:solidFill>
-              </a:rPr>
-              <a:t>}</a:t>
-            </a:r>
-            <a:r>
-              <a:rPr lang="en-GB" dirty="0" smtClean="0">
-                <a:solidFill>
-                  <a:srgbClr val="252C33"/>
-                </a:solidFill>
-              </a:rPr>
-              <a:t> </a:t>
-            </a:r>
-            <a:r>
-              <a:rPr lang="en-GB" dirty="0" smtClean="0">
-                <a:solidFill>
-                  <a:srgbClr val="666600"/>
-                </a:solidFill>
-              </a:rPr>
-              <a:t>}</a:t>
-            </a:r>
-            <a:endParaRPr lang="en-US" dirty="0" smtClean="0"/>
-          </a:p>
-          <a:p>
-            <a:pPr>
-              <a:buNone/>
-            </a:pPr>
+              <a:rPr lang="en-US" dirty="0" smtClean="0"/>
+              <a:t>-&gt;Step 6 - Repeat from step 2 until all the numbers are grouped based on the most significant digit.</a:t>
+            </a:r>
             <a:endParaRPr lang="en-US" dirty="0"/>
           </a:p>
         </p:txBody>
@@ -6998,7 +5341,7 @@
           <a:p>
             <a:r>
               <a:rPr lang="en-US" dirty="0" smtClean="0"/>
-              <a:t>                ALGORITHM</a:t>
+              <a:t>          Implementation</a:t>
             </a:r>
             <a:endParaRPr lang="en-US" dirty="0"/>
           </a:p>
@@ -7016,12 +5359,1751 @@
         </p:nvSpPr>
         <p:spPr/>
         <p:txBody>
-          <a:bodyPr/>
+          <a:bodyPr>
+            <a:normAutofit fontScale="55000" lnSpcReduction="20000"/>
+          </a:bodyPr>
           <a:lstStyle/>
           <a:p>
-            <a:r>
-              <a:rPr lang="en-US" dirty="0" smtClean="0"/>
-              <a:t>1. Create an array a[ 0…..n-1] elements. </a:t>
+            <a:pPr>
+              <a:buNone/>
+            </a:pPr>
+            <a:r>
+              <a:rPr lang="en-GB" dirty="0" smtClean="0">
+                <a:solidFill>
+                  <a:srgbClr val="000088"/>
+                </a:solidFill>
+              </a:rPr>
+              <a:t>void</a:t>
+            </a:r>
+            <a:r>
+              <a:rPr lang="en-GB" dirty="0" smtClean="0">
+                <a:solidFill>
+                  <a:srgbClr val="252C33"/>
+                </a:solidFill>
+              </a:rPr>
+              <a:t> </a:t>
+            </a:r>
+            <a:r>
+              <a:rPr lang="en-GB" dirty="0" err="1" smtClean="0">
+                <a:solidFill>
+                  <a:srgbClr val="252C33"/>
+                </a:solidFill>
+              </a:rPr>
+              <a:t>countsort</a:t>
+            </a:r>
+            <a:r>
+              <a:rPr lang="en-GB" dirty="0" smtClean="0">
+                <a:solidFill>
+                  <a:srgbClr val="666600"/>
+                </a:solidFill>
+              </a:rPr>
+              <a:t>(</a:t>
+            </a:r>
+            <a:r>
+              <a:rPr lang="en-GB" dirty="0" err="1" smtClean="0">
+                <a:solidFill>
+                  <a:srgbClr val="000088"/>
+                </a:solidFill>
+              </a:rPr>
+              <a:t>int</a:t>
+            </a:r>
+            <a:r>
+              <a:rPr lang="en-GB" dirty="0" smtClean="0">
+                <a:solidFill>
+                  <a:srgbClr val="252C33"/>
+                </a:solidFill>
+              </a:rPr>
+              <a:t> </a:t>
+            </a:r>
+            <a:r>
+              <a:rPr lang="en-GB" dirty="0" err="1" smtClean="0">
+                <a:solidFill>
+                  <a:srgbClr val="252C33"/>
+                </a:solidFill>
+              </a:rPr>
+              <a:t>arr</a:t>
+            </a:r>
+            <a:r>
+              <a:rPr lang="en-GB" dirty="0" smtClean="0">
+                <a:solidFill>
+                  <a:srgbClr val="666600"/>
+                </a:solidFill>
+              </a:rPr>
+              <a:t>[],</a:t>
+            </a:r>
+            <a:r>
+              <a:rPr lang="en-GB" dirty="0" err="1" smtClean="0">
+                <a:solidFill>
+                  <a:srgbClr val="000088"/>
+                </a:solidFill>
+              </a:rPr>
+              <a:t>int</a:t>
+            </a:r>
+            <a:r>
+              <a:rPr lang="en-GB" dirty="0" smtClean="0">
+                <a:solidFill>
+                  <a:srgbClr val="252C33"/>
+                </a:solidFill>
+              </a:rPr>
+              <a:t> </a:t>
+            </a:r>
+            <a:r>
+              <a:rPr lang="en-GB" dirty="0" err="1" smtClean="0">
+                <a:solidFill>
+                  <a:srgbClr val="252C33"/>
+                </a:solidFill>
+              </a:rPr>
+              <a:t>n</a:t>
+            </a:r>
+            <a:r>
+              <a:rPr lang="en-GB" dirty="0" err="1" smtClean="0">
+                <a:solidFill>
+                  <a:srgbClr val="666600"/>
+                </a:solidFill>
+              </a:rPr>
+              <a:t>,</a:t>
+            </a:r>
+            <a:r>
+              <a:rPr lang="en-GB" dirty="0" err="1" smtClean="0">
+                <a:solidFill>
+                  <a:srgbClr val="000088"/>
+                </a:solidFill>
+              </a:rPr>
+              <a:t>int</a:t>
+            </a:r>
+            <a:r>
+              <a:rPr lang="en-GB" dirty="0" smtClean="0">
+                <a:solidFill>
+                  <a:srgbClr val="252C33"/>
+                </a:solidFill>
+              </a:rPr>
+              <a:t> place</a:t>
+            </a:r>
+            <a:r>
+              <a:rPr lang="en-GB" dirty="0" smtClean="0">
+                <a:solidFill>
+                  <a:srgbClr val="666600"/>
+                </a:solidFill>
+              </a:rPr>
+              <a:t>)</a:t>
+            </a:r>
+          </a:p>
+          <a:p>
+            <a:pPr>
+              <a:buNone/>
+            </a:pPr>
+            <a:r>
+              <a:rPr lang="en-GB" dirty="0" smtClean="0">
+                <a:solidFill>
+                  <a:srgbClr val="666600"/>
+                </a:solidFill>
+              </a:rPr>
+              <a:t>{</a:t>
+            </a:r>
+            <a:r>
+              <a:rPr lang="en-GB" dirty="0" smtClean="0">
+                <a:solidFill>
+                  <a:srgbClr val="252C33"/>
+                </a:solidFill>
+              </a:rPr>
+              <a:t> </a:t>
+            </a:r>
+          </a:p>
+          <a:p>
+            <a:pPr>
+              <a:buNone/>
+            </a:pPr>
+            <a:r>
+              <a:rPr lang="en-GB" dirty="0" err="1" smtClean="0">
+                <a:solidFill>
+                  <a:srgbClr val="000088"/>
+                </a:solidFill>
+              </a:rPr>
+              <a:t>int</a:t>
+            </a:r>
+            <a:r>
+              <a:rPr lang="en-GB" dirty="0" smtClean="0">
+                <a:solidFill>
+                  <a:srgbClr val="252C33"/>
+                </a:solidFill>
+              </a:rPr>
+              <a:t> </a:t>
+            </a:r>
+            <a:r>
+              <a:rPr lang="en-GB" dirty="0" err="1" smtClean="0">
+                <a:solidFill>
+                  <a:srgbClr val="252C33"/>
+                </a:solidFill>
+              </a:rPr>
+              <a:t>i</a:t>
+            </a:r>
+            <a:r>
+              <a:rPr lang="en-GB" dirty="0" err="1" smtClean="0">
+                <a:solidFill>
+                  <a:srgbClr val="666600"/>
+                </a:solidFill>
+              </a:rPr>
+              <a:t>,</a:t>
+            </a:r>
+            <a:r>
+              <a:rPr lang="en-GB" dirty="0" err="1" smtClean="0">
+                <a:solidFill>
+                  <a:srgbClr val="252C33"/>
+                </a:solidFill>
+              </a:rPr>
+              <a:t>freq</a:t>
+            </a:r>
+            <a:r>
+              <a:rPr lang="en-GB" dirty="0" smtClean="0">
+                <a:solidFill>
+                  <a:srgbClr val="666600"/>
+                </a:solidFill>
+              </a:rPr>
+              <a:t>[</a:t>
+            </a:r>
+            <a:r>
+              <a:rPr lang="en-GB" dirty="0" smtClean="0">
+                <a:solidFill>
+                  <a:srgbClr val="252C33"/>
+                </a:solidFill>
+              </a:rPr>
+              <a:t>range</a:t>
+            </a:r>
+            <a:r>
+              <a:rPr lang="en-GB" dirty="0" smtClean="0">
+                <a:solidFill>
+                  <a:srgbClr val="666600"/>
+                </a:solidFill>
+              </a:rPr>
+              <a:t>]={</a:t>
+            </a:r>
+            <a:r>
+              <a:rPr lang="en-GB" dirty="0" smtClean="0">
+                <a:solidFill>
+                  <a:srgbClr val="006666"/>
+                </a:solidFill>
+              </a:rPr>
+              <a:t>0</a:t>
+            </a:r>
+            <a:r>
+              <a:rPr lang="en-GB" dirty="0" smtClean="0">
+                <a:solidFill>
+                  <a:srgbClr val="666600"/>
+                </a:solidFill>
+              </a:rPr>
+              <a:t>};</a:t>
+            </a:r>
+            <a:r>
+              <a:rPr lang="en-GB" dirty="0" smtClean="0">
+                <a:solidFill>
+                  <a:srgbClr val="252C33"/>
+                </a:solidFill>
+              </a:rPr>
+              <a:t> </a:t>
+            </a:r>
+          </a:p>
+          <a:p>
+            <a:pPr>
+              <a:buNone/>
+            </a:pPr>
+            <a:r>
+              <a:rPr lang="en-GB" dirty="0" err="1" smtClean="0">
+                <a:solidFill>
+                  <a:srgbClr val="000088"/>
+                </a:solidFill>
+              </a:rPr>
+              <a:t>int</a:t>
+            </a:r>
+            <a:r>
+              <a:rPr lang="en-GB" dirty="0" smtClean="0">
+                <a:solidFill>
+                  <a:srgbClr val="252C33"/>
+                </a:solidFill>
+              </a:rPr>
+              <a:t> output</a:t>
+            </a:r>
+            <a:r>
+              <a:rPr lang="en-GB" dirty="0" smtClean="0">
+                <a:solidFill>
+                  <a:srgbClr val="666600"/>
+                </a:solidFill>
+              </a:rPr>
+              <a:t>[</a:t>
+            </a:r>
+            <a:r>
+              <a:rPr lang="en-GB" dirty="0" smtClean="0">
+                <a:solidFill>
+                  <a:srgbClr val="252C33"/>
+                </a:solidFill>
+              </a:rPr>
+              <a:t>n</a:t>
+            </a:r>
+            <a:r>
+              <a:rPr lang="en-GB" dirty="0" smtClean="0">
+                <a:solidFill>
+                  <a:srgbClr val="666600"/>
+                </a:solidFill>
+              </a:rPr>
+              <a:t>];</a:t>
+            </a:r>
+            <a:r>
+              <a:rPr lang="en-GB" dirty="0" smtClean="0">
+                <a:solidFill>
+                  <a:srgbClr val="252C33"/>
+                </a:solidFill>
+              </a:rPr>
+              <a:t> </a:t>
+            </a:r>
+          </a:p>
+          <a:p>
+            <a:pPr>
+              <a:buNone/>
+            </a:pPr>
+            <a:r>
+              <a:rPr lang="en-GB" dirty="0" smtClean="0">
+                <a:solidFill>
+                  <a:srgbClr val="000088"/>
+                </a:solidFill>
+              </a:rPr>
+              <a:t>for</a:t>
+            </a:r>
+            <a:r>
+              <a:rPr lang="en-GB" dirty="0" smtClean="0">
+                <a:solidFill>
+                  <a:srgbClr val="666600"/>
+                </a:solidFill>
+              </a:rPr>
+              <a:t>(</a:t>
+            </a:r>
+            <a:r>
+              <a:rPr lang="en-GB" dirty="0" err="1" smtClean="0">
+                <a:solidFill>
+                  <a:srgbClr val="252C33"/>
+                </a:solidFill>
+              </a:rPr>
+              <a:t>i</a:t>
+            </a:r>
+            <a:r>
+              <a:rPr lang="en-GB" dirty="0" smtClean="0">
+                <a:solidFill>
+                  <a:srgbClr val="666600"/>
+                </a:solidFill>
+              </a:rPr>
+              <a:t>=</a:t>
+            </a:r>
+            <a:r>
+              <a:rPr lang="en-GB" dirty="0" smtClean="0">
+                <a:solidFill>
+                  <a:srgbClr val="006666"/>
+                </a:solidFill>
+              </a:rPr>
+              <a:t>0</a:t>
+            </a:r>
+            <a:r>
+              <a:rPr lang="en-GB" dirty="0" smtClean="0">
+                <a:solidFill>
+                  <a:srgbClr val="666600"/>
+                </a:solidFill>
+              </a:rPr>
+              <a:t>;</a:t>
+            </a:r>
+            <a:r>
+              <a:rPr lang="en-GB" dirty="0" smtClean="0">
+                <a:solidFill>
+                  <a:srgbClr val="252C33"/>
+                </a:solidFill>
+              </a:rPr>
+              <a:t>i</a:t>
+            </a:r>
+            <a:r>
+              <a:rPr lang="en-GB" dirty="0" smtClean="0">
+                <a:solidFill>
+                  <a:srgbClr val="666600"/>
+                </a:solidFill>
+              </a:rPr>
+              <a:t>&lt;</a:t>
+            </a:r>
+            <a:r>
+              <a:rPr lang="en-GB" dirty="0" err="1" smtClean="0">
+                <a:solidFill>
+                  <a:srgbClr val="252C33"/>
+                </a:solidFill>
+              </a:rPr>
+              <a:t>n</a:t>
+            </a:r>
+            <a:r>
+              <a:rPr lang="en-GB" dirty="0" err="1" smtClean="0">
+                <a:solidFill>
+                  <a:srgbClr val="666600"/>
+                </a:solidFill>
+              </a:rPr>
+              <a:t>;</a:t>
+            </a:r>
+            <a:r>
+              <a:rPr lang="en-GB" dirty="0" err="1" smtClean="0">
+                <a:solidFill>
+                  <a:srgbClr val="252C33"/>
+                </a:solidFill>
+              </a:rPr>
+              <a:t>i</a:t>
+            </a:r>
+            <a:r>
+              <a:rPr lang="en-GB" dirty="0" smtClean="0">
+                <a:solidFill>
+                  <a:srgbClr val="666600"/>
+                </a:solidFill>
+              </a:rPr>
+              <a:t>++)</a:t>
+            </a:r>
+            <a:r>
+              <a:rPr lang="en-GB" dirty="0" smtClean="0">
+                <a:solidFill>
+                  <a:srgbClr val="252C33"/>
+                </a:solidFill>
+              </a:rPr>
+              <a:t> </a:t>
+            </a:r>
+          </a:p>
+          <a:p>
+            <a:pPr>
+              <a:buNone/>
+            </a:pPr>
+            <a:r>
+              <a:rPr lang="en-GB" dirty="0" smtClean="0">
+                <a:solidFill>
+                  <a:srgbClr val="252C33"/>
+                </a:solidFill>
+              </a:rPr>
+              <a:t>freq</a:t>
+            </a:r>
+            <a:r>
+              <a:rPr lang="en-GB" dirty="0" smtClean="0">
+                <a:solidFill>
+                  <a:srgbClr val="666600"/>
+                </a:solidFill>
+              </a:rPr>
+              <a:t>[(</a:t>
+            </a:r>
+            <a:r>
+              <a:rPr lang="en-GB" dirty="0" err="1" smtClean="0">
+                <a:solidFill>
+                  <a:srgbClr val="252C33"/>
+                </a:solidFill>
+              </a:rPr>
+              <a:t>arr</a:t>
+            </a:r>
+            <a:r>
+              <a:rPr lang="en-GB" dirty="0" smtClean="0">
+                <a:solidFill>
+                  <a:srgbClr val="666600"/>
+                </a:solidFill>
+              </a:rPr>
+              <a:t>[</a:t>
+            </a:r>
+            <a:r>
+              <a:rPr lang="en-GB" dirty="0" err="1" smtClean="0">
+                <a:solidFill>
+                  <a:srgbClr val="252C33"/>
+                </a:solidFill>
+              </a:rPr>
+              <a:t>i</a:t>
+            </a:r>
+            <a:r>
+              <a:rPr lang="en-GB" dirty="0" smtClean="0">
+                <a:solidFill>
+                  <a:srgbClr val="666600"/>
+                </a:solidFill>
+              </a:rPr>
+              <a:t>]/</a:t>
+            </a:r>
+            <a:r>
+              <a:rPr lang="en-GB" dirty="0" smtClean="0">
+                <a:solidFill>
+                  <a:srgbClr val="252C33"/>
+                </a:solidFill>
+              </a:rPr>
+              <a:t>place</a:t>
+            </a:r>
+            <a:r>
+              <a:rPr lang="en-GB" dirty="0" smtClean="0">
+                <a:solidFill>
+                  <a:srgbClr val="666600"/>
+                </a:solidFill>
+              </a:rPr>
+              <a:t>)%</a:t>
+            </a:r>
+            <a:r>
+              <a:rPr lang="en-GB" dirty="0" smtClean="0">
+                <a:solidFill>
+                  <a:srgbClr val="252C33"/>
+                </a:solidFill>
+              </a:rPr>
+              <a:t>range</a:t>
+            </a:r>
+            <a:r>
+              <a:rPr lang="en-GB" dirty="0" smtClean="0">
+                <a:solidFill>
+                  <a:srgbClr val="666600"/>
+                </a:solidFill>
+              </a:rPr>
+              <a:t>]++;</a:t>
+            </a:r>
+          </a:p>
+          <a:p>
+            <a:pPr>
+              <a:buNone/>
+            </a:pPr>
+            <a:r>
+              <a:rPr lang="en-GB" dirty="0" smtClean="0">
+                <a:solidFill>
+                  <a:srgbClr val="000088"/>
+                </a:solidFill>
+              </a:rPr>
+              <a:t>for</a:t>
+            </a:r>
+            <a:r>
+              <a:rPr lang="en-GB" dirty="0" smtClean="0">
+                <a:solidFill>
+                  <a:srgbClr val="666600"/>
+                </a:solidFill>
+              </a:rPr>
+              <a:t>(</a:t>
+            </a:r>
+            <a:r>
+              <a:rPr lang="en-GB" dirty="0" err="1" smtClean="0">
+                <a:solidFill>
+                  <a:srgbClr val="252C33"/>
+                </a:solidFill>
+              </a:rPr>
+              <a:t>i</a:t>
+            </a:r>
+            <a:r>
+              <a:rPr lang="en-GB" dirty="0" smtClean="0">
+                <a:solidFill>
+                  <a:srgbClr val="666600"/>
+                </a:solidFill>
+              </a:rPr>
+              <a:t>=</a:t>
+            </a:r>
+            <a:r>
+              <a:rPr lang="en-GB" dirty="0" smtClean="0">
+                <a:solidFill>
+                  <a:srgbClr val="006666"/>
+                </a:solidFill>
+              </a:rPr>
+              <a:t>1</a:t>
+            </a:r>
+            <a:r>
+              <a:rPr lang="en-GB" dirty="0" smtClean="0">
+                <a:solidFill>
+                  <a:srgbClr val="666600"/>
+                </a:solidFill>
+              </a:rPr>
+              <a:t>;</a:t>
+            </a:r>
+            <a:r>
+              <a:rPr lang="en-GB" dirty="0" smtClean="0">
+                <a:solidFill>
+                  <a:srgbClr val="252C33"/>
+                </a:solidFill>
+              </a:rPr>
+              <a:t>i</a:t>
+            </a:r>
+            <a:r>
+              <a:rPr lang="en-GB" dirty="0" smtClean="0">
+                <a:solidFill>
+                  <a:srgbClr val="666600"/>
+                </a:solidFill>
+              </a:rPr>
+              <a:t>&lt;</a:t>
+            </a:r>
+            <a:r>
+              <a:rPr lang="en-GB" dirty="0" err="1" smtClean="0">
+                <a:solidFill>
+                  <a:srgbClr val="252C33"/>
+                </a:solidFill>
+              </a:rPr>
+              <a:t>range</a:t>
+            </a:r>
+            <a:r>
+              <a:rPr lang="en-GB" dirty="0" err="1" smtClean="0">
+                <a:solidFill>
+                  <a:srgbClr val="666600"/>
+                </a:solidFill>
+              </a:rPr>
+              <a:t>;</a:t>
+            </a:r>
+            <a:r>
+              <a:rPr lang="en-GB" dirty="0" err="1" smtClean="0">
+                <a:solidFill>
+                  <a:srgbClr val="252C33"/>
+                </a:solidFill>
+              </a:rPr>
+              <a:t>i</a:t>
+            </a:r>
+            <a:r>
+              <a:rPr lang="en-GB" dirty="0" smtClean="0">
+                <a:solidFill>
+                  <a:srgbClr val="666600"/>
+                </a:solidFill>
+              </a:rPr>
+              <a:t>++)</a:t>
+            </a:r>
+            <a:r>
+              <a:rPr lang="en-GB" dirty="0" smtClean="0">
+                <a:solidFill>
+                  <a:srgbClr val="252C33"/>
+                </a:solidFill>
+              </a:rPr>
+              <a:t> freq</a:t>
+            </a:r>
+            <a:r>
+              <a:rPr lang="en-GB" dirty="0" smtClean="0">
+                <a:solidFill>
+                  <a:srgbClr val="666600"/>
+                </a:solidFill>
+              </a:rPr>
+              <a:t>[</a:t>
+            </a:r>
+            <a:r>
+              <a:rPr lang="en-GB" dirty="0" err="1" smtClean="0">
+                <a:solidFill>
+                  <a:srgbClr val="252C33"/>
+                </a:solidFill>
+              </a:rPr>
+              <a:t>i</a:t>
+            </a:r>
+            <a:r>
+              <a:rPr lang="en-GB" dirty="0" smtClean="0">
+                <a:solidFill>
+                  <a:srgbClr val="666600"/>
+                </a:solidFill>
+              </a:rPr>
+              <a:t>]+=</a:t>
+            </a:r>
+            <a:r>
+              <a:rPr lang="en-GB" dirty="0" smtClean="0">
+                <a:solidFill>
+                  <a:srgbClr val="252C33"/>
+                </a:solidFill>
+              </a:rPr>
+              <a:t>freq</a:t>
+            </a:r>
+            <a:r>
+              <a:rPr lang="en-GB" dirty="0" smtClean="0">
+                <a:solidFill>
+                  <a:srgbClr val="666600"/>
+                </a:solidFill>
+              </a:rPr>
+              <a:t>[</a:t>
+            </a:r>
+            <a:r>
+              <a:rPr lang="en-GB" dirty="0" smtClean="0">
+                <a:solidFill>
+                  <a:srgbClr val="252C33"/>
+                </a:solidFill>
+              </a:rPr>
+              <a:t>i</a:t>
+            </a:r>
+            <a:r>
+              <a:rPr lang="en-GB" dirty="0" smtClean="0">
+                <a:solidFill>
+                  <a:srgbClr val="666600"/>
+                </a:solidFill>
+              </a:rPr>
+              <a:t>-</a:t>
+            </a:r>
+            <a:r>
+              <a:rPr lang="en-GB" dirty="0" smtClean="0">
+                <a:solidFill>
+                  <a:srgbClr val="006666"/>
+                </a:solidFill>
+              </a:rPr>
+              <a:t>1</a:t>
+            </a:r>
+            <a:r>
+              <a:rPr lang="en-GB" dirty="0" smtClean="0">
+                <a:solidFill>
+                  <a:srgbClr val="666600"/>
+                </a:solidFill>
+              </a:rPr>
+              <a:t>];</a:t>
+            </a:r>
+            <a:r>
+              <a:rPr lang="en-GB" dirty="0" smtClean="0">
+                <a:solidFill>
+                  <a:srgbClr val="252C33"/>
+                </a:solidFill>
+              </a:rPr>
+              <a:t> </a:t>
+            </a:r>
+          </a:p>
+          <a:p>
+            <a:pPr>
+              <a:buNone/>
+            </a:pPr>
+            <a:r>
+              <a:rPr lang="en-GB" dirty="0" smtClean="0">
+                <a:solidFill>
+                  <a:srgbClr val="000088"/>
+                </a:solidFill>
+              </a:rPr>
+              <a:t>for</a:t>
+            </a:r>
+            <a:r>
+              <a:rPr lang="en-GB" dirty="0" smtClean="0">
+                <a:solidFill>
+                  <a:srgbClr val="666600"/>
+                </a:solidFill>
+              </a:rPr>
+              <a:t>(</a:t>
+            </a:r>
+            <a:r>
+              <a:rPr lang="en-GB" dirty="0" err="1" smtClean="0">
+                <a:solidFill>
+                  <a:srgbClr val="252C33"/>
+                </a:solidFill>
+              </a:rPr>
+              <a:t>i</a:t>
+            </a:r>
+            <a:r>
+              <a:rPr lang="en-GB" dirty="0" smtClean="0">
+                <a:solidFill>
+                  <a:srgbClr val="666600"/>
+                </a:solidFill>
+              </a:rPr>
+              <a:t>=</a:t>
+            </a:r>
+            <a:r>
+              <a:rPr lang="en-GB" dirty="0" smtClean="0">
+                <a:solidFill>
+                  <a:srgbClr val="252C33"/>
+                </a:solidFill>
+              </a:rPr>
+              <a:t>n</a:t>
+            </a:r>
+            <a:r>
+              <a:rPr lang="en-GB" dirty="0" smtClean="0">
+                <a:solidFill>
+                  <a:srgbClr val="666600"/>
+                </a:solidFill>
+              </a:rPr>
+              <a:t>-</a:t>
+            </a:r>
+            <a:r>
+              <a:rPr lang="en-GB" dirty="0" smtClean="0">
+                <a:solidFill>
+                  <a:srgbClr val="006666"/>
+                </a:solidFill>
+              </a:rPr>
+              <a:t>1</a:t>
+            </a:r>
+            <a:r>
+              <a:rPr lang="en-GB" dirty="0" smtClean="0">
+                <a:solidFill>
+                  <a:srgbClr val="666600"/>
+                </a:solidFill>
+              </a:rPr>
+              <a:t>;</a:t>
+            </a:r>
+            <a:r>
+              <a:rPr lang="en-GB" dirty="0" smtClean="0">
+                <a:solidFill>
+                  <a:srgbClr val="252C33"/>
+                </a:solidFill>
+              </a:rPr>
+              <a:t>i</a:t>
+            </a:r>
+            <a:r>
+              <a:rPr lang="en-GB" dirty="0" smtClean="0">
+                <a:solidFill>
+                  <a:srgbClr val="666600"/>
+                </a:solidFill>
+              </a:rPr>
+              <a:t>&gt;=</a:t>
+            </a:r>
+            <a:r>
+              <a:rPr lang="en-GB" dirty="0" smtClean="0">
+                <a:solidFill>
+                  <a:srgbClr val="006666"/>
+                </a:solidFill>
+              </a:rPr>
+              <a:t>0</a:t>
+            </a:r>
+            <a:r>
+              <a:rPr lang="en-GB" dirty="0" smtClean="0">
+                <a:solidFill>
+                  <a:srgbClr val="666600"/>
+                </a:solidFill>
+              </a:rPr>
+              <a:t>;</a:t>
+            </a:r>
+            <a:r>
+              <a:rPr lang="en-GB" dirty="0" smtClean="0">
+                <a:solidFill>
+                  <a:srgbClr val="252C33"/>
+                </a:solidFill>
+              </a:rPr>
+              <a:t>i</a:t>
+            </a:r>
+            <a:r>
+              <a:rPr lang="en-GB" dirty="0" smtClean="0">
+                <a:solidFill>
+                  <a:srgbClr val="666600"/>
+                </a:solidFill>
+              </a:rPr>
+              <a:t>--)</a:t>
+            </a:r>
+          </a:p>
+          <a:p>
+            <a:pPr>
+              <a:buNone/>
+            </a:pPr>
+            <a:r>
+              <a:rPr lang="en-GB" dirty="0" smtClean="0">
+                <a:solidFill>
+                  <a:srgbClr val="666600"/>
+                </a:solidFill>
+              </a:rPr>
+              <a:t>{</a:t>
+            </a:r>
+            <a:r>
+              <a:rPr lang="en-GB" dirty="0" smtClean="0">
+                <a:solidFill>
+                  <a:srgbClr val="252C33"/>
+                </a:solidFill>
+              </a:rPr>
+              <a:t> </a:t>
+            </a:r>
+          </a:p>
+          <a:p>
+            <a:pPr>
+              <a:buNone/>
+            </a:pPr>
+            <a:r>
+              <a:rPr lang="en-GB" dirty="0" smtClean="0">
+                <a:solidFill>
+                  <a:srgbClr val="252C33"/>
+                </a:solidFill>
+              </a:rPr>
+              <a:t>output</a:t>
+            </a:r>
+            <a:r>
+              <a:rPr lang="en-GB" dirty="0" smtClean="0">
+                <a:solidFill>
+                  <a:srgbClr val="666600"/>
+                </a:solidFill>
+              </a:rPr>
+              <a:t>[</a:t>
+            </a:r>
+            <a:r>
+              <a:rPr lang="en-GB" dirty="0" smtClean="0">
+                <a:solidFill>
+                  <a:srgbClr val="252C33"/>
+                </a:solidFill>
+              </a:rPr>
+              <a:t>freq</a:t>
+            </a:r>
+            <a:r>
+              <a:rPr lang="en-GB" dirty="0" smtClean="0">
+                <a:solidFill>
+                  <a:srgbClr val="666600"/>
+                </a:solidFill>
+              </a:rPr>
+              <a:t>[(</a:t>
+            </a:r>
+            <a:r>
+              <a:rPr lang="en-GB" dirty="0" err="1" smtClean="0">
+                <a:solidFill>
+                  <a:srgbClr val="252C33"/>
+                </a:solidFill>
+              </a:rPr>
+              <a:t>arr</a:t>
+            </a:r>
+            <a:r>
+              <a:rPr lang="en-GB" dirty="0" smtClean="0">
+                <a:solidFill>
+                  <a:srgbClr val="666600"/>
+                </a:solidFill>
+              </a:rPr>
+              <a:t>[</a:t>
+            </a:r>
+            <a:r>
+              <a:rPr lang="en-GB" dirty="0" err="1" smtClean="0">
+                <a:solidFill>
+                  <a:srgbClr val="252C33"/>
+                </a:solidFill>
+              </a:rPr>
+              <a:t>i</a:t>
+            </a:r>
+            <a:r>
+              <a:rPr lang="en-GB" dirty="0" smtClean="0">
+                <a:solidFill>
+                  <a:srgbClr val="666600"/>
+                </a:solidFill>
+              </a:rPr>
+              <a:t>]/</a:t>
+            </a:r>
+            <a:r>
+              <a:rPr lang="en-GB" dirty="0" smtClean="0">
+                <a:solidFill>
+                  <a:srgbClr val="252C33"/>
+                </a:solidFill>
+              </a:rPr>
+              <a:t>place</a:t>
+            </a:r>
+            <a:r>
+              <a:rPr lang="en-GB" dirty="0" smtClean="0">
+                <a:solidFill>
+                  <a:srgbClr val="666600"/>
+                </a:solidFill>
+              </a:rPr>
+              <a:t>)%</a:t>
+            </a:r>
+            <a:r>
+              <a:rPr lang="en-GB" dirty="0" smtClean="0">
+                <a:solidFill>
+                  <a:srgbClr val="252C33"/>
+                </a:solidFill>
+              </a:rPr>
+              <a:t>range</a:t>
+            </a:r>
+            <a:r>
+              <a:rPr lang="en-GB" dirty="0" smtClean="0">
+                <a:solidFill>
+                  <a:srgbClr val="666600"/>
+                </a:solidFill>
+              </a:rPr>
+              <a:t>]-</a:t>
+            </a:r>
+            <a:r>
+              <a:rPr lang="en-GB" dirty="0" smtClean="0">
+                <a:solidFill>
+                  <a:srgbClr val="006666"/>
+                </a:solidFill>
+              </a:rPr>
+              <a:t>1</a:t>
+            </a:r>
+            <a:r>
+              <a:rPr lang="en-GB" dirty="0" smtClean="0">
+                <a:solidFill>
+                  <a:srgbClr val="666600"/>
+                </a:solidFill>
+              </a:rPr>
+              <a:t>]=</a:t>
+            </a:r>
+            <a:r>
+              <a:rPr lang="en-GB" dirty="0" err="1" smtClean="0">
+                <a:solidFill>
+                  <a:srgbClr val="252C33"/>
+                </a:solidFill>
+              </a:rPr>
+              <a:t>arr</a:t>
+            </a:r>
+            <a:r>
+              <a:rPr lang="en-GB" dirty="0" smtClean="0">
+                <a:solidFill>
+                  <a:srgbClr val="666600"/>
+                </a:solidFill>
+              </a:rPr>
+              <a:t>[</a:t>
+            </a:r>
+            <a:r>
+              <a:rPr lang="en-GB" dirty="0" err="1" smtClean="0">
+                <a:solidFill>
+                  <a:srgbClr val="252C33"/>
+                </a:solidFill>
+              </a:rPr>
+              <a:t>i</a:t>
+            </a:r>
+            <a:r>
+              <a:rPr lang="en-GB" dirty="0" smtClean="0">
+                <a:solidFill>
+                  <a:srgbClr val="666600"/>
+                </a:solidFill>
+              </a:rPr>
+              <a:t>];</a:t>
+            </a:r>
+          </a:p>
+          <a:p>
+            <a:pPr>
+              <a:buNone/>
+            </a:pPr>
+            <a:r>
+              <a:rPr lang="en-GB" dirty="0" smtClean="0">
+                <a:solidFill>
+                  <a:srgbClr val="252C33"/>
+                </a:solidFill>
+              </a:rPr>
+              <a:t>freq</a:t>
+            </a:r>
+            <a:r>
+              <a:rPr lang="en-GB" dirty="0" smtClean="0">
+                <a:solidFill>
+                  <a:srgbClr val="666600"/>
+                </a:solidFill>
+              </a:rPr>
+              <a:t>[(</a:t>
+            </a:r>
+            <a:r>
+              <a:rPr lang="en-GB" dirty="0" err="1" smtClean="0">
+                <a:solidFill>
+                  <a:srgbClr val="252C33"/>
+                </a:solidFill>
+              </a:rPr>
+              <a:t>arr</a:t>
+            </a:r>
+            <a:r>
+              <a:rPr lang="en-GB" dirty="0" smtClean="0">
+                <a:solidFill>
+                  <a:srgbClr val="666600"/>
+                </a:solidFill>
+              </a:rPr>
+              <a:t>[</a:t>
+            </a:r>
+            <a:r>
+              <a:rPr lang="en-GB" dirty="0" err="1" smtClean="0">
+                <a:solidFill>
+                  <a:srgbClr val="252C33"/>
+                </a:solidFill>
+              </a:rPr>
+              <a:t>i</a:t>
+            </a:r>
+            <a:r>
+              <a:rPr lang="en-GB" dirty="0" smtClean="0">
+                <a:solidFill>
+                  <a:srgbClr val="666600"/>
+                </a:solidFill>
+              </a:rPr>
+              <a:t>]/</a:t>
+            </a:r>
+            <a:r>
+              <a:rPr lang="en-GB" dirty="0" smtClean="0">
+                <a:solidFill>
+                  <a:srgbClr val="252C33"/>
+                </a:solidFill>
+              </a:rPr>
+              <a:t>place</a:t>
+            </a:r>
+            <a:r>
+              <a:rPr lang="en-GB" dirty="0" smtClean="0">
+                <a:solidFill>
+                  <a:srgbClr val="666600"/>
+                </a:solidFill>
+              </a:rPr>
+              <a:t>)%</a:t>
+            </a:r>
+            <a:r>
+              <a:rPr lang="en-GB" dirty="0" smtClean="0">
+                <a:solidFill>
+                  <a:srgbClr val="252C33"/>
+                </a:solidFill>
+              </a:rPr>
+              <a:t>range</a:t>
+            </a:r>
+            <a:r>
+              <a:rPr lang="en-GB" dirty="0" smtClean="0">
+                <a:solidFill>
+                  <a:srgbClr val="666600"/>
+                </a:solidFill>
+              </a:rPr>
+              <a:t>]--;</a:t>
+            </a:r>
+            <a:r>
+              <a:rPr lang="en-GB" dirty="0" smtClean="0">
+                <a:solidFill>
+                  <a:srgbClr val="252C33"/>
+                </a:solidFill>
+              </a:rPr>
+              <a:t> </a:t>
+            </a:r>
+          </a:p>
+          <a:p>
+            <a:pPr>
+              <a:buNone/>
+            </a:pPr>
+            <a:r>
+              <a:rPr lang="en-GB" dirty="0" smtClean="0">
+                <a:solidFill>
+                  <a:srgbClr val="666600"/>
+                </a:solidFill>
+              </a:rPr>
+              <a:t>}</a:t>
+            </a:r>
+            <a:r>
+              <a:rPr lang="en-GB" dirty="0" smtClean="0">
+                <a:solidFill>
+                  <a:srgbClr val="252C33"/>
+                </a:solidFill>
+              </a:rPr>
+              <a:t> </a:t>
+            </a:r>
+          </a:p>
+          <a:p>
+            <a:pPr>
+              <a:buNone/>
+            </a:pPr>
+            <a:r>
+              <a:rPr lang="en-GB" dirty="0" smtClean="0">
+                <a:solidFill>
+                  <a:srgbClr val="000088"/>
+                </a:solidFill>
+              </a:rPr>
+              <a:t>for</a:t>
+            </a:r>
+            <a:r>
+              <a:rPr lang="en-GB" dirty="0" smtClean="0">
+                <a:solidFill>
+                  <a:srgbClr val="666600"/>
+                </a:solidFill>
+              </a:rPr>
+              <a:t>(</a:t>
+            </a:r>
+            <a:r>
+              <a:rPr lang="en-GB" dirty="0" err="1" smtClean="0">
+                <a:solidFill>
+                  <a:srgbClr val="252C33"/>
+                </a:solidFill>
+              </a:rPr>
+              <a:t>i</a:t>
+            </a:r>
+            <a:r>
+              <a:rPr lang="en-GB" dirty="0" smtClean="0">
+                <a:solidFill>
+                  <a:srgbClr val="666600"/>
+                </a:solidFill>
+              </a:rPr>
+              <a:t>=</a:t>
+            </a:r>
+            <a:r>
+              <a:rPr lang="en-GB" dirty="0" smtClean="0">
+                <a:solidFill>
+                  <a:srgbClr val="006666"/>
+                </a:solidFill>
+              </a:rPr>
+              <a:t>0</a:t>
+            </a:r>
+            <a:r>
+              <a:rPr lang="en-GB" dirty="0" smtClean="0">
+                <a:solidFill>
+                  <a:srgbClr val="666600"/>
+                </a:solidFill>
+              </a:rPr>
+              <a:t>;</a:t>
+            </a:r>
+            <a:r>
+              <a:rPr lang="en-GB" dirty="0" smtClean="0">
+                <a:solidFill>
+                  <a:srgbClr val="252C33"/>
+                </a:solidFill>
+              </a:rPr>
+              <a:t>i</a:t>
+            </a:r>
+            <a:r>
+              <a:rPr lang="en-GB" dirty="0" smtClean="0">
+                <a:solidFill>
+                  <a:srgbClr val="666600"/>
+                </a:solidFill>
+              </a:rPr>
+              <a:t>&lt;</a:t>
+            </a:r>
+            <a:r>
+              <a:rPr lang="en-GB" dirty="0" err="1" smtClean="0">
+                <a:solidFill>
+                  <a:srgbClr val="252C33"/>
+                </a:solidFill>
+              </a:rPr>
+              <a:t>n</a:t>
+            </a:r>
+            <a:r>
+              <a:rPr lang="en-GB" dirty="0" err="1" smtClean="0">
+                <a:solidFill>
+                  <a:srgbClr val="666600"/>
+                </a:solidFill>
+              </a:rPr>
+              <a:t>;</a:t>
+            </a:r>
+            <a:r>
+              <a:rPr lang="en-GB" dirty="0" err="1" smtClean="0">
+                <a:solidFill>
+                  <a:srgbClr val="252C33"/>
+                </a:solidFill>
+              </a:rPr>
+              <a:t>i</a:t>
+            </a:r>
+            <a:r>
+              <a:rPr lang="en-GB" dirty="0" smtClean="0">
+                <a:solidFill>
+                  <a:srgbClr val="666600"/>
+                </a:solidFill>
+              </a:rPr>
+              <a:t>++)</a:t>
+            </a:r>
+            <a:r>
+              <a:rPr lang="en-GB" dirty="0" smtClean="0">
+                <a:solidFill>
+                  <a:srgbClr val="252C33"/>
+                </a:solidFill>
+              </a:rPr>
+              <a:t> </a:t>
+            </a:r>
+          </a:p>
+          <a:p>
+            <a:pPr>
+              <a:buNone/>
+            </a:pPr>
+            <a:r>
+              <a:rPr lang="en-GB" dirty="0" err="1" smtClean="0">
+                <a:solidFill>
+                  <a:srgbClr val="252C33"/>
+                </a:solidFill>
+              </a:rPr>
+              <a:t>arr</a:t>
+            </a:r>
+            <a:r>
+              <a:rPr lang="en-GB" dirty="0" smtClean="0">
+                <a:solidFill>
+                  <a:srgbClr val="666600"/>
+                </a:solidFill>
+              </a:rPr>
+              <a:t>[</a:t>
+            </a:r>
+            <a:r>
+              <a:rPr lang="en-GB" dirty="0" err="1" smtClean="0">
+                <a:solidFill>
+                  <a:srgbClr val="252C33"/>
+                </a:solidFill>
+              </a:rPr>
+              <a:t>i</a:t>
+            </a:r>
+            <a:r>
+              <a:rPr lang="en-GB" dirty="0" smtClean="0">
+                <a:solidFill>
+                  <a:srgbClr val="666600"/>
+                </a:solidFill>
+              </a:rPr>
+              <a:t>]=</a:t>
+            </a:r>
+            <a:r>
+              <a:rPr lang="en-GB" dirty="0" smtClean="0">
+                <a:solidFill>
+                  <a:srgbClr val="252C33"/>
+                </a:solidFill>
+              </a:rPr>
+              <a:t>output</a:t>
+            </a:r>
+            <a:r>
+              <a:rPr lang="en-GB" dirty="0" smtClean="0">
+                <a:solidFill>
+                  <a:srgbClr val="666600"/>
+                </a:solidFill>
+              </a:rPr>
+              <a:t>[</a:t>
+            </a:r>
+            <a:r>
+              <a:rPr lang="en-GB" dirty="0" err="1" smtClean="0">
+                <a:solidFill>
+                  <a:srgbClr val="252C33"/>
+                </a:solidFill>
+              </a:rPr>
+              <a:t>i</a:t>
+            </a:r>
+            <a:r>
+              <a:rPr lang="en-GB" dirty="0" smtClean="0">
+                <a:solidFill>
+                  <a:srgbClr val="666600"/>
+                </a:solidFill>
+              </a:rPr>
+              <a:t>];</a:t>
+            </a:r>
+            <a:r>
+              <a:rPr lang="en-GB" dirty="0" smtClean="0">
+                <a:solidFill>
+                  <a:srgbClr val="252C33"/>
+                </a:solidFill>
+              </a:rPr>
+              <a:t> </a:t>
+            </a:r>
+            <a:r>
+              <a:rPr lang="en-GB" dirty="0" smtClean="0">
+                <a:solidFill>
+                  <a:srgbClr val="666600"/>
+                </a:solidFill>
+              </a:rPr>
+              <a:t>}</a:t>
+            </a:r>
+            <a:r>
+              <a:rPr lang="en-GB" dirty="0" smtClean="0">
+                <a:solidFill>
+                  <a:srgbClr val="252C33"/>
+                </a:solidFill>
+              </a:rPr>
+              <a:t> </a:t>
+            </a:r>
+          </a:p>
+          <a:p>
+            <a:pPr>
+              <a:buNone/>
+            </a:pPr>
+            <a:r>
+              <a:rPr lang="en-GB" dirty="0" smtClean="0">
+                <a:solidFill>
+                  <a:srgbClr val="000088"/>
+                </a:solidFill>
+              </a:rPr>
+              <a:t>void</a:t>
+            </a:r>
+            <a:r>
+              <a:rPr lang="en-GB" dirty="0" smtClean="0">
+                <a:solidFill>
+                  <a:srgbClr val="252C33"/>
+                </a:solidFill>
+              </a:rPr>
+              <a:t> </a:t>
+            </a:r>
+            <a:r>
+              <a:rPr lang="en-GB" dirty="0" err="1" smtClean="0">
+                <a:solidFill>
+                  <a:srgbClr val="252C33"/>
+                </a:solidFill>
+              </a:rPr>
+              <a:t>radixsort</a:t>
+            </a:r>
+            <a:r>
+              <a:rPr lang="en-GB" dirty="0" smtClean="0">
+                <a:solidFill>
+                  <a:srgbClr val="666600"/>
+                </a:solidFill>
+              </a:rPr>
+              <a:t>(</a:t>
+            </a:r>
+            <a:r>
+              <a:rPr lang="en-GB" dirty="0" err="1" smtClean="0">
+                <a:solidFill>
+                  <a:srgbClr val="252C33"/>
+                </a:solidFill>
+              </a:rPr>
+              <a:t>ll</a:t>
+            </a:r>
+            <a:r>
+              <a:rPr lang="en-GB" dirty="0" smtClean="0">
+                <a:solidFill>
+                  <a:srgbClr val="252C33"/>
+                </a:solidFill>
+              </a:rPr>
+              <a:t> </a:t>
+            </a:r>
+            <a:r>
+              <a:rPr lang="en-GB" dirty="0" err="1" smtClean="0">
+                <a:solidFill>
+                  <a:srgbClr val="252C33"/>
+                </a:solidFill>
+              </a:rPr>
+              <a:t>arr</a:t>
+            </a:r>
+            <a:r>
+              <a:rPr lang="en-GB" dirty="0" smtClean="0">
+                <a:solidFill>
+                  <a:srgbClr val="666600"/>
+                </a:solidFill>
+              </a:rPr>
+              <a:t>[],</a:t>
+            </a:r>
+            <a:r>
+              <a:rPr lang="en-GB" dirty="0" err="1" smtClean="0">
+                <a:solidFill>
+                  <a:srgbClr val="000088"/>
+                </a:solidFill>
+              </a:rPr>
+              <a:t>int</a:t>
+            </a:r>
+            <a:r>
+              <a:rPr lang="en-GB" dirty="0" smtClean="0">
+                <a:solidFill>
+                  <a:srgbClr val="252C33"/>
+                </a:solidFill>
+              </a:rPr>
+              <a:t> </a:t>
+            </a:r>
+            <a:r>
+              <a:rPr lang="en-GB" dirty="0" err="1" smtClean="0">
+                <a:solidFill>
+                  <a:srgbClr val="252C33"/>
+                </a:solidFill>
+              </a:rPr>
+              <a:t>n</a:t>
+            </a:r>
+            <a:r>
+              <a:rPr lang="en-GB" dirty="0" err="1" smtClean="0">
+                <a:solidFill>
+                  <a:srgbClr val="666600"/>
+                </a:solidFill>
+              </a:rPr>
+              <a:t>,</a:t>
+            </a:r>
+            <a:r>
+              <a:rPr lang="en-GB" dirty="0" err="1" smtClean="0">
+                <a:solidFill>
+                  <a:srgbClr val="000088"/>
+                </a:solidFill>
+              </a:rPr>
+              <a:t>int</a:t>
+            </a:r>
+            <a:r>
+              <a:rPr lang="en-GB" dirty="0" smtClean="0">
+                <a:solidFill>
+                  <a:srgbClr val="252C33"/>
+                </a:solidFill>
+              </a:rPr>
+              <a:t> </a:t>
+            </a:r>
+            <a:r>
+              <a:rPr lang="en-GB" dirty="0" err="1" smtClean="0">
+                <a:solidFill>
+                  <a:srgbClr val="252C33"/>
+                </a:solidFill>
+              </a:rPr>
+              <a:t>maxx</a:t>
+            </a:r>
+            <a:r>
+              <a:rPr lang="en-GB" dirty="0" smtClean="0">
+                <a:solidFill>
+                  <a:srgbClr val="666600"/>
+                </a:solidFill>
+              </a:rPr>
+              <a:t>)</a:t>
+            </a:r>
+            <a:r>
+              <a:rPr lang="en-GB" dirty="0" smtClean="0">
+                <a:solidFill>
+                  <a:srgbClr val="252C33"/>
+                </a:solidFill>
+              </a:rPr>
+              <a:t>  </a:t>
+            </a:r>
+          </a:p>
+          <a:p>
+            <a:pPr>
+              <a:buNone/>
+            </a:pPr>
+            <a:r>
+              <a:rPr lang="en-GB" dirty="0" smtClean="0">
+                <a:solidFill>
+                  <a:srgbClr val="666600"/>
+                </a:solidFill>
+              </a:rPr>
+              <a:t>{</a:t>
+            </a:r>
+            <a:r>
+              <a:rPr lang="en-GB" dirty="0" smtClean="0">
+                <a:solidFill>
+                  <a:srgbClr val="252C33"/>
+                </a:solidFill>
+              </a:rPr>
+              <a:t> </a:t>
+            </a:r>
+          </a:p>
+          <a:p>
+            <a:pPr>
+              <a:buNone/>
+            </a:pPr>
+            <a:r>
+              <a:rPr lang="en-GB" dirty="0" err="1" smtClean="0">
+                <a:solidFill>
+                  <a:srgbClr val="000088"/>
+                </a:solidFill>
+              </a:rPr>
+              <a:t>int</a:t>
+            </a:r>
+            <a:r>
+              <a:rPr lang="en-GB" dirty="0" smtClean="0">
+                <a:solidFill>
+                  <a:srgbClr val="252C33"/>
+                </a:solidFill>
+              </a:rPr>
+              <a:t> </a:t>
+            </a:r>
+            <a:r>
+              <a:rPr lang="en-GB" dirty="0" err="1" smtClean="0">
+                <a:solidFill>
+                  <a:srgbClr val="252C33"/>
+                </a:solidFill>
+              </a:rPr>
+              <a:t>mul</a:t>
+            </a:r>
+            <a:r>
+              <a:rPr lang="en-GB" dirty="0" smtClean="0">
+                <a:solidFill>
+                  <a:srgbClr val="666600"/>
+                </a:solidFill>
+              </a:rPr>
+              <a:t>=</a:t>
+            </a:r>
+            <a:r>
+              <a:rPr lang="en-GB" dirty="0" smtClean="0">
+                <a:solidFill>
+                  <a:srgbClr val="006666"/>
+                </a:solidFill>
+              </a:rPr>
+              <a:t>1</a:t>
+            </a:r>
+            <a:r>
+              <a:rPr lang="en-GB" dirty="0" smtClean="0">
+                <a:solidFill>
+                  <a:srgbClr val="666600"/>
+                </a:solidFill>
+              </a:rPr>
+              <a:t>;</a:t>
+            </a:r>
+            <a:r>
+              <a:rPr lang="en-GB" dirty="0" smtClean="0">
+                <a:solidFill>
+                  <a:srgbClr val="252C33"/>
+                </a:solidFill>
+              </a:rPr>
+              <a:t> </a:t>
+            </a:r>
+          </a:p>
+          <a:p>
+            <a:pPr>
+              <a:buNone/>
+            </a:pPr>
+            <a:r>
+              <a:rPr lang="en-GB" dirty="0" smtClean="0">
+                <a:solidFill>
+                  <a:srgbClr val="000088"/>
+                </a:solidFill>
+              </a:rPr>
+              <a:t>while</a:t>
+            </a:r>
+            <a:r>
+              <a:rPr lang="en-GB" dirty="0" smtClean="0">
+                <a:solidFill>
+                  <a:srgbClr val="666600"/>
+                </a:solidFill>
+              </a:rPr>
+              <a:t>(</a:t>
+            </a:r>
+            <a:r>
+              <a:rPr lang="en-GB" dirty="0" err="1" smtClean="0">
+                <a:solidFill>
+                  <a:srgbClr val="252C33"/>
+                </a:solidFill>
+              </a:rPr>
+              <a:t>maxx</a:t>
+            </a:r>
+            <a:r>
+              <a:rPr lang="en-GB" dirty="0" smtClean="0">
+                <a:solidFill>
+                  <a:srgbClr val="666600"/>
+                </a:solidFill>
+              </a:rPr>
+              <a:t>)</a:t>
+            </a:r>
+            <a:r>
+              <a:rPr lang="en-GB" dirty="0" smtClean="0">
+                <a:solidFill>
+                  <a:srgbClr val="252C33"/>
+                </a:solidFill>
+              </a:rPr>
+              <a:t> </a:t>
+            </a:r>
+          </a:p>
+          <a:p>
+            <a:pPr>
+              <a:buNone/>
+            </a:pPr>
+            <a:r>
+              <a:rPr lang="en-GB" dirty="0" smtClean="0">
+                <a:solidFill>
+                  <a:srgbClr val="666600"/>
+                </a:solidFill>
+              </a:rPr>
+              <a:t>{</a:t>
+            </a:r>
+            <a:r>
+              <a:rPr lang="en-GB" dirty="0" smtClean="0">
+                <a:solidFill>
+                  <a:srgbClr val="252C33"/>
+                </a:solidFill>
+              </a:rPr>
+              <a:t> </a:t>
+            </a:r>
+            <a:r>
+              <a:rPr lang="en-GB" dirty="0" err="1" smtClean="0">
+                <a:solidFill>
+                  <a:srgbClr val="252C33"/>
+                </a:solidFill>
+              </a:rPr>
+              <a:t>countsort</a:t>
+            </a:r>
+            <a:r>
+              <a:rPr lang="en-GB" dirty="0" smtClean="0">
+                <a:solidFill>
+                  <a:srgbClr val="666600"/>
+                </a:solidFill>
+              </a:rPr>
+              <a:t>(</a:t>
+            </a:r>
+            <a:r>
+              <a:rPr lang="en-GB" dirty="0" err="1" smtClean="0">
+                <a:solidFill>
+                  <a:srgbClr val="252C33"/>
+                </a:solidFill>
+              </a:rPr>
+              <a:t>arr</a:t>
+            </a:r>
+            <a:r>
+              <a:rPr lang="en-GB" dirty="0" err="1" smtClean="0">
+                <a:solidFill>
+                  <a:srgbClr val="666600"/>
+                </a:solidFill>
+              </a:rPr>
+              <a:t>,</a:t>
+            </a:r>
+            <a:r>
+              <a:rPr lang="en-GB" dirty="0" err="1" smtClean="0">
+                <a:solidFill>
+                  <a:srgbClr val="252C33"/>
+                </a:solidFill>
+              </a:rPr>
+              <a:t>n</a:t>
+            </a:r>
+            <a:r>
+              <a:rPr lang="en-GB" dirty="0" err="1" smtClean="0">
+                <a:solidFill>
+                  <a:srgbClr val="666600"/>
+                </a:solidFill>
+              </a:rPr>
+              <a:t>,</a:t>
+            </a:r>
+            <a:r>
+              <a:rPr lang="en-GB" dirty="0" err="1" smtClean="0">
+                <a:solidFill>
+                  <a:srgbClr val="252C33"/>
+                </a:solidFill>
+              </a:rPr>
+              <a:t>mul</a:t>
+            </a:r>
+            <a:r>
+              <a:rPr lang="en-GB" dirty="0" smtClean="0">
+                <a:solidFill>
+                  <a:srgbClr val="666600"/>
+                </a:solidFill>
+              </a:rPr>
+              <a:t>);</a:t>
+            </a:r>
+            <a:r>
+              <a:rPr lang="en-GB" dirty="0" smtClean="0">
+                <a:solidFill>
+                  <a:srgbClr val="252C33"/>
+                </a:solidFill>
+              </a:rPr>
+              <a:t> </a:t>
+            </a:r>
+            <a:r>
+              <a:rPr lang="en-GB" dirty="0" err="1" smtClean="0">
+                <a:solidFill>
+                  <a:srgbClr val="252C33"/>
+                </a:solidFill>
+              </a:rPr>
+              <a:t>mul</a:t>
+            </a:r>
+            <a:r>
+              <a:rPr lang="en-GB" dirty="0" smtClean="0">
+                <a:solidFill>
+                  <a:srgbClr val="666600"/>
+                </a:solidFill>
+              </a:rPr>
+              <a:t>*=</a:t>
+            </a:r>
+            <a:r>
+              <a:rPr lang="en-GB" dirty="0" smtClean="0">
+                <a:solidFill>
+                  <a:srgbClr val="006666"/>
+                </a:solidFill>
+              </a:rPr>
+              <a:t>10</a:t>
+            </a:r>
+            <a:r>
+              <a:rPr lang="en-GB" dirty="0" smtClean="0">
+                <a:solidFill>
+                  <a:srgbClr val="666600"/>
+                </a:solidFill>
+              </a:rPr>
+              <a:t>;</a:t>
+            </a:r>
+            <a:r>
+              <a:rPr lang="en-GB" dirty="0" smtClean="0">
+                <a:solidFill>
+                  <a:srgbClr val="252C33"/>
+                </a:solidFill>
+              </a:rPr>
+              <a:t> </a:t>
+            </a:r>
+            <a:r>
+              <a:rPr lang="en-GB" dirty="0" err="1" smtClean="0">
+                <a:solidFill>
+                  <a:srgbClr val="252C33"/>
+                </a:solidFill>
+              </a:rPr>
+              <a:t>maxx</a:t>
+            </a:r>
+            <a:r>
+              <a:rPr lang="en-GB" dirty="0" smtClean="0">
+                <a:solidFill>
+                  <a:srgbClr val="666600"/>
+                </a:solidFill>
+              </a:rPr>
+              <a:t>/=</a:t>
+            </a:r>
+            <a:r>
+              <a:rPr lang="en-GB" dirty="0" smtClean="0">
+                <a:solidFill>
+                  <a:srgbClr val="006666"/>
+                </a:solidFill>
+              </a:rPr>
+              <a:t>10</a:t>
+            </a:r>
+            <a:r>
+              <a:rPr lang="en-GB" dirty="0" smtClean="0">
+                <a:solidFill>
+                  <a:srgbClr val="666600"/>
+                </a:solidFill>
+              </a:rPr>
+              <a:t>;</a:t>
+            </a:r>
+            <a:r>
+              <a:rPr lang="en-GB" dirty="0" smtClean="0">
+                <a:solidFill>
+                  <a:srgbClr val="252C33"/>
+                </a:solidFill>
+              </a:rPr>
+              <a:t> </a:t>
+            </a:r>
+            <a:r>
+              <a:rPr lang="en-GB" dirty="0" smtClean="0">
+                <a:solidFill>
+                  <a:srgbClr val="666600"/>
+                </a:solidFill>
+              </a:rPr>
+              <a:t>}</a:t>
+            </a:r>
+            <a:r>
+              <a:rPr lang="en-GB" dirty="0" smtClean="0">
+                <a:solidFill>
+                  <a:srgbClr val="252C33"/>
+                </a:solidFill>
+              </a:rPr>
+              <a:t> </a:t>
+            </a:r>
+            <a:r>
+              <a:rPr lang="en-GB" dirty="0" smtClean="0">
+                <a:solidFill>
+                  <a:srgbClr val="666600"/>
+                </a:solidFill>
+              </a:rPr>
+              <a:t>}</a:t>
             </a:r>
             <a:endParaRPr lang="en-US" dirty="0" smtClean="0"/>
           </a:p>
@@ -7029,34 +7111,6 @@
             <a:pPr>
               <a:buNone/>
             </a:pPr>
-            <a:endParaRPr lang="en-US" dirty="0" smtClean="0"/>
-          </a:p>
-          <a:p>
-            <a:r>
-              <a:rPr lang="en-US" dirty="0" smtClean="0"/>
-              <a:t>2</a:t>
-            </a:r>
-            <a:r>
-              <a:rPr lang="en-US" dirty="0" smtClean="0"/>
-              <a:t>. Call bucket sort repeatedly on least to most significant digit of each element as the key. </a:t>
-            </a:r>
-            <a:endParaRPr lang="en-US" dirty="0" smtClean="0"/>
-          </a:p>
-          <a:p>
-            <a:pPr>
-              <a:buNone/>
-            </a:pPr>
-            <a:endParaRPr lang="en-US" dirty="0" smtClean="0"/>
-          </a:p>
-          <a:p>
-            <a:r>
-              <a:rPr lang="en-US" dirty="0" smtClean="0"/>
-              <a:t>3</a:t>
-            </a:r>
-            <a:r>
-              <a:rPr lang="en-US" dirty="0" smtClean="0"/>
-              <a:t>. Return the sorted array.</a:t>
-            </a:r>
             <a:endParaRPr lang="en-US" dirty="0"/>
           </a:p>
         </p:txBody>

--- a/Rudix sort.pptx
+++ b/Rudix sort.pptx
@@ -7,19 +7,18 @@
   <p:sldIdLst>
     <p:sldId id="256" r:id="rId2"/>
     <p:sldId id="257" r:id="rId3"/>
-    <p:sldId id="258" r:id="rId4"/>
-    <p:sldId id="270" r:id="rId5"/>
-    <p:sldId id="259" r:id="rId6"/>
-    <p:sldId id="260" r:id="rId7"/>
-    <p:sldId id="261" r:id="rId8"/>
-    <p:sldId id="262" r:id="rId9"/>
-    <p:sldId id="263" r:id="rId10"/>
-    <p:sldId id="264" r:id="rId11"/>
-    <p:sldId id="265" r:id="rId12"/>
-    <p:sldId id="266" r:id="rId13"/>
-    <p:sldId id="267" r:id="rId14"/>
-    <p:sldId id="268" r:id="rId15"/>
-    <p:sldId id="269" r:id="rId16"/>
+    <p:sldId id="270" r:id="rId4"/>
+    <p:sldId id="259" r:id="rId5"/>
+    <p:sldId id="260" r:id="rId6"/>
+    <p:sldId id="261" r:id="rId7"/>
+    <p:sldId id="262" r:id="rId8"/>
+    <p:sldId id="263" r:id="rId9"/>
+    <p:sldId id="264" r:id="rId10"/>
+    <p:sldId id="265" r:id="rId11"/>
+    <p:sldId id="266" r:id="rId12"/>
+    <p:sldId id="267" r:id="rId13"/>
+    <p:sldId id="268" r:id="rId14"/>
+    <p:sldId id="269" r:id="rId15"/>
   </p:sldIdLst>
   <p:sldSz cx="9144000" cy="6858000" type="screen4x3"/>
   <p:notesSz cx="6858000" cy="9144000"/>
@@ -3625,11 +3624,7 @@
           <a:p>
             <a:r>
               <a:rPr lang="en-US" dirty="0" smtClean="0"/>
-              <a:t>Radix </a:t>
-            </a:r>
-            <a:r>
-              <a:rPr lang="en-US" dirty="0" smtClean="0"/>
-              <a:t>sort</a:t>
+              <a:t>Radix sort</a:t>
             </a:r>
             <a:endParaRPr lang="en-US" dirty="0"/>
           </a:p>
@@ -3718,7 +3713,7 @@
           <a:p>
             <a:r>
               <a:rPr lang="en-US" dirty="0" smtClean="0"/>
-              <a:t>                ALGORITHM</a:t>
+              <a:t>                  ANALYSIS</a:t>
             </a:r>
             <a:endParaRPr lang="en-US" dirty="0"/>
           </a:p>
@@ -3741,31 +3736,41 @@
           <a:p>
             <a:r>
               <a:rPr lang="en-US" dirty="0" smtClean="0"/>
-              <a:t>1. Create an array a[ 0…..n-1] elements. </a:t>
-            </a:r>
-          </a:p>
-          <a:p>
-            <a:pPr>
-              <a:buNone/>
-            </a:pPr>
+              <a:t>Each pass over n d-digit numbers and k base keys then takes time O(</a:t>
+            </a:r>
+            <a:r>
+              <a:rPr lang="en-US" dirty="0" err="1" smtClean="0"/>
+              <a:t>n+k</a:t>
+            </a:r>
+            <a:r>
+              <a:rPr lang="en-US" dirty="0" smtClean="0"/>
+              <a:t>).</a:t>
+            </a:r>
+          </a:p>
+          <a:p>
             <a:endParaRPr lang="en-US" dirty="0" smtClean="0"/>
           </a:p>
           <a:p>
             <a:r>
               <a:rPr lang="en-US" dirty="0" smtClean="0"/>
-              <a:t>2. Call bucket sort repeatedly on least to most significant digit of each element as the key. </a:t>
-            </a:r>
-          </a:p>
-          <a:p>
-            <a:pPr>
-              <a:buNone/>
-            </a:pPr>
+              <a:t>There are d passes, so the total time for radix sort is O(d (</a:t>
+            </a:r>
+            <a:r>
+              <a:rPr lang="en-US" dirty="0" err="1" smtClean="0"/>
+              <a:t>n+k</a:t>
+            </a:r>
+            <a:r>
+              <a:rPr lang="en-US" dirty="0" smtClean="0"/>
+              <a:t>)).</a:t>
+            </a:r>
+          </a:p>
+          <a:p>
             <a:endParaRPr lang="en-US" dirty="0" smtClean="0"/>
           </a:p>
           <a:p>
             <a:r>
               <a:rPr lang="en-US" dirty="0" smtClean="0"/>
-              <a:t>3. Return the sorted array.</a:t>
+              <a:t>When d is a constant and total run time = O(n).</a:t>
             </a:r>
             <a:endParaRPr lang="en-US" dirty="0"/>
           </a:p>
@@ -3813,7 +3818,7 @@
           <a:p>
             <a:r>
               <a:rPr lang="en-US" dirty="0" smtClean="0"/>
-              <a:t>                  ANALYSIS</a:t>
+              <a:t>   advantages of radix sort</a:t>
             </a:r>
             <a:endParaRPr lang="en-US" dirty="0"/>
           </a:p>
@@ -3836,15 +3841,33 @@
           <a:p>
             <a:r>
               <a:rPr lang="en-US" dirty="0" smtClean="0"/>
-              <a:t>Each pass over n d-digit numbers and k base keys then takes time O(</a:t>
+              <a:t>Fast when the keys are short when the range of the array elements is less.</a:t>
+            </a:r>
+            <a:br>
+              <a:rPr lang="en-US" dirty="0" smtClean="0"/>
+            </a:br>
+            <a:endParaRPr lang="en-US" dirty="0" smtClean="0"/>
+          </a:p>
+          <a:p>
+            <a:r>
+              <a:rPr lang="en-US" dirty="0" smtClean="0"/>
+              <a:t>Used in suffix array </a:t>
             </a:r>
             <a:r>
               <a:rPr lang="en-US" dirty="0" err="1" smtClean="0"/>
-              <a:t>n+k</a:t>
-            </a:r>
-            <a:r>
-              <a:rPr lang="en-US" dirty="0" smtClean="0"/>
-              <a:t>).</a:t>
+              <a:t>constuction</a:t>
+            </a:r>
+            <a:r>
+              <a:rPr lang="en-US" dirty="0" smtClean="0"/>
+              <a:t> algorithms like </a:t>
+            </a:r>
+            <a:r>
+              <a:rPr lang="en-US" dirty="0" err="1" smtClean="0"/>
+              <a:t>Manber's</a:t>
+            </a:r>
+            <a:r>
+              <a:rPr lang="en-US" dirty="0" smtClean="0"/>
+              <a:t> algorithm and DC3 algorithm.</a:t>
             </a:r>
           </a:p>
           <a:p>
@@ -3853,24 +3876,7 @@
           <a:p>
             <a:r>
               <a:rPr lang="en-US" dirty="0" smtClean="0"/>
-              <a:t>There are d passes, so the total time for radix sort is O(d (</a:t>
-            </a:r>
-            <a:r>
-              <a:rPr lang="en-US" dirty="0" err="1" smtClean="0"/>
-              <a:t>n+k</a:t>
-            </a:r>
-            <a:r>
-              <a:rPr lang="en-US" dirty="0" smtClean="0"/>
-              <a:t>)).</a:t>
-            </a:r>
-          </a:p>
-          <a:p>
-            <a:endParaRPr lang="en-US" dirty="0" smtClean="0"/>
-          </a:p>
-          <a:p>
-            <a:r>
-              <a:rPr lang="en-US" dirty="0" smtClean="0"/>
-              <a:t>When d is a constant and total run time = O(n).</a:t>
+              <a:t>Radix Sort is stable sort as relative order of elements with equal values is maintained.</a:t>
             </a:r>
             <a:endParaRPr lang="en-US" dirty="0"/>
           </a:p>
@@ -3913,70 +3919,71 @@
         </p:nvSpPr>
         <p:spPr/>
         <p:txBody>
+          <a:bodyPr>
+            <a:normAutofit fontScale="90000"/>
+          </a:bodyPr>
+          <a:lstStyle/>
+          <a:p>
+            <a:r>
+              <a:rPr lang="en-US" dirty="0" smtClean="0"/>
+              <a:t>   disadvantages of radix sort</a:t>
+            </a:r>
+            <a:endParaRPr lang="en-US" dirty="0"/>
+          </a:p>
+        </p:txBody>
+      </p:sp>
+      <p:sp>
+        <p:nvSpPr>
+          <p:cNvPr id="3" name="Content Placeholder 2"/>
+          <p:cNvSpPr>
+            <a:spLocks noGrp="1"/>
+          </p:cNvSpPr>
+          <p:nvPr>
+            <p:ph idx="1"/>
+          </p:nvPr>
+        </p:nvSpPr>
+        <p:spPr/>
+        <p:txBody>
           <a:bodyPr/>
           <a:lstStyle/>
           <a:p>
             <a:r>
               <a:rPr lang="en-US" dirty="0" smtClean="0"/>
-              <a:t>   advantages of radix sort</a:t>
-            </a:r>
-            <a:endParaRPr lang="en-US" dirty="0"/>
-          </a:p>
-        </p:txBody>
-      </p:sp>
-      <p:sp>
-        <p:nvSpPr>
-          <p:cNvPr id="3" name="Content Placeholder 2"/>
-          <p:cNvSpPr>
-            <a:spLocks noGrp="1"/>
-          </p:cNvSpPr>
-          <p:nvPr>
-            <p:ph idx="1"/>
-          </p:nvPr>
-        </p:nvSpPr>
-        <p:spPr/>
-        <p:txBody>
-          <a:bodyPr/>
-          <a:lstStyle/>
-          <a:p>
-            <a:r>
-              <a:rPr lang="en-US" dirty="0" smtClean="0"/>
-              <a:t>Fast when the keys are short when the range of the array elements is less.</a:t>
-            </a:r>
-            <a:br>
-              <a:rPr lang="en-US" dirty="0" smtClean="0"/>
-            </a:br>
+              <a:t>Since Radix Sort depends on digits or letters, Radix Sort is much less flexible than other sorts. Hence , for every different type of data it needs to be rewritten.</a:t>
+            </a:r>
+          </a:p>
+          <a:p>
             <a:endParaRPr lang="en-US" dirty="0" smtClean="0"/>
           </a:p>
           <a:p>
             <a:r>
               <a:rPr lang="en-US" dirty="0" smtClean="0"/>
-              <a:t>Used in suffix array </a:t>
+              <a:t>The constant for Radix sort is greater compared to other sorting algorithms.</a:t>
+            </a:r>
+          </a:p>
+          <a:p>
+            <a:endParaRPr lang="en-US" dirty="0" smtClean="0"/>
+          </a:p>
+          <a:p>
+            <a:r>
+              <a:rPr lang="en-US" dirty="0" smtClean="0"/>
+              <a:t>It takes more space compared to </a:t>
             </a:r>
             <a:r>
               <a:rPr lang="en-US" dirty="0" err="1" smtClean="0"/>
-              <a:t>constuction</a:t>
-            </a:r>
-            <a:r>
-              <a:rPr lang="en-US" dirty="0" smtClean="0"/>
-              <a:t> algorithms like </a:t>
+              <a:t>Quicksort</a:t>
+            </a:r>
+            <a:r>
+              <a:rPr lang="en-US" dirty="0" smtClean="0"/>
+              <a:t> which is </a:t>
             </a:r>
             <a:r>
               <a:rPr lang="en-US" dirty="0" err="1" smtClean="0"/>
-              <a:t>Manber's</a:t>
-            </a:r>
-            <a:r>
-              <a:rPr lang="en-US" dirty="0" smtClean="0"/>
-              <a:t> algorithm and DC3 algorithm.</a:t>
-            </a:r>
-          </a:p>
-          <a:p>
-            <a:endParaRPr lang="en-US" dirty="0" smtClean="0"/>
-          </a:p>
-          <a:p>
-            <a:r>
-              <a:rPr lang="en-US" dirty="0" smtClean="0"/>
-              <a:t>Radix Sort is stable sort as relative order of elements with equal values is maintained.</a:t>
+              <a:t>inplace</a:t>
+            </a:r>
+            <a:r>
+              <a:rPr lang="en-US" dirty="0" smtClean="0"/>
+              <a:t> sorting.</a:t>
             </a:r>
             <a:endParaRPr lang="en-US" dirty="0"/>
           </a:p>
@@ -4019,37 +4026,35 @@
         </p:nvSpPr>
         <p:spPr/>
         <p:txBody>
-          <a:bodyPr>
-            <a:normAutofit fontScale="90000"/>
-          </a:bodyPr>
-          <a:lstStyle/>
-          <a:p>
-            <a:r>
-              <a:rPr lang="en-US" dirty="0" smtClean="0"/>
-              <a:t>   disadvantages of radix sort</a:t>
-            </a:r>
-            <a:endParaRPr lang="en-US" dirty="0"/>
-          </a:p>
-        </p:txBody>
-      </p:sp>
-      <p:sp>
-        <p:nvSpPr>
-          <p:cNvPr id="3" name="Content Placeholder 2"/>
-          <p:cNvSpPr>
-            <a:spLocks noGrp="1"/>
-          </p:cNvSpPr>
-          <p:nvPr>
-            <p:ph idx="1"/>
-          </p:nvPr>
-        </p:nvSpPr>
-        <p:spPr/>
-        <p:txBody>
           <a:bodyPr/>
           <a:lstStyle/>
           <a:p>
             <a:r>
               <a:rPr lang="en-US" dirty="0" smtClean="0"/>
-              <a:t>Since Radix Sort depends on digits or letters, Radix Sort is much less flexible than other sorts. Hence , for every different type of data it needs to be rewritten.</a:t>
+              <a:t>   application of radix sort</a:t>
+            </a:r>
+            <a:endParaRPr lang="en-US" dirty="0"/>
+          </a:p>
+        </p:txBody>
+      </p:sp>
+      <p:sp>
+        <p:nvSpPr>
+          <p:cNvPr id="3" name="Content Placeholder 2"/>
+          <p:cNvSpPr>
+            <a:spLocks noGrp="1"/>
+          </p:cNvSpPr>
+          <p:nvPr>
+            <p:ph idx="1"/>
+          </p:nvPr>
+        </p:nvSpPr>
+        <p:spPr/>
+        <p:txBody>
+          <a:bodyPr/>
+          <a:lstStyle/>
+          <a:p>
+            <a:r>
+              <a:rPr lang="en-US" dirty="0" smtClean="0"/>
+              <a:t>Radix sort is an integer sorting algorithm that sorts data with integer keys by grouping the keys by individual digits that share the same significant position and value.</a:t>
             </a:r>
           </a:p>
           <a:p>
@@ -4058,7 +4063,7 @@
           <a:p>
             <a:r>
               <a:rPr lang="en-US" dirty="0" smtClean="0"/>
-              <a:t>The constant for Radix sort is greater compared to other sorting algorithms.</a:t>
+              <a:t>Mostly used in parallel computing.</a:t>
             </a:r>
           </a:p>
           <a:p>
@@ -4067,25 +4072,8 @@
           <a:p>
             <a:r>
               <a:rPr lang="en-US" dirty="0" smtClean="0"/>
-              <a:t>It takes more space compared to </a:t>
-            </a:r>
-            <a:r>
-              <a:rPr lang="en-US" dirty="0" err="1" smtClean="0"/>
-              <a:t>Quicksort</a:t>
-            </a:r>
-            <a:r>
-              <a:rPr lang="en-US" dirty="0" smtClean="0"/>
-              <a:t> which is </a:t>
-            </a:r>
-            <a:r>
-              <a:rPr lang="en-US" dirty="0" err="1" smtClean="0"/>
-              <a:t>inplace</a:t>
-            </a:r>
-            <a:r>
-              <a:rPr lang="en-US" dirty="0" smtClean="0"/>
-              <a:t> sorting.</a:t>
-            </a:r>
-            <a:endParaRPr lang="en-US" dirty="0"/>
+              <a:t>Radix sort can be applied to data that can be sorted lexicographically, be they integers, words, punch cards, playing cards, or the mail.</a:t>
+            </a:r>
           </a:p>
         </p:txBody>
       </p:sp>
@@ -4116,94 +4104,6 @@
       </p:grpSpPr>
       <p:sp>
         <p:nvSpPr>
-          <p:cNvPr id="2" name="Title 1"/>
-          <p:cNvSpPr>
-            <a:spLocks noGrp="1"/>
-          </p:cNvSpPr>
-          <p:nvPr>
-            <p:ph type="title"/>
-          </p:nvPr>
-        </p:nvSpPr>
-        <p:spPr/>
-        <p:txBody>
-          <a:bodyPr/>
-          <a:lstStyle/>
-          <a:p>
-            <a:r>
-              <a:rPr lang="en-US" dirty="0" smtClean="0"/>
-              <a:t>   application of radix sort</a:t>
-            </a:r>
-            <a:endParaRPr lang="en-US" dirty="0"/>
-          </a:p>
-        </p:txBody>
-      </p:sp>
-      <p:sp>
-        <p:nvSpPr>
-          <p:cNvPr id="3" name="Content Placeholder 2"/>
-          <p:cNvSpPr>
-            <a:spLocks noGrp="1"/>
-          </p:cNvSpPr>
-          <p:nvPr>
-            <p:ph idx="1"/>
-          </p:nvPr>
-        </p:nvSpPr>
-        <p:spPr/>
-        <p:txBody>
-          <a:bodyPr/>
-          <a:lstStyle/>
-          <a:p>
-            <a:r>
-              <a:rPr lang="en-US" dirty="0" smtClean="0"/>
-              <a:t>Radix sort is an integer sorting algorithm that sorts data with integer keys by grouping the keys by individual digits that share the same significant position and value.</a:t>
-            </a:r>
-          </a:p>
-          <a:p>
-            <a:endParaRPr lang="en-US" dirty="0" smtClean="0"/>
-          </a:p>
-          <a:p>
-            <a:r>
-              <a:rPr lang="en-US" dirty="0" smtClean="0"/>
-              <a:t>Mostly used in parallel computing.</a:t>
-            </a:r>
-          </a:p>
-          <a:p>
-            <a:endParaRPr lang="en-US" dirty="0" smtClean="0"/>
-          </a:p>
-          <a:p>
-            <a:r>
-              <a:rPr lang="en-US" dirty="0" smtClean="0"/>
-              <a:t>Radix sort can be applied to data that can be sorted lexicographically, be they integers, words, punch cards, playing cards, or the mail.</a:t>
-            </a:r>
-          </a:p>
-        </p:txBody>
-      </p:sp>
-    </p:spTree>
-  </p:cSld>
-  <p:clrMapOvr>
-    <a:masterClrMapping/>
-  </p:clrMapOvr>
-</p:sld>
-</file>
-
-<file path=ppt/slides/slide15.xml><?xml version="1.0" encoding="utf-8"?>
-<p:sld xmlns:a="http://schemas.openxmlformats.org/drawingml/2006/main" xmlns:r="http://schemas.openxmlformats.org/officeDocument/2006/relationships" xmlns:p="http://schemas.openxmlformats.org/presentationml/2006/main">
-  <p:cSld>
-    <p:spTree>
-      <p:nvGrpSpPr>
-        <p:cNvPr id="1" name=""/>
-        <p:cNvGrpSpPr/>
-        <p:nvPr/>
-      </p:nvGrpSpPr>
-      <p:grpSpPr>
-        <a:xfrm>
-          <a:off x="0" y="0"/>
-          <a:ext cx="0" cy="0"/>
-          <a:chOff x="0" y="0"/>
-          <a:chExt cx="0" cy="0"/>
-        </a:xfrm>
-      </p:grpSpPr>
-      <p:sp>
-        <p:nvSpPr>
           <p:cNvPr id="4" name="Title 3"/>
           <p:cNvSpPr>
             <a:spLocks noGrp="1"/>
@@ -4348,42 +4248,40 @@
         </p:nvSpPr>
         <p:spPr/>
         <p:txBody>
+          <a:bodyPr/>
+          <a:lstStyle/>
+          <a:p>
+            <a:r>
+              <a:rPr lang="en-US" dirty="0" smtClean="0"/>
+              <a:t>              complexity</a:t>
+            </a:r>
+            <a:endParaRPr lang="en-US" dirty="0"/>
+          </a:p>
+        </p:txBody>
+      </p:sp>
+      <p:sp>
+        <p:nvSpPr>
+          <p:cNvPr id="3" name="Content Placeholder 2"/>
+          <p:cNvSpPr>
+            <a:spLocks noGrp="1"/>
+          </p:cNvSpPr>
+          <p:nvPr>
+            <p:ph idx="1"/>
+          </p:nvPr>
+        </p:nvSpPr>
+        <p:spPr/>
+        <p:txBody>
           <a:bodyPr>
-            <a:normAutofit fontScale="90000"/>
+            <a:normAutofit lnSpcReduction="10000"/>
           </a:bodyPr>
           <a:lstStyle/>
           <a:p>
-            <a:r>
-              <a:rPr lang="en-US" dirty="0" smtClean="0"/>
-              <a:t>The time complexity of radix sort</a:t>
-            </a:r>
-            <a:endParaRPr lang="en-US" dirty="0"/>
-          </a:p>
-        </p:txBody>
-      </p:sp>
-      <p:sp>
-        <p:nvSpPr>
-          <p:cNvPr id="3" name="Content Placeholder 2"/>
-          <p:cNvSpPr>
-            <a:spLocks noGrp="1"/>
-          </p:cNvSpPr>
-          <p:nvPr>
-            <p:ph idx="1"/>
-          </p:nvPr>
-        </p:nvSpPr>
-        <p:spPr/>
-        <p:txBody>
-          <a:bodyPr>
-            <a:normAutofit fontScale="92500" lnSpcReduction="20000"/>
-          </a:bodyPr>
-          <a:lstStyle/>
-          <a:p>
             <a:pPr>
               <a:buNone/>
             </a:pPr>
             <a:r>
               <a:rPr lang="en-US" dirty="0" smtClean="0"/>
-              <a:t>The time complexity of radix sort is given by the </a:t>
+              <a:t>  The time complexity of radix sort is given by the </a:t>
             </a:r>
             <a:r>
               <a:rPr lang="en-US" dirty="0" err="1" smtClean="0"/>
@@ -4406,10 +4304,10 @@
             <a:pPr>
               <a:buNone/>
             </a:pPr>
-            <a:endParaRPr lang="en-GB" sz="2800" dirty="0" smtClean="0">
-              <a:latin typeface="Times New Roman" panose="02020603050405020304" pitchFamily="18" charset="0"/>
-              <a:cs typeface="Times New Roman" panose="02020603050405020304" pitchFamily="18" charset="0"/>
-            </a:endParaRPr>
+            <a:r>
+              <a:rPr lang="en-US" dirty="0" smtClean="0"/>
+              <a:t>   Time Complexity </a:t>
+            </a:r>
           </a:p>
           <a:p>
             <a:pPr>
@@ -4417,16 +4315,7 @@
             </a:pPr>
             <a:r>
               <a:rPr lang="en-US" dirty="0" smtClean="0"/>
-              <a:t>Time Complexity </a:t>
-            </a:r>
-          </a:p>
-          <a:p>
-            <a:pPr>
-              <a:buNone/>
-            </a:pPr>
-            <a:r>
-              <a:rPr lang="en-US" dirty="0" smtClean="0"/>
-              <a:t>-&gt;Best = O(</a:t>
+              <a:t>   Best = O(</a:t>
             </a:r>
             <a:r>
               <a:rPr lang="en-US" dirty="0" err="1" smtClean="0"/>
@@ -4443,7 +4332,7 @@
             </a:pPr>
             <a:r>
               <a:rPr lang="en-US" dirty="0" smtClean="0"/>
-              <a:t>-&gt;Worst = O(</a:t>
+              <a:t>   Worst = O(</a:t>
             </a:r>
             <a:r>
               <a:rPr lang="en-US" dirty="0" err="1" smtClean="0"/>
@@ -4460,7 +4349,7 @@
             </a:pPr>
             <a:r>
               <a:rPr lang="en-US" dirty="0" smtClean="0"/>
-              <a:t>-&gt;Average= O(</a:t>
+              <a:t>   Average= O(</a:t>
             </a:r>
             <a:r>
               <a:rPr lang="en-US" dirty="0" err="1" smtClean="0"/>
@@ -4477,7 +4366,7 @@
             </a:pPr>
             <a:r>
               <a:rPr lang="en-US" dirty="0" smtClean="0"/>
-              <a:t>-&gt;Space Complexity = O(max)</a:t>
+              <a:t>   Space Complexity = O(max)</a:t>
             </a:r>
           </a:p>
           <a:p>
@@ -4486,8 +4375,9 @@
             </a:pPr>
             <a:r>
               <a:rPr lang="en-US" dirty="0" smtClean="0"/>
-              <a:t>-&gt;Stability=Yes</a:t>
-            </a:r>
+              <a:t>   Stability=Yes</a:t>
+            </a:r>
+            <a:endParaRPr lang="en-US" dirty="0"/>
           </a:p>
         </p:txBody>
       </p:sp>
@@ -4526,14 +4416,19 @@
             <p:ph type="title"/>
           </p:nvPr>
         </p:nvSpPr>
-        <p:spPr/>
+        <p:spPr>
+          <a:xfrm>
+            <a:off x="457200" y="320040"/>
+            <a:ext cx="7239000" cy="670560"/>
+          </a:xfrm>
+        </p:spPr>
         <p:txBody>
           <a:bodyPr/>
           <a:lstStyle/>
           <a:p>
             <a:r>
               <a:rPr lang="en-US" dirty="0" smtClean="0"/>
-              <a:t>              complexity</a:t>
+              <a:t>How Radix Sort Work</a:t>
             </a:r>
             <a:endParaRPr lang="en-US" dirty="0"/>
           </a:p>
@@ -4552,7 +4447,7 @@
         <p:spPr/>
         <p:txBody>
           <a:bodyPr>
-            <a:normAutofit lnSpcReduction="10000"/>
+            <a:normAutofit fontScale="85000" lnSpcReduction="10000"/>
           </a:bodyPr>
           <a:lstStyle/>
           <a:p>
@@ -4561,33 +4456,92 @@
             </a:pPr>
             <a:r>
               <a:rPr lang="en-US" dirty="0" smtClean="0"/>
-              <a:t>  The </a:t>
-            </a:r>
-            <a:r>
-              <a:rPr lang="en-US" dirty="0" smtClean="0"/>
-              <a:t>time complexity of radix sort is given by the </a:t>
-            </a:r>
-            <a:r>
-              <a:rPr lang="en-US" dirty="0" err="1" smtClean="0"/>
-              <a:t>formula,T</a:t>
-            </a:r>
-            <a:r>
-              <a:rPr lang="en-US" dirty="0" smtClean="0"/>
-              <a:t>(n) = O(d*(</a:t>
-            </a:r>
-            <a:r>
-              <a:rPr lang="en-US" dirty="0" err="1" smtClean="0"/>
-              <a:t>n+b</a:t>
-            </a:r>
-            <a:r>
-              <a:rPr lang="en-US" dirty="0" smtClean="0"/>
-              <a:t>)), where d is the number of digits in the given list, n is the number of elements in the list, and b is the base or bucket size used, which is normally base 10 for decimal </a:t>
-            </a:r>
-            <a:r>
-              <a:rPr lang="en-US" dirty="0" smtClean="0"/>
-              <a:t>representation.</a:t>
-            </a:r>
-            <a:endParaRPr lang="en-US" dirty="0" smtClean="0"/>
+              <a:t>Assume the input array is:</a:t>
+            </a:r>
+            <a:br>
+              <a:rPr lang="en-US" dirty="0" smtClean="0"/>
+            </a:br>
+            <a:r>
+              <a:rPr lang="en-US" dirty="0" smtClean="0"/>
+              <a:t>10,21,17,34,44,11,654,123</a:t>
+            </a:r>
+            <a:br>
+              <a:rPr lang="en-US" dirty="0" smtClean="0"/>
+            </a:br>
+            <a:r>
+              <a:rPr lang="en-US" dirty="0" smtClean="0"/>
+              <a:t>Based on the algorithm, we will sort the input array according to the one's digit (least significant digit).</a:t>
+            </a:r>
+            <a:br>
+              <a:rPr lang="en-US" dirty="0" smtClean="0"/>
+            </a:br>
+            <a:r>
+              <a:rPr lang="en-US" dirty="0" smtClean="0"/>
+              <a:t>0: 10</a:t>
+            </a:r>
+            <a:br>
+              <a:rPr lang="en-US" dirty="0" smtClean="0"/>
+            </a:br>
+            <a:r>
+              <a:rPr lang="en-US" dirty="0" smtClean="0"/>
+              <a:t>1: 21 11</a:t>
+            </a:r>
+            <a:br>
+              <a:rPr lang="en-US" dirty="0" smtClean="0"/>
+            </a:br>
+            <a:r>
+              <a:rPr lang="en-US" dirty="0" smtClean="0"/>
+              <a:t>2:</a:t>
+            </a:r>
+            <a:br>
+              <a:rPr lang="en-US" dirty="0" smtClean="0"/>
+            </a:br>
+            <a:r>
+              <a:rPr lang="en-US" dirty="0" smtClean="0"/>
+              <a:t>3: 123</a:t>
+            </a:r>
+            <a:br>
+              <a:rPr lang="en-US" dirty="0" smtClean="0"/>
+            </a:br>
+            <a:r>
+              <a:rPr lang="en-US" dirty="0" smtClean="0"/>
+              <a:t>4: 34 44 654</a:t>
+            </a:r>
+            <a:br>
+              <a:rPr lang="en-US" dirty="0" smtClean="0"/>
+            </a:br>
+            <a:r>
+              <a:rPr lang="en-US" dirty="0" smtClean="0"/>
+              <a:t>5:</a:t>
+            </a:r>
+            <a:br>
+              <a:rPr lang="en-US" dirty="0" smtClean="0"/>
+            </a:br>
+            <a:r>
+              <a:rPr lang="en-US" dirty="0" smtClean="0"/>
+              <a:t>6:</a:t>
+            </a:r>
+            <a:br>
+              <a:rPr lang="en-US" dirty="0" smtClean="0"/>
+            </a:br>
+            <a:r>
+              <a:rPr lang="en-US" dirty="0" smtClean="0"/>
+              <a:t>7: 17</a:t>
+            </a:r>
+            <a:br>
+              <a:rPr lang="en-US" dirty="0" smtClean="0"/>
+            </a:br>
+            <a:r>
+              <a:rPr lang="en-US" dirty="0" smtClean="0"/>
+              <a:t>8:</a:t>
+            </a:r>
+            <a:br>
+              <a:rPr lang="en-US" dirty="0" smtClean="0"/>
+            </a:br>
+            <a:r>
+              <a:rPr lang="en-US" dirty="0" smtClean="0"/>
+              <a:t>9:</a:t>
+            </a:r>
           </a:p>
           <a:p>
             <a:pPr>
@@ -4595,117 +4549,7 @@
             </a:pPr>
             <a:r>
               <a:rPr lang="en-US" dirty="0" smtClean="0"/>
-              <a:t>   Time Complexity </a:t>
-            </a:r>
-            <a:endParaRPr lang="en-US" dirty="0" smtClean="0"/>
-          </a:p>
-          <a:p>
-            <a:pPr>
-              <a:buNone/>
-            </a:pPr>
-            <a:r>
-              <a:rPr lang="en-US" dirty="0" smtClean="0"/>
-              <a:t> </a:t>
-            </a:r>
-            <a:r>
-              <a:rPr lang="en-US" dirty="0" smtClean="0"/>
-              <a:t>  Best </a:t>
-            </a:r>
-            <a:r>
-              <a:rPr lang="en-US" dirty="0" smtClean="0"/>
-              <a:t>= O(</a:t>
-            </a:r>
-            <a:r>
-              <a:rPr lang="en-US" dirty="0" err="1" smtClean="0"/>
-              <a:t>n+k</a:t>
-            </a:r>
-            <a:r>
-              <a:rPr lang="en-US" dirty="0" smtClean="0"/>
-              <a:t>)</a:t>
-            </a:r>
-          </a:p>
-          <a:p>
-            <a:pPr>
-              <a:buNone/>
-            </a:pPr>
-            <a:r>
-              <a:rPr lang="en-US" dirty="0" smtClean="0"/>
-              <a:t> </a:t>
-            </a:r>
-            <a:r>
-              <a:rPr lang="en-US" dirty="0" smtClean="0"/>
-              <a:t>  Worst </a:t>
-            </a:r>
-            <a:r>
-              <a:rPr lang="en-US" dirty="0" smtClean="0"/>
-              <a:t>= O(</a:t>
-            </a:r>
-            <a:r>
-              <a:rPr lang="en-US" dirty="0" err="1" smtClean="0"/>
-              <a:t>n+k</a:t>
-            </a:r>
-            <a:r>
-              <a:rPr lang="en-US" dirty="0" smtClean="0"/>
-              <a:t>)</a:t>
-            </a:r>
-          </a:p>
-          <a:p>
-            <a:pPr>
-              <a:buNone/>
-            </a:pPr>
-            <a:r>
-              <a:rPr lang="en-US" dirty="0" smtClean="0"/>
-              <a:t> </a:t>
-            </a:r>
-            <a:r>
-              <a:rPr lang="en-US" dirty="0" smtClean="0"/>
-              <a:t>  Average</a:t>
-            </a:r>
-            <a:r>
-              <a:rPr lang="en-US" dirty="0" smtClean="0"/>
-              <a:t>= O(</a:t>
-            </a:r>
-            <a:r>
-              <a:rPr lang="en-US" dirty="0" err="1" smtClean="0"/>
-              <a:t>n+k</a:t>
-            </a:r>
-            <a:r>
-              <a:rPr lang="en-US" dirty="0" smtClean="0"/>
-              <a:t>)</a:t>
-            </a:r>
-          </a:p>
-          <a:p>
-            <a:pPr>
-              <a:buNone/>
-            </a:pPr>
-            <a:r>
-              <a:rPr lang="en-US" dirty="0" smtClean="0"/>
-              <a:t> </a:t>
-            </a:r>
-            <a:r>
-              <a:rPr lang="en-US" dirty="0" smtClean="0"/>
-              <a:t>  Space </a:t>
-            </a:r>
-            <a:r>
-              <a:rPr lang="en-US" dirty="0" smtClean="0"/>
-              <a:t>Complexity = O(max</a:t>
-            </a:r>
-            <a:r>
-              <a:rPr lang="en-US" dirty="0" smtClean="0"/>
-              <a:t>)</a:t>
-            </a:r>
-          </a:p>
-          <a:p>
-            <a:pPr>
-              <a:buNone/>
-            </a:pPr>
-            <a:r>
-              <a:rPr lang="en-US" dirty="0" smtClean="0"/>
-              <a:t> </a:t>
-            </a:r>
-            <a:r>
-              <a:rPr lang="en-US" dirty="0" smtClean="0"/>
-              <a:t>  Stability=Yes</a:t>
+              <a:t>                                         PTO</a:t>
             </a:r>
             <a:endParaRPr lang="en-US" dirty="0"/>
           </a:p>
@@ -4738,148 +4582,115 @@
       </p:grpSpPr>
       <p:sp>
         <p:nvSpPr>
-          <p:cNvPr id="2" name="Title 1"/>
-          <p:cNvSpPr>
-            <a:spLocks noGrp="1"/>
-          </p:cNvSpPr>
-          <p:nvPr>
-            <p:ph type="title"/>
-          </p:nvPr>
+          <p:cNvPr id="5" name="Rectangle 4"/>
+          <p:cNvSpPr/>
+          <p:nvPr/>
         </p:nvSpPr>
         <p:spPr>
           <a:xfrm>
-            <a:off x="457200" y="320040"/>
-            <a:ext cx="7239000" cy="670560"/>
+            <a:off x="2286000" y="1305342"/>
+            <a:ext cx="4572000" cy="4247317"/>
           </a:xfrm>
+          <a:prstGeom prst="rect">
+            <a:avLst/>
+          </a:prstGeom>
         </p:spPr>
         <p:txBody>
-          <a:bodyPr/>
-          <a:lstStyle/>
-          <a:p>
-            <a:r>
-              <a:rPr lang="en-US" dirty="0" smtClean="0"/>
-              <a:t>How Radix Sort Work</a:t>
-            </a:r>
-            <a:endParaRPr lang="en-US" dirty="0"/>
-          </a:p>
-        </p:txBody>
-      </p:sp>
-      <p:sp>
-        <p:nvSpPr>
-          <p:cNvPr id="3" name="Content Placeholder 2"/>
-          <p:cNvSpPr>
-            <a:spLocks noGrp="1"/>
-          </p:cNvSpPr>
-          <p:nvPr>
-            <p:ph idx="1"/>
-          </p:nvPr>
-        </p:nvSpPr>
-        <p:spPr/>
-        <p:txBody>
           <a:bodyPr>
-            <a:normAutofit fontScale="85000" lnSpcReduction="10000"/>
+            <a:spAutoFit/>
           </a:bodyPr>
           <a:lstStyle/>
           <a:p>
-            <a:pPr>
-              <a:buNone/>
-            </a:pPr>
-            <a:r>
-              <a:rPr lang="en-US" dirty="0" smtClean="0"/>
-              <a:t>Assume the input array is:</a:t>
+            <a:r>
+              <a:rPr lang="en-US" dirty="0" smtClean="0"/>
+              <a:t>So, the array becomes 10,21,11,123,24,44,654,17</a:t>
             </a:r>
             <a:br>
               <a:rPr lang="en-US" dirty="0" smtClean="0"/>
             </a:br>
             <a:r>
               <a:rPr lang="en-US" dirty="0" smtClean="0"/>
-              <a:t>10,21,17,34,44,11,654,123</a:t>
+              <a:t>Now, we'll sort according to the ten's digit:</a:t>
             </a:r>
             <a:br>
               <a:rPr lang="en-US" dirty="0" smtClean="0"/>
             </a:br>
             <a:r>
               <a:rPr lang="en-US" dirty="0" smtClean="0"/>
-              <a:t>Based on the algorithm, we will sort the input array according to the one's digit (least significant digit).</a:t>
+              <a:t>0:</a:t>
             </a:r>
             <a:br>
               <a:rPr lang="en-US" dirty="0" smtClean="0"/>
             </a:br>
             <a:r>
               <a:rPr lang="en-US" dirty="0" smtClean="0"/>
-              <a:t>0: 10</a:t>
+              <a:t>1: 10 11 17</a:t>
             </a:r>
             <a:br>
               <a:rPr lang="en-US" dirty="0" smtClean="0"/>
             </a:br>
             <a:r>
               <a:rPr lang="en-US" dirty="0" smtClean="0"/>
-              <a:t>1: 21 11</a:t>
+              <a:t>2: 21 123</a:t>
             </a:r>
             <a:br>
               <a:rPr lang="en-US" dirty="0" smtClean="0"/>
             </a:br>
             <a:r>
               <a:rPr lang="en-US" dirty="0" smtClean="0"/>
-              <a:t>2:</a:t>
+              <a:t>3: 34</a:t>
             </a:r>
             <a:br>
               <a:rPr lang="en-US" dirty="0" smtClean="0"/>
             </a:br>
             <a:r>
               <a:rPr lang="en-US" dirty="0" smtClean="0"/>
-              <a:t>3: 123</a:t>
+              <a:t>4: 44</a:t>
             </a:r>
             <a:br>
               <a:rPr lang="en-US" dirty="0" smtClean="0"/>
             </a:br>
             <a:r>
               <a:rPr lang="en-US" dirty="0" smtClean="0"/>
-              <a:t>4: 34 44 654</a:t>
+              <a:t>5: 654</a:t>
             </a:r>
             <a:br>
               <a:rPr lang="en-US" dirty="0" smtClean="0"/>
             </a:br>
             <a:r>
               <a:rPr lang="en-US" dirty="0" smtClean="0"/>
-              <a:t>5:</a:t>
+              <a:t>6:</a:t>
             </a:r>
             <a:br>
               <a:rPr lang="en-US" dirty="0" smtClean="0"/>
             </a:br>
             <a:r>
               <a:rPr lang="en-US" dirty="0" smtClean="0"/>
-              <a:t>6:</a:t>
+              <a:t>7:</a:t>
             </a:r>
             <a:br>
               <a:rPr lang="en-US" dirty="0" smtClean="0"/>
             </a:br>
             <a:r>
               <a:rPr lang="en-US" dirty="0" smtClean="0"/>
-              <a:t>7: 17</a:t>
+              <a:t>8:</a:t>
             </a:r>
             <a:br>
               <a:rPr lang="en-US" dirty="0" smtClean="0"/>
             </a:br>
             <a:r>
               <a:rPr lang="en-US" dirty="0" smtClean="0"/>
-              <a:t>8:</a:t>
-            </a:r>
-            <a:br>
-              <a:rPr lang="en-US" dirty="0" smtClean="0"/>
-            </a:br>
-            <a:r>
-              <a:rPr lang="en-US" dirty="0" smtClean="0"/>
               <a:t>9:</a:t>
             </a:r>
           </a:p>
           <a:p>
-            <a:pPr>
-              <a:buNone/>
-            </a:pPr>
-            <a:r>
-              <a:rPr lang="en-US" dirty="0" smtClean="0"/>
-              <a:t>                                         PTO</a:t>
+            <a:r>
+              <a:rPr lang="en-US" dirty="0"/>
+              <a:t> </a:t>
+            </a:r>
+            <a:r>
+              <a:rPr lang="en-US" dirty="0" smtClean="0"/>
+              <a:t>                             PTO</a:t>
             </a:r>
             <a:endParaRPr lang="en-US" dirty="0"/>
           </a:p>
@@ -4912,14 +4723,14 @@
       </p:grpSpPr>
       <p:sp>
         <p:nvSpPr>
-          <p:cNvPr id="5" name="Rectangle 4"/>
+          <p:cNvPr id="2" name="Rectangle 1"/>
           <p:cNvSpPr/>
           <p:nvPr/>
         </p:nvSpPr>
         <p:spPr>
           <a:xfrm>
-            <a:off x="2286000" y="1305342"/>
-            <a:ext cx="4572000" cy="4247317"/>
+            <a:off x="2286000" y="1166843"/>
+            <a:ext cx="4572000" cy="5078313"/>
           </a:xfrm>
           <a:prstGeom prst="rect">
             <a:avLst/>
@@ -4933,63 +4744,63 @@
           <a:p>
             <a:r>
               <a:rPr lang="en-US" dirty="0" smtClean="0"/>
-              <a:t>So, the array becomes 10,21,11,123,24,44,654,17</a:t>
+              <a:t>Now, the array becomes : 10,11,17,21,123,34,44,654</a:t>
             </a:r>
             <a:br>
               <a:rPr lang="en-US" dirty="0" smtClean="0"/>
             </a:br>
             <a:r>
               <a:rPr lang="en-US" dirty="0" smtClean="0"/>
-              <a:t>Now, we'll sort according to the ten's digit:</a:t>
+              <a:t>Finally , we sort according to the hundred's digit (most significant digit):</a:t>
             </a:r>
             <a:br>
               <a:rPr lang="en-US" dirty="0" smtClean="0"/>
             </a:br>
             <a:r>
               <a:rPr lang="en-US" dirty="0" smtClean="0"/>
-              <a:t>0:</a:t>
+              <a:t>0: 010 011 017 021 034 044</a:t>
             </a:r>
             <a:br>
               <a:rPr lang="en-US" dirty="0" smtClean="0"/>
             </a:br>
             <a:r>
               <a:rPr lang="en-US" dirty="0" smtClean="0"/>
-              <a:t>1: 10 11 17</a:t>
+              <a:t>1: 123</a:t>
             </a:r>
             <a:br>
               <a:rPr lang="en-US" dirty="0" smtClean="0"/>
             </a:br>
             <a:r>
               <a:rPr lang="en-US" dirty="0" smtClean="0"/>
-              <a:t>2: 21 123</a:t>
+              <a:t>2:</a:t>
             </a:r>
             <a:br>
               <a:rPr lang="en-US" dirty="0" smtClean="0"/>
             </a:br>
             <a:r>
               <a:rPr lang="en-US" dirty="0" smtClean="0"/>
-              <a:t>3: 34</a:t>
+              <a:t>3:</a:t>
             </a:r>
             <a:br>
               <a:rPr lang="en-US" dirty="0" smtClean="0"/>
             </a:br>
             <a:r>
               <a:rPr lang="en-US" dirty="0" smtClean="0"/>
-              <a:t>4: 44</a:t>
+              <a:t>4:</a:t>
             </a:r>
             <a:br>
               <a:rPr lang="en-US" dirty="0" smtClean="0"/>
             </a:br>
             <a:r>
               <a:rPr lang="en-US" dirty="0" smtClean="0"/>
-              <a:t>5: 654</a:t>
+              <a:t>5:</a:t>
             </a:r>
             <a:br>
               <a:rPr lang="en-US" dirty="0" smtClean="0"/>
             </a:br>
             <a:r>
               <a:rPr lang="en-US" dirty="0" smtClean="0"/>
-              <a:t>6:</a:t>
+              <a:t>6: 654</a:t>
             </a:r>
             <a:br>
               <a:rPr lang="en-US" dirty="0" smtClean="0"/>
@@ -5014,13 +4825,12 @@
             </a:r>
           </a:p>
           <a:p>
-            <a:r>
-              <a:rPr lang="en-US" dirty="0"/>
-              <a:t> </a:t>
-            </a:r>
-            <a:r>
-              <a:rPr lang="en-US" dirty="0" smtClean="0"/>
-              <a:t>                             PTO</a:t>
+            <a:endParaRPr lang="en-US" dirty="0"/>
+          </a:p>
+          <a:p>
+            <a:r>
+              <a:rPr lang="en-US" dirty="0" smtClean="0"/>
+              <a:t>The array becomes : 10,11,17,21,34,44,123,654 which is sorted. This is how our algorithm works.</a:t>
             </a:r>
             <a:endParaRPr lang="en-US" dirty="0"/>
           </a:p>
@@ -5053,114 +4863,107 @@
       </p:grpSpPr>
       <p:sp>
         <p:nvSpPr>
-          <p:cNvPr id="2" name="Rectangle 1"/>
-          <p:cNvSpPr/>
-          <p:nvPr/>
-        </p:nvSpPr>
-        <p:spPr>
-          <a:xfrm>
-            <a:off x="2286000" y="1166843"/>
-            <a:ext cx="4572000" cy="5078313"/>
-          </a:xfrm>
-          <a:prstGeom prst="rect">
-            <a:avLst/>
-          </a:prstGeom>
-        </p:spPr>
+          <p:cNvPr id="2" name="Title 1"/>
+          <p:cNvSpPr>
+            <a:spLocks noGrp="1"/>
+          </p:cNvSpPr>
+          <p:nvPr>
+            <p:ph type="title"/>
+          </p:nvPr>
+        </p:nvSpPr>
+        <p:spPr/>
+        <p:txBody>
+          <a:bodyPr/>
+          <a:lstStyle/>
+          <a:p>
+            <a:r>
+              <a:rPr lang="en-US" dirty="0" smtClean="0"/>
+              <a:t>     Step by Step Process</a:t>
+            </a:r>
+            <a:endParaRPr lang="en-US" dirty="0"/>
+          </a:p>
+        </p:txBody>
+      </p:sp>
+      <p:sp>
+        <p:nvSpPr>
+          <p:cNvPr id="3" name="Content Placeholder 2"/>
+          <p:cNvSpPr>
+            <a:spLocks noGrp="1"/>
+          </p:cNvSpPr>
+          <p:nvPr>
+            <p:ph idx="1"/>
+          </p:nvPr>
+        </p:nvSpPr>
+        <p:spPr/>
         <p:txBody>
           <a:bodyPr>
-            <a:spAutoFit/>
+            <a:normAutofit fontScale="77500" lnSpcReduction="20000"/>
           </a:bodyPr>
           <a:lstStyle/>
           <a:p>
             <a:r>
               <a:rPr lang="en-US" dirty="0" smtClean="0"/>
-              <a:t>Now, the array becomes : 10,11,17,21,123,34,44,654</a:t>
-            </a:r>
-            <a:br>
-              <a:rPr lang="en-US" dirty="0" smtClean="0"/>
-            </a:br>
-            <a:r>
-              <a:rPr lang="en-US" dirty="0" smtClean="0"/>
-              <a:t>Finally , we sort according to the hundred's digit (most significant digit):</a:t>
-            </a:r>
-            <a:br>
-              <a:rPr lang="en-US" dirty="0" smtClean="0"/>
-            </a:br>
-            <a:r>
-              <a:rPr lang="en-US" dirty="0" smtClean="0"/>
-              <a:t>0: 010 011 017 021 034 044</a:t>
-            </a:r>
-            <a:br>
-              <a:rPr lang="en-US" dirty="0" smtClean="0"/>
-            </a:br>
-            <a:r>
-              <a:rPr lang="en-US" dirty="0" smtClean="0"/>
-              <a:t>1: 123</a:t>
-            </a:r>
-            <a:br>
-              <a:rPr lang="en-US" dirty="0" smtClean="0"/>
-            </a:br>
-            <a:r>
-              <a:rPr lang="en-US" dirty="0" smtClean="0"/>
-              <a:t>2:</a:t>
-            </a:r>
-            <a:br>
-              <a:rPr lang="en-US" dirty="0" smtClean="0"/>
-            </a:br>
-            <a:r>
-              <a:rPr lang="en-US" dirty="0" smtClean="0"/>
-              <a:t>3:</a:t>
-            </a:r>
-            <a:br>
-              <a:rPr lang="en-US" dirty="0" smtClean="0"/>
-            </a:br>
-            <a:r>
-              <a:rPr lang="en-US" dirty="0" smtClean="0"/>
-              <a:t>4:</a:t>
-            </a:r>
-            <a:br>
-              <a:rPr lang="en-US" dirty="0" smtClean="0"/>
-            </a:br>
-            <a:r>
-              <a:rPr lang="en-US" dirty="0" smtClean="0"/>
-              <a:t>5:</a:t>
-            </a:r>
-            <a:br>
-              <a:rPr lang="en-US" dirty="0" smtClean="0"/>
-            </a:br>
-            <a:r>
-              <a:rPr lang="en-US" dirty="0" smtClean="0"/>
-              <a:t>6: 654</a:t>
-            </a:r>
-            <a:br>
-              <a:rPr lang="en-US" dirty="0" smtClean="0"/>
-            </a:br>
-            <a:r>
-              <a:rPr lang="en-US" dirty="0" smtClean="0"/>
-              <a:t>7:</a:t>
-            </a:r>
-            <a:br>
-              <a:rPr lang="en-US" dirty="0" smtClean="0"/>
-            </a:br>
-            <a:r>
-              <a:rPr lang="en-US" dirty="0" smtClean="0"/>
-              <a:t>8:</a:t>
-            </a:r>
-            <a:br>
-              <a:rPr lang="en-US" dirty="0" smtClean="0"/>
-            </a:br>
-            <a:r>
-              <a:rPr lang="en-US" dirty="0" smtClean="0"/>
-              <a:t>9:</a:t>
-            </a:r>
-          </a:p>
-          <a:p>
-            <a:endParaRPr lang="en-US" dirty="0"/>
-          </a:p>
-          <a:p>
-            <a:r>
-              <a:rPr lang="en-US" dirty="0" smtClean="0"/>
-              <a:t>The array becomes : 10,11,17,21,34,44,123,654 which is sorted. This is how our algorithm works.</a:t>
+              <a:t>The Radix sort algorithm is performed using the following steps:</a:t>
+            </a:r>
+          </a:p>
+          <a:p>
+            <a:pPr>
+              <a:buNone/>
+            </a:pPr>
+            <a:endParaRPr lang="en-US" dirty="0" smtClean="0"/>
+          </a:p>
+          <a:p>
+            <a:pPr>
+              <a:buNone/>
+            </a:pPr>
+            <a:r>
+              <a:rPr lang="en-US" dirty="0" smtClean="0"/>
+              <a:t>-&gt;Step 1 - Define 10 queues each representing a bucket for each digit from 0 to 9.</a:t>
+            </a:r>
+          </a:p>
+          <a:p>
+            <a:pPr>
+              <a:buNone/>
+            </a:pPr>
+            <a:r>
+              <a:rPr lang="en-US" dirty="0" smtClean="0"/>
+              <a:t>-&gt;Step 2 - Consider the least significant digit of each number in the list which is to be sorted.</a:t>
+            </a:r>
+          </a:p>
+          <a:p>
+            <a:pPr>
+              <a:buNone/>
+            </a:pPr>
+            <a:r>
+              <a:rPr lang="en-US" dirty="0" smtClean="0"/>
+              <a:t>-&gt;Step 3 - Insert each number into their respective queue based on the least significant digit.</a:t>
+            </a:r>
+          </a:p>
+          <a:p>
+            <a:pPr>
+              <a:buNone/>
+            </a:pPr>
+            <a:r>
+              <a:rPr lang="en-US" dirty="0" smtClean="0"/>
+              <a:t>-&gt;Step 4 - Group all the numbers from queue 0 to queue 9 in the order they have inserted into their respective queues.</a:t>
+            </a:r>
+          </a:p>
+          <a:p>
+            <a:pPr>
+              <a:buNone/>
+            </a:pPr>
+            <a:r>
+              <a:rPr lang="en-US" dirty="0" smtClean="0"/>
+              <a:t>-&gt;Step 5 - Repeat from step 3 based on the next least significant digit.</a:t>
+            </a:r>
+          </a:p>
+          <a:p>
+            <a:pPr>
+              <a:buNone/>
+            </a:pPr>
+            <a:r>
+              <a:rPr lang="en-US" dirty="0" smtClean="0"/>
+              <a:t>-&gt;Step 6 - Repeat from step 2 until all the numbers are grouped based on the most significant digit.</a:t>
             </a:r>
             <a:endParaRPr lang="en-US" dirty="0"/>
           </a:p>
@@ -5208,7 +5011,7 @@
           <a:p>
             <a:r>
               <a:rPr lang="en-US" dirty="0" smtClean="0"/>
-              <a:t>     Step by Step Process</a:t>
+              <a:t>          Implementation</a:t>
             </a:r>
             <a:endParaRPr lang="en-US" dirty="0"/>
           </a:p>
@@ -5227,74 +5030,1757 @@
         <p:spPr/>
         <p:txBody>
           <a:bodyPr>
-            <a:normAutofit fontScale="77500" lnSpcReduction="20000"/>
+            <a:normAutofit fontScale="55000" lnSpcReduction="20000"/>
           </a:bodyPr>
           <a:lstStyle/>
           <a:p>
-            <a:r>
-              <a:rPr lang="en-US" dirty="0" smtClean="0"/>
-              <a:t>The Radix sort algorithm is performed using the following steps:</a:t>
-            </a:r>
-          </a:p>
-          <a:p>
             <a:pPr>
               <a:buNone/>
             </a:pPr>
+            <a:r>
+              <a:rPr lang="en-GB" dirty="0" smtClean="0">
+                <a:solidFill>
+                  <a:srgbClr val="000088"/>
+                </a:solidFill>
+              </a:rPr>
+              <a:t>void</a:t>
+            </a:r>
+            <a:r>
+              <a:rPr lang="en-GB" dirty="0" smtClean="0">
+                <a:solidFill>
+                  <a:srgbClr val="252C33"/>
+                </a:solidFill>
+              </a:rPr>
+              <a:t> </a:t>
+            </a:r>
+            <a:r>
+              <a:rPr lang="en-GB" dirty="0" err="1" smtClean="0">
+                <a:solidFill>
+                  <a:srgbClr val="252C33"/>
+                </a:solidFill>
+              </a:rPr>
+              <a:t>countsort</a:t>
+            </a:r>
+            <a:r>
+              <a:rPr lang="en-GB" dirty="0" smtClean="0">
+                <a:solidFill>
+                  <a:srgbClr val="666600"/>
+                </a:solidFill>
+              </a:rPr>
+              <a:t>(</a:t>
+            </a:r>
+            <a:r>
+              <a:rPr lang="en-GB" dirty="0" err="1" smtClean="0">
+                <a:solidFill>
+                  <a:srgbClr val="000088"/>
+                </a:solidFill>
+              </a:rPr>
+              <a:t>int</a:t>
+            </a:r>
+            <a:r>
+              <a:rPr lang="en-GB" dirty="0" smtClean="0">
+                <a:solidFill>
+                  <a:srgbClr val="252C33"/>
+                </a:solidFill>
+              </a:rPr>
+              <a:t> </a:t>
+            </a:r>
+            <a:r>
+              <a:rPr lang="en-GB" dirty="0" err="1" smtClean="0">
+                <a:solidFill>
+                  <a:srgbClr val="252C33"/>
+                </a:solidFill>
+              </a:rPr>
+              <a:t>arr</a:t>
+            </a:r>
+            <a:r>
+              <a:rPr lang="en-GB" dirty="0" smtClean="0">
+                <a:solidFill>
+                  <a:srgbClr val="666600"/>
+                </a:solidFill>
+              </a:rPr>
+              <a:t>[],</a:t>
+            </a:r>
+            <a:r>
+              <a:rPr lang="en-GB" dirty="0" err="1" smtClean="0">
+                <a:solidFill>
+                  <a:srgbClr val="000088"/>
+                </a:solidFill>
+              </a:rPr>
+              <a:t>int</a:t>
+            </a:r>
+            <a:r>
+              <a:rPr lang="en-GB" dirty="0" smtClean="0">
+                <a:solidFill>
+                  <a:srgbClr val="252C33"/>
+                </a:solidFill>
+              </a:rPr>
+              <a:t> </a:t>
+            </a:r>
+            <a:r>
+              <a:rPr lang="en-GB" dirty="0" err="1" smtClean="0">
+                <a:solidFill>
+                  <a:srgbClr val="252C33"/>
+                </a:solidFill>
+              </a:rPr>
+              <a:t>n</a:t>
+            </a:r>
+            <a:r>
+              <a:rPr lang="en-GB" dirty="0" err="1" smtClean="0">
+                <a:solidFill>
+                  <a:srgbClr val="666600"/>
+                </a:solidFill>
+              </a:rPr>
+              <a:t>,</a:t>
+            </a:r>
+            <a:r>
+              <a:rPr lang="en-GB" dirty="0" err="1" smtClean="0">
+                <a:solidFill>
+                  <a:srgbClr val="000088"/>
+                </a:solidFill>
+              </a:rPr>
+              <a:t>int</a:t>
+            </a:r>
+            <a:r>
+              <a:rPr lang="en-GB" dirty="0" smtClean="0">
+                <a:solidFill>
+                  <a:srgbClr val="252C33"/>
+                </a:solidFill>
+              </a:rPr>
+              <a:t> place</a:t>
+            </a:r>
+            <a:r>
+              <a:rPr lang="en-GB" dirty="0" smtClean="0">
+                <a:solidFill>
+                  <a:srgbClr val="666600"/>
+                </a:solidFill>
+              </a:rPr>
+              <a:t>)</a:t>
+            </a:r>
+          </a:p>
+          <a:p>
+            <a:pPr>
+              <a:buNone/>
+            </a:pPr>
+            <a:r>
+              <a:rPr lang="en-GB" dirty="0" smtClean="0">
+                <a:solidFill>
+                  <a:srgbClr val="666600"/>
+                </a:solidFill>
+              </a:rPr>
+              <a:t>{</a:t>
+            </a:r>
+            <a:r>
+              <a:rPr lang="en-GB" dirty="0" smtClean="0">
+                <a:solidFill>
+                  <a:srgbClr val="252C33"/>
+                </a:solidFill>
+              </a:rPr>
+              <a:t> </a:t>
+            </a:r>
+          </a:p>
+          <a:p>
+            <a:pPr>
+              <a:buNone/>
+            </a:pPr>
+            <a:r>
+              <a:rPr lang="en-GB" dirty="0" err="1" smtClean="0">
+                <a:solidFill>
+                  <a:srgbClr val="000088"/>
+                </a:solidFill>
+              </a:rPr>
+              <a:t>int</a:t>
+            </a:r>
+            <a:r>
+              <a:rPr lang="en-GB" dirty="0" smtClean="0">
+                <a:solidFill>
+                  <a:srgbClr val="252C33"/>
+                </a:solidFill>
+              </a:rPr>
+              <a:t> </a:t>
+            </a:r>
+            <a:r>
+              <a:rPr lang="en-GB" dirty="0" err="1" smtClean="0">
+                <a:solidFill>
+                  <a:srgbClr val="252C33"/>
+                </a:solidFill>
+              </a:rPr>
+              <a:t>i</a:t>
+            </a:r>
+            <a:r>
+              <a:rPr lang="en-GB" dirty="0" err="1" smtClean="0">
+                <a:solidFill>
+                  <a:srgbClr val="666600"/>
+                </a:solidFill>
+              </a:rPr>
+              <a:t>,</a:t>
+            </a:r>
+            <a:r>
+              <a:rPr lang="en-GB" dirty="0" err="1" smtClean="0">
+                <a:solidFill>
+                  <a:srgbClr val="252C33"/>
+                </a:solidFill>
+              </a:rPr>
+              <a:t>freq</a:t>
+            </a:r>
+            <a:r>
+              <a:rPr lang="en-GB" dirty="0" smtClean="0">
+                <a:solidFill>
+                  <a:srgbClr val="666600"/>
+                </a:solidFill>
+              </a:rPr>
+              <a:t>[</a:t>
+            </a:r>
+            <a:r>
+              <a:rPr lang="en-GB" dirty="0" smtClean="0">
+                <a:solidFill>
+                  <a:srgbClr val="252C33"/>
+                </a:solidFill>
+              </a:rPr>
+              <a:t>range</a:t>
+            </a:r>
+            <a:r>
+              <a:rPr lang="en-GB" dirty="0" smtClean="0">
+                <a:solidFill>
+                  <a:srgbClr val="666600"/>
+                </a:solidFill>
+              </a:rPr>
+              <a:t>]={</a:t>
+            </a:r>
+            <a:r>
+              <a:rPr lang="en-GB" dirty="0" smtClean="0">
+                <a:solidFill>
+                  <a:srgbClr val="006666"/>
+                </a:solidFill>
+              </a:rPr>
+              <a:t>0</a:t>
+            </a:r>
+            <a:r>
+              <a:rPr lang="en-GB" dirty="0" smtClean="0">
+                <a:solidFill>
+                  <a:srgbClr val="666600"/>
+                </a:solidFill>
+              </a:rPr>
+              <a:t>};</a:t>
+            </a:r>
+            <a:r>
+              <a:rPr lang="en-GB" dirty="0" smtClean="0">
+                <a:solidFill>
+                  <a:srgbClr val="252C33"/>
+                </a:solidFill>
+              </a:rPr>
+              <a:t> </a:t>
+            </a:r>
+          </a:p>
+          <a:p>
+            <a:pPr>
+              <a:buNone/>
+            </a:pPr>
+            <a:r>
+              <a:rPr lang="en-GB" dirty="0" err="1" smtClean="0">
+                <a:solidFill>
+                  <a:srgbClr val="000088"/>
+                </a:solidFill>
+              </a:rPr>
+              <a:t>int</a:t>
+            </a:r>
+            <a:r>
+              <a:rPr lang="en-GB" dirty="0" smtClean="0">
+                <a:solidFill>
+                  <a:srgbClr val="252C33"/>
+                </a:solidFill>
+              </a:rPr>
+              <a:t> output</a:t>
+            </a:r>
+            <a:r>
+              <a:rPr lang="en-GB" dirty="0" smtClean="0">
+                <a:solidFill>
+                  <a:srgbClr val="666600"/>
+                </a:solidFill>
+              </a:rPr>
+              <a:t>[</a:t>
+            </a:r>
+            <a:r>
+              <a:rPr lang="en-GB" dirty="0" smtClean="0">
+                <a:solidFill>
+                  <a:srgbClr val="252C33"/>
+                </a:solidFill>
+              </a:rPr>
+              <a:t>n</a:t>
+            </a:r>
+            <a:r>
+              <a:rPr lang="en-GB" dirty="0" smtClean="0">
+                <a:solidFill>
+                  <a:srgbClr val="666600"/>
+                </a:solidFill>
+              </a:rPr>
+              <a:t>];</a:t>
+            </a:r>
+            <a:r>
+              <a:rPr lang="en-GB" dirty="0" smtClean="0">
+                <a:solidFill>
+                  <a:srgbClr val="252C33"/>
+                </a:solidFill>
+              </a:rPr>
+              <a:t> </a:t>
+            </a:r>
+          </a:p>
+          <a:p>
+            <a:pPr>
+              <a:buNone/>
+            </a:pPr>
+            <a:r>
+              <a:rPr lang="en-GB" dirty="0" smtClean="0">
+                <a:solidFill>
+                  <a:srgbClr val="000088"/>
+                </a:solidFill>
+              </a:rPr>
+              <a:t>for</a:t>
+            </a:r>
+            <a:r>
+              <a:rPr lang="en-GB" dirty="0" smtClean="0">
+                <a:solidFill>
+                  <a:srgbClr val="666600"/>
+                </a:solidFill>
+              </a:rPr>
+              <a:t>(</a:t>
+            </a:r>
+            <a:r>
+              <a:rPr lang="en-GB" dirty="0" err="1" smtClean="0">
+                <a:solidFill>
+                  <a:srgbClr val="252C33"/>
+                </a:solidFill>
+              </a:rPr>
+              <a:t>i</a:t>
+            </a:r>
+            <a:r>
+              <a:rPr lang="en-GB" dirty="0" smtClean="0">
+                <a:solidFill>
+                  <a:srgbClr val="666600"/>
+                </a:solidFill>
+              </a:rPr>
+              <a:t>=</a:t>
+            </a:r>
+            <a:r>
+              <a:rPr lang="en-GB" dirty="0" smtClean="0">
+                <a:solidFill>
+                  <a:srgbClr val="006666"/>
+                </a:solidFill>
+              </a:rPr>
+              <a:t>0</a:t>
+            </a:r>
+            <a:r>
+              <a:rPr lang="en-GB" dirty="0" smtClean="0">
+                <a:solidFill>
+                  <a:srgbClr val="666600"/>
+                </a:solidFill>
+              </a:rPr>
+              <a:t>;</a:t>
+            </a:r>
+            <a:r>
+              <a:rPr lang="en-GB" dirty="0" smtClean="0">
+                <a:solidFill>
+                  <a:srgbClr val="252C33"/>
+                </a:solidFill>
+              </a:rPr>
+              <a:t>i</a:t>
+            </a:r>
+            <a:r>
+              <a:rPr lang="en-GB" dirty="0" smtClean="0">
+                <a:solidFill>
+                  <a:srgbClr val="666600"/>
+                </a:solidFill>
+              </a:rPr>
+              <a:t>&lt;</a:t>
+            </a:r>
+            <a:r>
+              <a:rPr lang="en-GB" dirty="0" err="1" smtClean="0">
+                <a:solidFill>
+                  <a:srgbClr val="252C33"/>
+                </a:solidFill>
+              </a:rPr>
+              <a:t>n</a:t>
+            </a:r>
+            <a:r>
+              <a:rPr lang="en-GB" dirty="0" err="1" smtClean="0">
+                <a:solidFill>
+                  <a:srgbClr val="666600"/>
+                </a:solidFill>
+              </a:rPr>
+              <a:t>;</a:t>
+            </a:r>
+            <a:r>
+              <a:rPr lang="en-GB" dirty="0" err="1" smtClean="0">
+                <a:solidFill>
+                  <a:srgbClr val="252C33"/>
+                </a:solidFill>
+              </a:rPr>
+              <a:t>i</a:t>
+            </a:r>
+            <a:r>
+              <a:rPr lang="en-GB" dirty="0" smtClean="0">
+                <a:solidFill>
+                  <a:srgbClr val="666600"/>
+                </a:solidFill>
+              </a:rPr>
+              <a:t>++)</a:t>
+            </a:r>
+            <a:r>
+              <a:rPr lang="en-GB" dirty="0" smtClean="0">
+                <a:solidFill>
+                  <a:srgbClr val="252C33"/>
+                </a:solidFill>
+              </a:rPr>
+              <a:t> </a:t>
+            </a:r>
+          </a:p>
+          <a:p>
+            <a:pPr>
+              <a:buNone/>
+            </a:pPr>
+            <a:r>
+              <a:rPr lang="en-GB" dirty="0" smtClean="0">
+                <a:solidFill>
+                  <a:srgbClr val="252C33"/>
+                </a:solidFill>
+              </a:rPr>
+              <a:t>freq</a:t>
+            </a:r>
+            <a:r>
+              <a:rPr lang="en-GB" dirty="0" smtClean="0">
+                <a:solidFill>
+                  <a:srgbClr val="666600"/>
+                </a:solidFill>
+              </a:rPr>
+              <a:t>[(</a:t>
+            </a:r>
+            <a:r>
+              <a:rPr lang="en-GB" dirty="0" err="1" smtClean="0">
+                <a:solidFill>
+                  <a:srgbClr val="252C33"/>
+                </a:solidFill>
+              </a:rPr>
+              <a:t>arr</a:t>
+            </a:r>
+            <a:r>
+              <a:rPr lang="en-GB" dirty="0" smtClean="0">
+                <a:solidFill>
+                  <a:srgbClr val="666600"/>
+                </a:solidFill>
+              </a:rPr>
+              <a:t>[</a:t>
+            </a:r>
+            <a:r>
+              <a:rPr lang="en-GB" dirty="0" err="1" smtClean="0">
+                <a:solidFill>
+                  <a:srgbClr val="252C33"/>
+                </a:solidFill>
+              </a:rPr>
+              <a:t>i</a:t>
+            </a:r>
+            <a:r>
+              <a:rPr lang="en-GB" dirty="0" smtClean="0">
+                <a:solidFill>
+                  <a:srgbClr val="666600"/>
+                </a:solidFill>
+              </a:rPr>
+              <a:t>]/</a:t>
+            </a:r>
+            <a:r>
+              <a:rPr lang="en-GB" dirty="0" smtClean="0">
+                <a:solidFill>
+                  <a:srgbClr val="252C33"/>
+                </a:solidFill>
+              </a:rPr>
+              <a:t>place</a:t>
+            </a:r>
+            <a:r>
+              <a:rPr lang="en-GB" dirty="0" smtClean="0">
+                <a:solidFill>
+                  <a:srgbClr val="666600"/>
+                </a:solidFill>
+              </a:rPr>
+              <a:t>)%</a:t>
+            </a:r>
+            <a:r>
+              <a:rPr lang="en-GB" dirty="0" smtClean="0">
+                <a:solidFill>
+                  <a:srgbClr val="252C33"/>
+                </a:solidFill>
+              </a:rPr>
+              <a:t>range</a:t>
+            </a:r>
+            <a:r>
+              <a:rPr lang="en-GB" dirty="0" smtClean="0">
+                <a:solidFill>
+                  <a:srgbClr val="666600"/>
+                </a:solidFill>
+              </a:rPr>
+              <a:t>]++;</a:t>
+            </a:r>
+          </a:p>
+          <a:p>
+            <a:pPr>
+              <a:buNone/>
+            </a:pPr>
+            <a:r>
+              <a:rPr lang="en-GB" dirty="0" smtClean="0">
+                <a:solidFill>
+                  <a:srgbClr val="000088"/>
+                </a:solidFill>
+              </a:rPr>
+              <a:t>for</a:t>
+            </a:r>
+            <a:r>
+              <a:rPr lang="en-GB" dirty="0" smtClean="0">
+                <a:solidFill>
+                  <a:srgbClr val="666600"/>
+                </a:solidFill>
+              </a:rPr>
+              <a:t>(</a:t>
+            </a:r>
+            <a:r>
+              <a:rPr lang="en-GB" dirty="0" err="1" smtClean="0">
+                <a:solidFill>
+                  <a:srgbClr val="252C33"/>
+                </a:solidFill>
+              </a:rPr>
+              <a:t>i</a:t>
+            </a:r>
+            <a:r>
+              <a:rPr lang="en-GB" dirty="0" smtClean="0">
+                <a:solidFill>
+                  <a:srgbClr val="666600"/>
+                </a:solidFill>
+              </a:rPr>
+              <a:t>=</a:t>
+            </a:r>
+            <a:r>
+              <a:rPr lang="en-GB" dirty="0" smtClean="0">
+                <a:solidFill>
+                  <a:srgbClr val="006666"/>
+                </a:solidFill>
+              </a:rPr>
+              <a:t>1</a:t>
+            </a:r>
+            <a:r>
+              <a:rPr lang="en-GB" dirty="0" smtClean="0">
+                <a:solidFill>
+                  <a:srgbClr val="666600"/>
+                </a:solidFill>
+              </a:rPr>
+              <a:t>;</a:t>
+            </a:r>
+            <a:r>
+              <a:rPr lang="en-GB" dirty="0" smtClean="0">
+                <a:solidFill>
+                  <a:srgbClr val="252C33"/>
+                </a:solidFill>
+              </a:rPr>
+              <a:t>i</a:t>
+            </a:r>
+            <a:r>
+              <a:rPr lang="en-GB" dirty="0" smtClean="0">
+                <a:solidFill>
+                  <a:srgbClr val="666600"/>
+                </a:solidFill>
+              </a:rPr>
+              <a:t>&lt;</a:t>
+            </a:r>
+            <a:r>
+              <a:rPr lang="en-GB" dirty="0" err="1" smtClean="0">
+                <a:solidFill>
+                  <a:srgbClr val="252C33"/>
+                </a:solidFill>
+              </a:rPr>
+              <a:t>range</a:t>
+            </a:r>
+            <a:r>
+              <a:rPr lang="en-GB" dirty="0" err="1" smtClean="0">
+                <a:solidFill>
+                  <a:srgbClr val="666600"/>
+                </a:solidFill>
+              </a:rPr>
+              <a:t>;</a:t>
+            </a:r>
+            <a:r>
+              <a:rPr lang="en-GB" dirty="0" err="1" smtClean="0">
+                <a:solidFill>
+                  <a:srgbClr val="252C33"/>
+                </a:solidFill>
+              </a:rPr>
+              <a:t>i</a:t>
+            </a:r>
+            <a:r>
+              <a:rPr lang="en-GB" dirty="0" smtClean="0">
+                <a:solidFill>
+                  <a:srgbClr val="666600"/>
+                </a:solidFill>
+              </a:rPr>
+              <a:t>++)</a:t>
+            </a:r>
+            <a:r>
+              <a:rPr lang="en-GB" dirty="0" smtClean="0">
+                <a:solidFill>
+                  <a:srgbClr val="252C33"/>
+                </a:solidFill>
+              </a:rPr>
+              <a:t> freq</a:t>
+            </a:r>
+            <a:r>
+              <a:rPr lang="en-GB" dirty="0" smtClean="0">
+                <a:solidFill>
+                  <a:srgbClr val="666600"/>
+                </a:solidFill>
+              </a:rPr>
+              <a:t>[</a:t>
+            </a:r>
+            <a:r>
+              <a:rPr lang="en-GB" dirty="0" err="1" smtClean="0">
+                <a:solidFill>
+                  <a:srgbClr val="252C33"/>
+                </a:solidFill>
+              </a:rPr>
+              <a:t>i</a:t>
+            </a:r>
+            <a:r>
+              <a:rPr lang="en-GB" dirty="0" smtClean="0">
+                <a:solidFill>
+                  <a:srgbClr val="666600"/>
+                </a:solidFill>
+              </a:rPr>
+              <a:t>]+=</a:t>
+            </a:r>
+            <a:r>
+              <a:rPr lang="en-GB" dirty="0" smtClean="0">
+                <a:solidFill>
+                  <a:srgbClr val="252C33"/>
+                </a:solidFill>
+              </a:rPr>
+              <a:t>freq</a:t>
+            </a:r>
+            <a:r>
+              <a:rPr lang="en-GB" dirty="0" smtClean="0">
+                <a:solidFill>
+                  <a:srgbClr val="666600"/>
+                </a:solidFill>
+              </a:rPr>
+              <a:t>[</a:t>
+            </a:r>
+            <a:r>
+              <a:rPr lang="en-GB" dirty="0" smtClean="0">
+                <a:solidFill>
+                  <a:srgbClr val="252C33"/>
+                </a:solidFill>
+              </a:rPr>
+              <a:t>i</a:t>
+            </a:r>
+            <a:r>
+              <a:rPr lang="en-GB" dirty="0" smtClean="0">
+                <a:solidFill>
+                  <a:srgbClr val="666600"/>
+                </a:solidFill>
+              </a:rPr>
+              <a:t>-</a:t>
+            </a:r>
+            <a:r>
+              <a:rPr lang="en-GB" dirty="0" smtClean="0">
+                <a:solidFill>
+                  <a:srgbClr val="006666"/>
+                </a:solidFill>
+              </a:rPr>
+              <a:t>1</a:t>
+            </a:r>
+            <a:r>
+              <a:rPr lang="en-GB" dirty="0" smtClean="0">
+                <a:solidFill>
+                  <a:srgbClr val="666600"/>
+                </a:solidFill>
+              </a:rPr>
+              <a:t>];</a:t>
+            </a:r>
+            <a:r>
+              <a:rPr lang="en-GB" dirty="0" smtClean="0">
+                <a:solidFill>
+                  <a:srgbClr val="252C33"/>
+                </a:solidFill>
+              </a:rPr>
+              <a:t> </a:t>
+            </a:r>
+          </a:p>
+          <a:p>
+            <a:pPr>
+              <a:buNone/>
+            </a:pPr>
+            <a:r>
+              <a:rPr lang="en-GB" dirty="0" smtClean="0">
+                <a:solidFill>
+                  <a:srgbClr val="000088"/>
+                </a:solidFill>
+              </a:rPr>
+              <a:t>for</a:t>
+            </a:r>
+            <a:r>
+              <a:rPr lang="en-GB" dirty="0" smtClean="0">
+                <a:solidFill>
+                  <a:srgbClr val="666600"/>
+                </a:solidFill>
+              </a:rPr>
+              <a:t>(</a:t>
+            </a:r>
+            <a:r>
+              <a:rPr lang="en-GB" dirty="0" err="1" smtClean="0">
+                <a:solidFill>
+                  <a:srgbClr val="252C33"/>
+                </a:solidFill>
+              </a:rPr>
+              <a:t>i</a:t>
+            </a:r>
+            <a:r>
+              <a:rPr lang="en-GB" dirty="0" smtClean="0">
+                <a:solidFill>
+                  <a:srgbClr val="666600"/>
+                </a:solidFill>
+              </a:rPr>
+              <a:t>=</a:t>
+            </a:r>
+            <a:r>
+              <a:rPr lang="en-GB" dirty="0" smtClean="0">
+                <a:solidFill>
+                  <a:srgbClr val="252C33"/>
+                </a:solidFill>
+              </a:rPr>
+              <a:t>n</a:t>
+            </a:r>
+            <a:r>
+              <a:rPr lang="en-GB" dirty="0" smtClean="0">
+                <a:solidFill>
+                  <a:srgbClr val="666600"/>
+                </a:solidFill>
+              </a:rPr>
+              <a:t>-</a:t>
+            </a:r>
+            <a:r>
+              <a:rPr lang="en-GB" dirty="0" smtClean="0">
+                <a:solidFill>
+                  <a:srgbClr val="006666"/>
+                </a:solidFill>
+              </a:rPr>
+              <a:t>1</a:t>
+            </a:r>
+            <a:r>
+              <a:rPr lang="en-GB" dirty="0" smtClean="0">
+                <a:solidFill>
+                  <a:srgbClr val="666600"/>
+                </a:solidFill>
+              </a:rPr>
+              <a:t>;</a:t>
+            </a:r>
+            <a:r>
+              <a:rPr lang="en-GB" dirty="0" smtClean="0">
+                <a:solidFill>
+                  <a:srgbClr val="252C33"/>
+                </a:solidFill>
+              </a:rPr>
+              <a:t>i</a:t>
+            </a:r>
+            <a:r>
+              <a:rPr lang="en-GB" dirty="0" smtClean="0">
+                <a:solidFill>
+                  <a:srgbClr val="666600"/>
+                </a:solidFill>
+              </a:rPr>
+              <a:t>&gt;=</a:t>
+            </a:r>
+            <a:r>
+              <a:rPr lang="en-GB" dirty="0" smtClean="0">
+                <a:solidFill>
+                  <a:srgbClr val="006666"/>
+                </a:solidFill>
+              </a:rPr>
+              <a:t>0</a:t>
+            </a:r>
+            <a:r>
+              <a:rPr lang="en-GB" dirty="0" smtClean="0">
+                <a:solidFill>
+                  <a:srgbClr val="666600"/>
+                </a:solidFill>
+              </a:rPr>
+              <a:t>;</a:t>
+            </a:r>
+            <a:r>
+              <a:rPr lang="en-GB" dirty="0" smtClean="0">
+                <a:solidFill>
+                  <a:srgbClr val="252C33"/>
+                </a:solidFill>
+              </a:rPr>
+              <a:t>i</a:t>
+            </a:r>
+            <a:r>
+              <a:rPr lang="en-GB" dirty="0" smtClean="0">
+                <a:solidFill>
+                  <a:srgbClr val="666600"/>
+                </a:solidFill>
+              </a:rPr>
+              <a:t>--)</a:t>
+            </a:r>
+          </a:p>
+          <a:p>
+            <a:pPr>
+              <a:buNone/>
+            </a:pPr>
+            <a:r>
+              <a:rPr lang="en-GB" dirty="0" smtClean="0">
+                <a:solidFill>
+                  <a:srgbClr val="666600"/>
+                </a:solidFill>
+              </a:rPr>
+              <a:t>{</a:t>
+            </a:r>
+            <a:r>
+              <a:rPr lang="en-GB" dirty="0" smtClean="0">
+                <a:solidFill>
+                  <a:srgbClr val="252C33"/>
+                </a:solidFill>
+              </a:rPr>
+              <a:t> </a:t>
+            </a:r>
+          </a:p>
+          <a:p>
+            <a:pPr>
+              <a:buNone/>
+            </a:pPr>
+            <a:r>
+              <a:rPr lang="en-GB" dirty="0" smtClean="0">
+                <a:solidFill>
+                  <a:srgbClr val="252C33"/>
+                </a:solidFill>
+              </a:rPr>
+              <a:t>output</a:t>
+            </a:r>
+            <a:r>
+              <a:rPr lang="en-GB" dirty="0" smtClean="0">
+                <a:solidFill>
+                  <a:srgbClr val="666600"/>
+                </a:solidFill>
+              </a:rPr>
+              <a:t>[</a:t>
+            </a:r>
+            <a:r>
+              <a:rPr lang="en-GB" dirty="0" smtClean="0">
+                <a:solidFill>
+                  <a:srgbClr val="252C33"/>
+                </a:solidFill>
+              </a:rPr>
+              <a:t>freq</a:t>
+            </a:r>
+            <a:r>
+              <a:rPr lang="en-GB" dirty="0" smtClean="0">
+                <a:solidFill>
+                  <a:srgbClr val="666600"/>
+                </a:solidFill>
+              </a:rPr>
+              <a:t>[(</a:t>
+            </a:r>
+            <a:r>
+              <a:rPr lang="en-GB" dirty="0" err="1" smtClean="0">
+                <a:solidFill>
+                  <a:srgbClr val="252C33"/>
+                </a:solidFill>
+              </a:rPr>
+              <a:t>arr</a:t>
+            </a:r>
+            <a:r>
+              <a:rPr lang="en-GB" dirty="0" smtClean="0">
+                <a:solidFill>
+                  <a:srgbClr val="666600"/>
+                </a:solidFill>
+              </a:rPr>
+              <a:t>[</a:t>
+            </a:r>
+            <a:r>
+              <a:rPr lang="en-GB" dirty="0" err="1" smtClean="0">
+                <a:solidFill>
+                  <a:srgbClr val="252C33"/>
+                </a:solidFill>
+              </a:rPr>
+              <a:t>i</a:t>
+            </a:r>
+            <a:r>
+              <a:rPr lang="en-GB" dirty="0" smtClean="0">
+                <a:solidFill>
+                  <a:srgbClr val="666600"/>
+                </a:solidFill>
+              </a:rPr>
+              <a:t>]/</a:t>
+            </a:r>
+            <a:r>
+              <a:rPr lang="en-GB" dirty="0" smtClean="0">
+                <a:solidFill>
+                  <a:srgbClr val="252C33"/>
+                </a:solidFill>
+              </a:rPr>
+              <a:t>place</a:t>
+            </a:r>
+            <a:r>
+              <a:rPr lang="en-GB" dirty="0" smtClean="0">
+                <a:solidFill>
+                  <a:srgbClr val="666600"/>
+                </a:solidFill>
+              </a:rPr>
+              <a:t>)%</a:t>
+            </a:r>
+            <a:r>
+              <a:rPr lang="en-GB" dirty="0" smtClean="0">
+                <a:solidFill>
+                  <a:srgbClr val="252C33"/>
+                </a:solidFill>
+              </a:rPr>
+              <a:t>range</a:t>
+            </a:r>
+            <a:r>
+              <a:rPr lang="en-GB" dirty="0" smtClean="0">
+                <a:solidFill>
+                  <a:srgbClr val="666600"/>
+                </a:solidFill>
+              </a:rPr>
+              <a:t>]-</a:t>
+            </a:r>
+            <a:r>
+              <a:rPr lang="en-GB" dirty="0" smtClean="0">
+                <a:solidFill>
+                  <a:srgbClr val="006666"/>
+                </a:solidFill>
+              </a:rPr>
+              <a:t>1</a:t>
+            </a:r>
+            <a:r>
+              <a:rPr lang="en-GB" dirty="0" smtClean="0">
+                <a:solidFill>
+                  <a:srgbClr val="666600"/>
+                </a:solidFill>
+              </a:rPr>
+              <a:t>]=</a:t>
+            </a:r>
+            <a:r>
+              <a:rPr lang="en-GB" dirty="0" err="1" smtClean="0">
+                <a:solidFill>
+                  <a:srgbClr val="252C33"/>
+                </a:solidFill>
+              </a:rPr>
+              <a:t>arr</a:t>
+            </a:r>
+            <a:r>
+              <a:rPr lang="en-GB" dirty="0" smtClean="0">
+                <a:solidFill>
+                  <a:srgbClr val="666600"/>
+                </a:solidFill>
+              </a:rPr>
+              <a:t>[</a:t>
+            </a:r>
+            <a:r>
+              <a:rPr lang="en-GB" dirty="0" err="1" smtClean="0">
+                <a:solidFill>
+                  <a:srgbClr val="252C33"/>
+                </a:solidFill>
+              </a:rPr>
+              <a:t>i</a:t>
+            </a:r>
+            <a:r>
+              <a:rPr lang="en-GB" dirty="0" smtClean="0">
+                <a:solidFill>
+                  <a:srgbClr val="666600"/>
+                </a:solidFill>
+              </a:rPr>
+              <a:t>];</a:t>
+            </a:r>
+          </a:p>
+          <a:p>
+            <a:pPr>
+              <a:buNone/>
+            </a:pPr>
+            <a:r>
+              <a:rPr lang="en-GB" dirty="0" smtClean="0">
+                <a:solidFill>
+                  <a:srgbClr val="252C33"/>
+                </a:solidFill>
+              </a:rPr>
+              <a:t>freq</a:t>
+            </a:r>
+            <a:r>
+              <a:rPr lang="en-GB" dirty="0" smtClean="0">
+                <a:solidFill>
+                  <a:srgbClr val="666600"/>
+                </a:solidFill>
+              </a:rPr>
+              <a:t>[(</a:t>
+            </a:r>
+            <a:r>
+              <a:rPr lang="en-GB" dirty="0" err="1" smtClean="0">
+                <a:solidFill>
+                  <a:srgbClr val="252C33"/>
+                </a:solidFill>
+              </a:rPr>
+              <a:t>arr</a:t>
+            </a:r>
+            <a:r>
+              <a:rPr lang="en-GB" dirty="0" smtClean="0">
+                <a:solidFill>
+                  <a:srgbClr val="666600"/>
+                </a:solidFill>
+              </a:rPr>
+              <a:t>[</a:t>
+            </a:r>
+            <a:r>
+              <a:rPr lang="en-GB" dirty="0" err="1" smtClean="0">
+                <a:solidFill>
+                  <a:srgbClr val="252C33"/>
+                </a:solidFill>
+              </a:rPr>
+              <a:t>i</a:t>
+            </a:r>
+            <a:r>
+              <a:rPr lang="en-GB" dirty="0" smtClean="0">
+                <a:solidFill>
+                  <a:srgbClr val="666600"/>
+                </a:solidFill>
+              </a:rPr>
+              <a:t>]/</a:t>
+            </a:r>
+            <a:r>
+              <a:rPr lang="en-GB" dirty="0" smtClean="0">
+                <a:solidFill>
+                  <a:srgbClr val="252C33"/>
+                </a:solidFill>
+              </a:rPr>
+              <a:t>place</a:t>
+            </a:r>
+            <a:r>
+              <a:rPr lang="en-GB" dirty="0" smtClean="0">
+                <a:solidFill>
+                  <a:srgbClr val="666600"/>
+                </a:solidFill>
+              </a:rPr>
+              <a:t>)%</a:t>
+            </a:r>
+            <a:r>
+              <a:rPr lang="en-GB" dirty="0" smtClean="0">
+                <a:solidFill>
+                  <a:srgbClr val="252C33"/>
+                </a:solidFill>
+              </a:rPr>
+              <a:t>range</a:t>
+            </a:r>
+            <a:r>
+              <a:rPr lang="en-GB" dirty="0" smtClean="0">
+                <a:solidFill>
+                  <a:srgbClr val="666600"/>
+                </a:solidFill>
+              </a:rPr>
+              <a:t>]--;</a:t>
+            </a:r>
+            <a:r>
+              <a:rPr lang="en-GB" dirty="0" smtClean="0">
+                <a:solidFill>
+                  <a:srgbClr val="252C33"/>
+                </a:solidFill>
+              </a:rPr>
+              <a:t> </a:t>
+            </a:r>
+          </a:p>
+          <a:p>
+            <a:pPr>
+              <a:buNone/>
+            </a:pPr>
+            <a:r>
+              <a:rPr lang="en-GB" dirty="0" smtClean="0">
+                <a:solidFill>
+                  <a:srgbClr val="666600"/>
+                </a:solidFill>
+              </a:rPr>
+              <a:t>}</a:t>
+            </a:r>
+            <a:r>
+              <a:rPr lang="en-GB" dirty="0" smtClean="0">
+                <a:solidFill>
+                  <a:srgbClr val="252C33"/>
+                </a:solidFill>
+              </a:rPr>
+              <a:t> </a:t>
+            </a:r>
+          </a:p>
+          <a:p>
+            <a:pPr>
+              <a:buNone/>
+            </a:pPr>
+            <a:r>
+              <a:rPr lang="en-GB" dirty="0" smtClean="0">
+                <a:solidFill>
+                  <a:srgbClr val="000088"/>
+                </a:solidFill>
+              </a:rPr>
+              <a:t>for</a:t>
+            </a:r>
+            <a:r>
+              <a:rPr lang="en-GB" dirty="0" smtClean="0">
+                <a:solidFill>
+                  <a:srgbClr val="666600"/>
+                </a:solidFill>
+              </a:rPr>
+              <a:t>(</a:t>
+            </a:r>
+            <a:r>
+              <a:rPr lang="en-GB" dirty="0" err="1" smtClean="0">
+                <a:solidFill>
+                  <a:srgbClr val="252C33"/>
+                </a:solidFill>
+              </a:rPr>
+              <a:t>i</a:t>
+            </a:r>
+            <a:r>
+              <a:rPr lang="en-GB" dirty="0" smtClean="0">
+                <a:solidFill>
+                  <a:srgbClr val="666600"/>
+                </a:solidFill>
+              </a:rPr>
+              <a:t>=</a:t>
+            </a:r>
+            <a:r>
+              <a:rPr lang="en-GB" dirty="0" smtClean="0">
+                <a:solidFill>
+                  <a:srgbClr val="006666"/>
+                </a:solidFill>
+              </a:rPr>
+              <a:t>0</a:t>
+            </a:r>
+            <a:r>
+              <a:rPr lang="en-GB" dirty="0" smtClean="0">
+                <a:solidFill>
+                  <a:srgbClr val="666600"/>
+                </a:solidFill>
+              </a:rPr>
+              <a:t>;</a:t>
+            </a:r>
+            <a:r>
+              <a:rPr lang="en-GB" dirty="0" smtClean="0">
+                <a:solidFill>
+                  <a:srgbClr val="252C33"/>
+                </a:solidFill>
+              </a:rPr>
+              <a:t>i</a:t>
+            </a:r>
+            <a:r>
+              <a:rPr lang="en-GB" dirty="0" smtClean="0">
+                <a:solidFill>
+                  <a:srgbClr val="666600"/>
+                </a:solidFill>
+              </a:rPr>
+              <a:t>&lt;</a:t>
+            </a:r>
+            <a:r>
+              <a:rPr lang="en-GB" dirty="0" err="1" smtClean="0">
+                <a:solidFill>
+                  <a:srgbClr val="252C33"/>
+                </a:solidFill>
+              </a:rPr>
+              <a:t>n</a:t>
+            </a:r>
+            <a:r>
+              <a:rPr lang="en-GB" dirty="0" err="1" smtClean="0">
+                <a:solidFill>
+                  <a:srgbClr val="666600"/>
+                </a:solidFill>
+              </a:rPr>
+              <a:t>;</a:t>
+            </a:r>
+            <a:r>
+              <a:rPr lang="en-GB" dirty="0" err="1" smtClean="0">
+                <a:solidFill>
+                  <a:srgbClr val="252C33"/>
+                </a:solidFill>
+              </a:rPr>
+              <a:t>i</a:t>
+            </a:r>
+            <a:r>
+              <a:rPr lang="en-GB" dirty="0" smtClean="0">
+                <a:solidFill>
+                  <a:srgbClr val="666600"/>
+                </a:solidFill>
+              </a:rPr>
+              <a:t>++)</a:t>
+            </a:r>
+            <a:r>
+              <a:rPr lang="en-GB" dirty="0" smtClean="0">
+                <a:solidFill>
+                  <a:srgbClr val="252C33"/>
+                </a:solidFill>
+              </a:rPr>
+              <a:t> </a:t>
+            </a:r>
+          </a:p>
+          <a:p>
+            <a:pPr>
+              <a:buNone/>
+            </a:pPr>
+            <a:r>
+              <a:rPr lang="en-GB" dirty="0" err="1" smtClean="0">
+                <a:solidFill>
+                  <a:srgbClr val="252C33"/>
+                </a:solidFill>
+              </a:rPr>
+              <a:t>arr</a:t>
+            </a:r>
+            <a:r>
+              <a:rPr lang="en-GB" dirty="0" smtClean="0">
+                <a:solidFill>
+                  <a:srgbClr val="666600"/>
+                </a:solidFill>
+              </a:rPr>
+              <a:t>[</a:t>
+            </a:r>
+            <a:r>
+              <a:rPr lang="en-GB" dirty="0" err="1" smtClean="0">
+                <a:solidFill>
+                  <a:srgbClr val="252C33"/>
+                </a:solidFill>
+              </a:rPr>
+              <a:t>i</a:t>
+            </a:r>
+            <a:r>
+              <a:rPr lang="en-GB" dirty="0" smtClean="0">
+                <a:solidFill>
+                  <a:srgbClr val="666600"/>
+                </a:solidFill>
+              </a:rPr>
+              <a:t>]=</a:t>
+            </a:r>
+            <a:r>
+              <a:rPr lang="en-GB" dirty="0" smtClean="0">
+                <a:solidFill>
+                  <a:srgbClr val="252C33"/>
+                </a:solidFill>
+              </a:rPr>
+              <a:t>output</a:t>
+            </a:r>
+            <a:r>
+              <a:rPr lang="en-GB" dirty="0" smtClean="0">
+                <a:solidFill>
+                  <a:srgbClr val="666600"/>
+                </a:solidFill>
+              </a:rPr>
+              <a:t>[</a:t>
+            </a:r>
+            <a:r>
+              <a:rPr lang="en-GB" dirty="0" err="1" smtClean="0">
+                <a:solidFill>
+                  <a:srgbClr val="252C33"/>
+                </a:solidFill>
+              </a:rPr>
+              <a:t>i</a:t>
+            </a:r>
+            <a:r>
+              <a:rPr lang="en-GB" dirty="0" smtClean="0">
+                <a:solidFill>
+                  <a:srgbClr val="666600"/>
+                </a:solidFill>
+              </a:rPr>
+              <a:t>];</a:t>
+            </a:r>
+            <a:r>
+              <a:rPr lang="en-GB" dirty="0" smtClean="0">
+                <a:solidFill>
+                  <a:srgbClr val="252C33"/>
+                </a:solidFill>
+              </a:rPr>
+              <a:t> </a:t>
+            </a:r>
+            <a:r>
+              <a:rPr lang="en-GB" dirty="0" smtClean="0">
+                <a:solidFill>
+                  <a:srgbClr val="666600"/>
+                </a:solidFill>
+              </a:rPr>
+              <a:t>}</a:t>
+            </a:r>
+            <a:r>
+              <a:rPr lang="en-GB" dirty="0" smtClean="0">
+                <a:solidFill>
+                  <a:srgbClr val="252C33"/>
+                </a:solidFill>
+              </a:rPr>
+              <a:t> </a:t>
+            </a:r>
+          </a:p>
+          <a:p>
+            <a:pPr>
+              <a:buNone/>
+            </a:pPr>
+            <a:r>
+              <a:rPr lang="en-GB" dirty="0" smtClean="0">
+                <a:solidFill>
+                  <a:srgbClr val="000088"/>
+                </a:solidFill>
+              </a:rPr>
+              <a:t>void</a:t>
+            </a:r>
+            <a:r>
+              <a:rPr lang="en-GB" dirty="0" smtClean="0">
+                <a:solidFill>
+                  <a:srgbClr val="252C33"/>
+                </a:solidFill>
+              </a:rPr>
+              <a:t> </a:t>
+            </a:r>
+            <a:r>
+              <a:rPr lang="en-GB" dirty="0" err="1" smtClean="0">
+                <a:solidFill>
+                  <a:srgbClr val="252C33"/>
+                </a:solidFill>
+              </a:rPr>
+              <a:t>radixsort</a:t>
+            </a:r>
+            <a:r>
+              <a:rPr lang="en-GB" dirty="0" smtClean="0">
+                <a:solidFill>
+                  <a:srgbClr val="666600"/>
+                </a:solidFill>
+              </a:rPr>
+              <a:t>(</a:t>
+            </a:r>
+            <a:r>
+              <a:rPr lang="en-GB" dirty="0" err="1" smtClean="0">
+                <a:solidFill>
+                  <a:srgbClr val="252C33"/>
+                </a:solidFill>
+              </a:rPr>
+              <a:t>ll</a:t>
+            </a:r>
+            <a:r>
+              <a:rPr lang="en-GB" dirty="0" smtClean="0">
+                <a:solidFill>
+                  <a:srgbClr val="252C33"/>
+                </a:solidFill>
+              </a:rPr>
+              <a:t> </a:t>
+            </a:r>
+            <a:r>
+              <a:rPr lang="en-GB" dirty="0" err="1" smtClean="0">
+                <a:solidFill>
+                  <a:srgbClr val="252C33"/>
+                </a:solidFill>
+              </a:rPr>
+              <a:t>arr</a:t>
+            </a:r>
+            <a:r>
+              <a:rPr lang="en-GB" dirty="0" smtClean="0">
+                <a:solidFill>
+                  <a:srgbClr val="666600"/>
+                </a:solidFill>
+              </a:rPr>
+              <a:t>[],</a:t>
+            </a:r>
+            <a:r>
+              <a:rPr lang="en-GB" dirty="0" err="1" smtClean="0">
+                <a:solidFill>
+                  <a:srgbClr val="000088"/>
+                </a:solidFill>
+              </a:rPr>
+              <a:t>int</a:t>
+            </a:r>
+            <a:r>
+              <a:rPr lang="en-GB" dirty="0" smtClean="0">
+                <a:solidFill>
+                  <a:srgbClr val="252C33"/>
+                </a:solidFill>
+              </a:rPr>
+              <a:t> </a:t>
+            </a:r>
+            <a:r>
+              <a:rPr lang="en-GB" dirty="0" err="1" smtClean="0">
+                <a:solidFill>
+                  <a:srgbClr val="252C33"/>
+                </a:solidFill>
+              </a:rPr>
+              <a:t>n</a:t>
+            </a:r>
+            <a:r>
+              <a:rPr lang="en-GB" dirty="0" err="1" smtClean="0">
+                <a:solidFill>
+                  <a:srgbClr val="666600"/>
+                </a:solidFill>
+              </a:rPr>
+              <a:t>,</a:t>
+            </a:r>
+            <a:r>
+              <a:rPr lang="en-GB" dirty="0" err="1" smtClean="0">
+                <a:solidFill>
+                  <a:srgbClr val="000088"/>
+                </a:solidFill>
+              </a:rPr>
+              <a:t>int</a:t>
+            </a:r>
+            <a:r>
+              <a:rPr lang="en-GB" dirty="0" smtClean="0">
+                <a:solidFill>
+                  <a:srgbClr val="252C33"/>
+                </a:solidFill>
+              </a:rPr>
+              <a:t> </a:t>
+            </a:r>
+            <a:r>
+              <a:rPr lang="en-GB" dirty="0" err="1" smtClean="0">
+                <a:solidFill>
+                  <a:srgbClr val="252C33"/>
+                </a:solidFill>
+              </a:rPr>
+              <a:t>maxx</a:t>
+            </a:r>
+            <a:r>
+              <a:rPr lang="en-GB" dirty="0" smtClean="0">
+                <a:solidFill>
+                  <a:srgbClr val="666600"/>
+                </a:solidFill>
+              </a:rPr>
+              <a:t>)</a:t>
+            </a:r>
+            <a:r>
+              <a:rPr lang="en-GB" dirty="0" smtClean="0">
+                <a:solidFill>
+                  <a:srgbClr val="252C33"/>
+                </a:solidFill>
+              </a:rPr>
+              <a:t>  </a:t>
+            </a:r>
+          </a:p>
+          <a:p>
+            <a:pPr>
+              <a:buNone/>
+            </a:pPr>
+            <a:r>
+              <a:rPr lang="en-GB" dirty="0" smtClean="0">
+                <a:solidFill>
+                  <a:srgbClr val="666600"/>
+                </a:solidFill>
+              </a:rPr>
+              <a:t>{</a:t>
+            </a:r>
+            <a:r>
+              <a:rPr lang="en-GB" dirty="0" smtClean="0">
+                <a:solidFill>
+                  <a:srgbClr val="252C33"/>
+                </a:solidFill>
+              </a:rPr>
+              <a:t> </a:t>
+            </a:r>
+          </a:p>
+          <a:p>
+            <a:pPr>
+              <a:buNone/>
+            </a:pPr>
+            <a:r>
+              <a:rPr lang="en-GB" dirty="0" err="1" smtClean="0">
+                <a:solidFill>
+                  <a:srgbClr val="000088"/>
+                </a:solidFill>
+              </a:rPr>
+              <a:t>int</a:t>
+            </a:r>
+            <a:r>
+              <a:rPr lang="en-GB" dirty="0" smtClean="0">
+                <a:solidFill>
+                  <a:srgbClr val="252C33"/>
+                </a:solidFill>
+              </a:rPr>
+              <a:t> </a:t>
+            </a:r>
+            <a:r>
+              <a:rPr lang="en-GB" dirty="0" err="1" smtClean="0">
+                <a:solidFill>
+                  <a:srgbClr val="252C33"/>
+                </a:solidFill>
+              </a:rPr>
+              <a:t>mul</a:t>
+            </a:r>
+            <a:r>
+              <a:rPr lang="en-GB" dirty="0" smtClean="0">
+                <a:solidFill>
+                  <a:srgbClr val="666600"/>
+                </a:solidFill>
+              </a:rPr>
+              <a:t>=</a:t>
+            </a:r>
+            <a:r>
+              <a:rPr lang="en-GB" dirty="0" smtClean="0">
+                <a:solidFill>
+                  <a:srgbClr val="006666"/>
+                </a:solidFill>
+              </a:rPr>
+              <a:t>1</a:t>
+            </a:r>
+            <a:r>
+              <a:rPr lang="en-GB" dirty="0" smtClean="0">
+                <a:solidFill>
+                  <a:srgbClr val="666600"/>
+                </a:solidFill>
+              </a:rPr>
+              <a:t>;</a:t>
+            </a:r>
+            <a:r>
+              <a:rPr lang="en-GB" dirty="0" smtClean="0">
+                <a:solidFill>
+                  <a:srgbClr val="252C33"/>
+                </a:solidFill>
+              </a:rPr>
+              <a:t> </a:t>
+            </a:r>
+          </a:p>
+          <a:p>
+            <a:pPr>
+              <a:buNone/>
+            </a:pPr>
+            <a:r>
+              <a:rPr lang="en-GB" dirty="0" smtClean="0">
+                <a:solidFill>
+                  <a:srgbClr val="000088"/>
+                </a:solidFill>
+              </a:rPr>
+              <a:t>while</a:t>
+            </a:r>
+            <a:r>
+              <a:rPr lang="en-GB" dirty="0" smtClean="0">
+                <a:solidFill>
+                  <a:srgbClr val="666600"/>
+                </a:solidFill>
+              </a:rPr>
+              <a:t>(</a:t>
+            </a:r>
+            <a:r>
+              <a:rPr lang="en-GB" dirty="0" err="1" smtClean="0">
+                <a:solidFill>
+                  <a:srgbClr val="252C33"/>
+                </a:solidFill>
+              </a:rPr>
+              <a:t>maxx</a:t>
+            </a:r>
+            <a:r>
+              <a:rPr lang="en-GB" dirty="0" smtClean="0">
+                <a:solidFill>
+                  <a:srgbClr val="666600"/>
+                </a:solidFill>
+              </a:rPr>
+              <a:t>)</a:t>
+            </a:r>
+            <a:r>
+              <a:rPr lang="en-GB" dirty="0" smtClean="0">
+                <a:solidFill>
+                  <a:srgbClr val="252C33"/>
+                </a:solidFill>
+              </a:rPr>
+              <a:t> </a:t>
+            </a:r>
+          </a:p>
+          <a:p>
+            <a:pPr>
+              <a:buNone/>
+            </a:pPr>
+            <a:r>
+              <a:rPr lang="en-GB" dirty="0" smtClean="0">
+                <a:solidFill>
+                  <a:srgbClr val="666600"/>
+                </a:solidFill>
+              </a:rPr>
+              <a:t>{</a:t>
+            </a:r>
+            <a:r>
+              <a:rPr lang="en-GB" dirty="0" smtClean="0">
+                <a:solidFill>
+                  <a:srgbClr val="252C33"/>
+                </a:solidFill>
+              </a:rPr>
+              <a:t> </a:t>
+            </a:r>
+            <a:r>
+              <a:rPr lang="en-GB" dirty="0" err="1" smtClean="0">
+                <a:solidFill>
+                  <a:srgbClr val="252C33"/>
+                </a:solidFill>
+              </a:rPr>
+              <a:t>countsort</a:t>
+            </a:r>
+            <a:r>
+              <a:rPr lang="en-GB" dirty="0" smtClean="0">
+                <a:solidFill>
+                  <a:srgbClr val="666600"/>
+                </a:solidFill>
+              </a:rPr>
+              <a:t>(</a:t>
+            </a:r>
+            <a:r>
+              <a:rPr lang="en-GB" dirty="0" err="1" smtClean="0">
+                <a:solidFill>
+                  <a:srgbClr val="252C33"/>
+                </a:solidFill>
+              </a:rPr>
+              <a:t>arr</a:t>
+            </a:r>
+            <a:r>
+              <a:rPr lang="en-GB" dirty="0" err="1" smtClean="0">
+                <a:solidFill>
+                  <a:srgbClr val="666600"/>
+                </a:solidFill>
+              </a:rPr>
+              <a:t>,</a:t>
+            </a:r>
+            <a:r>
+              <a:rPr lang="en-GB" dirty="0" err="1" smtClean="0">
+                <a:solidFill>
+                  <a:srgbClr val="252C33"/>
+                </a:solidFill>
+              </a:rPr>
+              <a:t>n</a:t>
+            </a:r>
+            <a:r>
+              <a:rPr lang="en-GB" dirty="0" err="1" smtClean="0">
+                <a:solidFill>
+                  <a:srgbClr val="666600"/>
+                </a:solidFill>
+              </a:rPr>
+              <a:t>,</a:t>
+            </a:r>
+            <a:r>
+              <a:rPr lang="en-GB" dirty="0" err="1" smtClean="0">
+                <a:solidFill>
+                  <a:srgbClr val="252C33"/>
+                </a:solidFill>
+              </a:rPr>
+              <a:t>mul</a:t>
+            </a:r>
+            <a:r>
+              <a:rPr lang="en-GB" dirty="0" smtClean="0">
+                <a:solidFill>
+                  <a:srgbClr val="666600"/>
+                </a:solidFill>
+              </a:rPr>
+              <a:t>);</a:t>
+            </a:r>
+            <a:r>
+              <a:rPr lang="en-GB" dirty="0" smtClean="0">
+                <a:solidFill>
+                  <a:srgbClr val="252C33"/>
+                </a:solidFill>
+              </a:rPr>
+              <a:t> </a:t>
+            </a:r>
+            <a:r>
+              <a:rPr lang="en-GB" dirty="0" err="1" smtClean="0">
+                <a:solidFill>
+                  <a:srgbClr val="252C33"/>
+                </a:solidFill>
+              </a:rPr>
+              <a:t>mul</a:t>
+            </a:r>
+            <a:r>
+              <a:rPr lang="en-GB" dirty="0" smtClean="0">
+                <a:solidFill>
+                  <a:srgbClr val="666600"/>
+                </a:solidFill>
+              </a:rPr>
+              <a:t>*=</a:t>
+            </a:r>
+            <a:r>
+              <a:rPr lang="en-GB" dirty="0" smtClean="0">
+                <a:solidFill>
+                  <a:srgbClr val="006666"/>
+                </a:solidFill>
+              </a:rPr>
+              <a:t>10</a:t>
+            </a:r>
+            <a:r>
+              <a:rPr lang="en-GB" dirty="0" smtClean="0">
+                <a:solidFill>
+                  <a:srgbClr val="666600"/>
+                </a:solidFill>
+              </a:rPr>
+              <a:t>;</a:t>
+            </a:r>
+            <a:r>
+              <a:rPr lang="en-GB" dirty="0" smtClean="0">
+                <a:solidFill>
+                  <a:srgbClr val="252C33"/>
+                </a:solidFill>
+              </a:rPr>
+              <a:t> </a:t>
+            </a:r>
+            <a:r>
+              <a:rPr lang="en-GB" dirty="0" err="1" smtClean="0">
+                <a:solidFill>
+                  <a:srgbClr val="252C33"/>
+                </a:solidFill>
+              </a:rPr>
+              <a:t>maxx</a:t>
+            </a:r>
+            <a:r>
+              <a:rPr lang="en-GB" dirty="0" smtClean="0">
+                <a:solidFill>
+                  <a:srgbClr val="666600"/>
+                </a:solidFill>
+              </a:rPr>
+              <a:t>/=</a:t>
+            </a:r>
+            <a:r>
+              <a:rPr lang="en-GB" dirty="0" smtClean="0">
+                <a:solidFill>
+                  <a:srgbClr val="006666"/>
+                </a:solidFill>
+              </a:rPr>
+              <a:t>10</a:t>
+            </a:r>
+            <a:r>
+              <a:rPr lang="en-GB" dirty="0" smtClean="0">
+                <a:solidFill>
+                  <a:srgbClr val="666600"/>
+                </a:solidFill>
+              </a:rPr>
+              <a:t>;</a:t>
+            </a:r>
+            <a:r>
+              <a:rPr lang="en-GB" dirty="0" smtClean="0">
+                <a:solidFill>
+                  <a:srgbClr val="252C33"/>
+                </a:solidFill>
+              </a:rPr>
+              <a:t> </a:t>
+            </a:r>
+            <a:r>
+              <a:rPr lang="en-GB" dirty="0" smtClean="0">
+                <a:solidFill>
+                  <a:srgbClr val="666600"/>
+                </a:solidFill>
+              </a:rPr>
+              <a:t>}</a:t>
+            </a:r>
+            <a:r>
+              <a:rPr lang="en-GB" dirty="0" smtClean="0">
+                <a:solidFill>
+                  <a:srgbClr val="252C33"/>
+                </a:solidFill>
+              </a:rPr>
+              <a:t> </a:t>
+            </a:r>
+            <a:r>
+              <a:rPr lang="en-GB" dirty="0" smtClean="0">
+                <a:solidFill>
+                  <a:srgbClr val="666600"/>
+                </a:solidFill>
+              </a:rPr>
+              <a:t>}</a:t>
+            </a:r>
             <a:endParaRPr lang="en-US" dirty="0" smtClean="0"/>
           </a:p>
           <a:p>
             <a:pPr>
               <a:buNone/>
             </a:pPr>
-            <a:r>
-              <a:rPr lang="en-US" dirty="0" smtClean="0"/>
-              <a:t>-&gt;Step 1 - Define 10 queues each representing a bucket for each digit from 0 to 9.</a:t>
-            </a:r>
-          </a:p>
-          <a:p>
-            <a:pPr>
-              <a:buNone/>
-            </a:pPr>
-            <a:r>
-              <a:rPr lang="en-US" dirty="0" smtClean="0"/>
-              <a:t>-&gt;Step 2 - Consider the least significant digit of each number in the list which is to be sorted.</a:t>
-            </a:r>
-          </a:p>
-          <a:p>
-            <a:pPr>
-              <a:buNone/>
-            </a:pPr>
-            <a:r>
-              <a:rPr lang="en-US" dirty="0" smtClean="0"/>
-              <a:t>-&gt;Step 3 - Insert each number into their respective queue based on the least significant digit.</a:t>
-            </a:r>
-          </a:p>
-          <a:p>
-            <a:pPr>
-              <a:buNone/>
-            </a:pPr>
-            <a:r>
-              <a:rPr lang="en-US" dirty="0" smtClean="0"/>
-              <a:t>-&gt;Step 4 - Group all the numbers from queue 0 to queue 9 in the order they have inserted into their respective queues.</a:t>
-            </a:r>
-          </a:p>
-          <a:p>
-            <a:pPr>
-              <a:buNone/>
-            </a:pPr>
-            <a:r>
-              <a:rPr lang="en-US" dirty="0" smtClean="0"/>
-              <a:t>-&gt;Step 5 - Repeat from step 3 based on the next least significant digit.</a:t>
-            </a:r>
-          </a:p>
-          <a:p>
-            <a:pPr>
-              <a:buNone/>
-            </a:pPr>
-            <a:r>
-              <a:rPr lang="en-US" dirty="0" smtClean="0"/>
-              <a:t>-&gt;Step 6 - Repeat from step 2 until all the numbers are grouped based on the most significant digit.</a:t>
-            </a:r>
             <a:endParaRPr lang="en-US" dirty="0"/>
           </a:p>
         </p:txBody>
@@ -5341,7 +6827,7 @@
           <a:p>
             <a:r>
               <a:rPr lang="en-US" dirty="0" smtClean="0"/>
-              <a:t>          Implementation</a:t>
+              <a:t>                ALGORITHM</a:t>
             </a:r>
             <a:endParaRPr lang="en-US" dirty="0"/>
           </a:p>
@@ -5359,1758 +6845,37 @@
         </p:nvSpPr>
         <p:spPr/>
         <p:txBody>
-          <a:bodyPr>
-            <a:normAutofit fontScale="55000" lnSpcReduction="20000"/>
-          </a:bodyPr>
+          <a:bodyPr/>
           <a:lstStyle/>
           <a:p>
+            <a:r>
+              <a:rPr lang="en-US" dirty="0" smtClean="0"/>
+              <a:t>1. Create an array a[ 0…..n-1] elements. </a:t>
+            </a:r>
+          </a:p>
+          <a:p>
             <a:pPr>
               <a:buNone/>
             </a:pPr>
-            <a:r>
-              <a:rPr lang="en-GB" dirty="0" smtClean="0">
-                <a:solidFill>
-                  <a:srgbClr val="000088"/>
-                </a:solidFill>
-              </a:rPr>
-              <a:t>void</a:t>
-            </a:r>
-            <a:r>
-              <a:rPr lang="en-GB" dirty="0" smtClean="0">
-                <a:solidFill>
-                  <a:srgbClr val="252C33"/>
-                </a:solidFill>
-              </a:rPr>
-              <a:t> </a:t>
-            </a:r>
-            <a:r>
-              <a:rPr lang="en-GB" dirty="0" err="1" smtClean="0">
-                <a:solidFill>
-                  <a:srgbClr val="252C33"/>
-                </a:solidFill>
-              </a:rPr>
-              <a:t>countsort</a:t>
-            </a:r>
-            <a:r>
-              <a:rPr lang="en-GB" dirty="0" smtClean="0">
-                <a:solidFill>
-                  <a:srgbClr val="666600"/>
-                </a:solidFill>
-              </a:rPr>
-              <a:t>(</a:t>
-            </a:r>
-            <a:r>
-              <a:rPr lang="en-GB" dirty="0" err="1" smtClean="0">
-                <a:solidFill>
-                  <a:srgbClr val="000088"/>
-                </a:solidFill>
-              </a:rPr>
-              <a:t>int</a:t>
-            </a:r>
-            <a:r>
-              <a:rPr lang="en-GB" dirty="0" smtClean="0">
-                <a:solidFill>
-                  <a:srgbClr val="252C33"/>
-                </a:solidFill>
-              </a:rPr>
-              <a:t> </a:t>
-            </a:r>
-            <a:r>
-              <a:rPr lang="en-GB" dirty="0" err="1" smtClean="0">
-                <a:solidFill>
-                  <a:srgbClr val="252C33"/>
-                </a:solidFill>
-              </a:rPr>
-              <a:t>arr</a:t>
-            </a:r>
-            <a:r>
-              <a:rPr lang="en-GB" dirty="0" smtClean="0">
-                <a:solidFill>
-                  <a:srgbClr val="666600"/>
-                </a:solidFill>
-              </a:rPr>
-              <a:t>[],</a:t>
-            </a:r>
-            <a:r>
-              <a:rPr lang="en-GB" dirty="0" err="1" smtClean="0">
-                <a:solidFill>
-                  <a:srgbClr val="000088"/>
-                </a:solidFill>
-              </a:rPr>
-              <a:t>int</a:t>
-            </a:r>
-            <a:r>
-              <a:rPr lang="en-GB" dirty="0" smtClean="0">
-                <a:solidFill>
-                  <a:srgbClr val="252C33"/>
-                </a:solidFill>
-              </a:rPr>
-              <a:t> </a:t>
-            </a:r>
-            <a:r>
-              <a:rPr lang="en-GB" dirty="0" err="1" smtClean="0">
-                <a:solidFill>
-                  <a:srgbClr val="252C33"/>
-                </a:solidFill>
-              </a:rPr>
-              <a:t>n</a:t>
-            </a:r>
-            <a:r>
-              <a:rPr lang="en-GB" dirty="0" err="1" smtClean="0">
-                <a:solidFill>
-                  <a:srgbClr val="666600"/>
-                </a:solidFill>
-              </a:rPr>
-              <a:t>,</a:t>
-            </a:r>
-            <a:r>
-              <a:rPr lang="en-GB" dirty="0" err="1" smtClean="0">
-                <a:solidFill>
-                  <a:srgbClr val="000088"/>
-                </a:solidFill>
-              </a:rPr>
-              <a:t>int</a:t>
-            </a:r>
-            <a:r>
-              <a:rPr lang="en-GB" dirty="0" smtClean="0">
-                <a:solidFill>
-                  <a:srgbClr val="252C33"/>
-                </a:solidFill>
-              </a:rPr>
-              <a:t> place</a:t>
-            </a:r>
-            <a:r>
-              <a:rPr lang="en-GB" dirty="0" smtClean="0">
-                <a:solidFill>
-                  <a:srgbClr val="666600"/>
-                </a:solidFill>
-              </a:rPr>
-              <a:t>)</a:t>
+            <a:endParaRPr lang="en-US" dirty="0" smtClean="0"/>
+          </a:p>
+          <a:p>
+            <a:r>
+              <a:rPr lang="en-US" dirty="0" smtClean="0"/>
+              <a:t>2. Call bucket sort repeatedly on least to most significant digit of each element as the key. </a:t>
             </a:r>
           </a:p>
           <a:p>
             <a:pPr>
               <a:buNone/>
             </a:pPr>
-            <a:r>
-              <a:rPr lang="en-GB" dirty="0" smtClean="0">
-                <a:solidFill>
-                  <a:srgbClr val="666600"/>
-                </a:solidFill>
-              </a:rPr>
-              <a:t>{</a:t>
-            </a:r>
-            <a:r>
-              <a:rPr lang="en-GB" dirty="0" smtClean="0">
-                <a:solidFill>
-                  <a:srgbClr val="252C33"/>
-                </a:solidFill>
-              </a:rPr>
-              <a:t> </a:t>
-            </a:r>
-          </a:p>
-          <a:p>
-            <a:pPr>
-              <a:buNone/>
-            </a:pPr>
-            <a:r>
-              <a:rPr lang="en-GB" dirty="0" err="1" smtClean="0">
-                <a:solidFill>
-                  <a:srgbClr val="000088"/>
-                </a:solidFill>
-              </a:rPr>
-              <a:t>int</a:t>
-            </a:r>
-            <a:r>
-              <a:rPr lang="en-GB" dirty="0" smtClean="0">
-                <a:solidFill>
-                  <a:srgbClr val="252C33"/>
-                </a:solidFill>
-              </a:rPr>
-              <a:t> </a:t>
-            </a:r>
-            <a:r>
-              <a:rPr lang="en-GB" dirty="0" err="1" smtClean="0">
-                <a:solidFill>
-                  <a:srgbClr val="252C33"/>
-                </a:solidFill>
-              </a:rPr>
-              <a:t>i</a:t>
-            </a:r>
-            <a:r>
-              <a:rPr lang="en-GB" dirty="0" err="1" smtClean="0">
-                <a:solidFill>
-                  <a:srgbClr val="666600"/>
-                </a:solidFill>
-              </a:rPr>
-              <a:t>,</a:t>
-            </a:r>
-            <a:r>
-              <a:rPr lang="en-GB" dirty="0" err="1" smtClean="0">
-                <a:solidFill>
-                  <a:srgbClr val="252C33"/>
-                </a:solidFill>
-              </a:rPr>
-              <a:t>freq</a:t>
-            </a:r>
-            <a:r>
-              <a:rPr lang="en-GB" dirty="0" smtClean="0">
-                <a:solidFill>
-                  <a:srgbClr val="666600"/>
-                </a:solidFill>
-              </a:rPr>
-              <a:t>[</a:t>
-            </a:r>
-            <a:r>
-              <a:rPr lang="en-GB" dirty="0" smtClean="0">
-                <a:solidFill>
-                  <a:srgbClr val="252C33"/>
-                </a:solidFill>
-              </a:rPr>
-              <a:t>range</a:t>
-            </a:r>
-            <a:r>
-              <a:rPr lang="en-GB" dirty="0" smtClean="0">
-                <a:solidFill>
-                  <a:srgbClr val="666600"/>
-                </a:solidFill>
-              </a:rPr>
-              <a:t>]={</a:t>
-            </a:r>
-            <a:r>
-              <a:rPr lang="en-GB" dirty="0" smtClean="0">
-                <a:solidFill>
-                  <a:srgbClr val="006666"/>
-                </a:solidFill>
-              </a:rPr>
-              <a:t>0</a:t>
-            </a:r>
-            <a:r>
-              <a:rPr lang="en-GB" dirty="0" smtClean="0">
-                <a:solidFill>
-                  <a:srgbClr val="666600"/>
-                </a:solidFill>
-              </a:rPr>
-              <a:t>};</a:t>
-            </a:r>
-            <a:r>
-              <a:rPr lang="en-GB" dirty="0" smtClean="0">
-                <a:solidFill>
-                  <a:srgbClr val="252C33"/>
-                </a:solidFill>
-              </a:rPr>
-              <a:t> </a:t>
-            </a:r>
-          </a:p>
-          <a:p>
-            <a:pPr>
-              <a:buNone/>
-            </a:pPr>
-            <a:r>
-              <a:rPr lang="en-GB" dirty="0" err="1" smtClean="0">
-                <a:solidFill>
-                  <a:srgbClr val="000088"/>
-                </a:solidFill>
-              </a:rPr>
-              <a:t>int</a:t>
-            </a:r>
-            <a:r>
-              <a:rPr lang="en-GB" dirty="0" smtClean="0">
-                <a:solidFill>
-                  <a:srgbClr val="252C33"/>
-                </a:solidFill>
-              </a:rPr>
-              <a:t> output</a:t>
-            </a:r>
-            <a:r>
-              <a:rPr lang="en-GB" dirty="0" smtClean="0">
-                <a:solidFill>
-                  <a:srgbClr val="666600"/>
-                </a:solidFill>
-              </a:rPr>
-              <a:t>[</a:t>
-            </a:r>
-            <a:r>
-              <a:rPr lang="en-GB" dirty="0" smtClean="0">
-                <a:solidFill>
-                  <a:srgbClr val="252C33"/>
-                </a:solidFill>
-              </a:rPr>
-              <a:t>n</a:t>
-            </a:r>
-            <a:r>
-              <a:rPr lang="en-GB" dirty="0" smtClean="0">
-                <a:solidFill>
-                  <a:srgbClr val="666600"/>
-                </a:solidFill>
-              </a:rPr>
-              <a:t>];</a:t>
-            </a:r>
-            <a:r>
-              <a:rPr lang="en-GB" dirty="0" smtClean="0">
-                <a:solidFill>
-                  <a:srgbClr val="252C33"/>
-                </a:solidFill>
-              </a:rPr>
-              <a:t> </a:t>
-            </a:r>
-          </a:p>
-          <a:p>
-            <a:pPr>
-              <a:buNone/>
-            </a:pPr>
-            <a:r>
-              <a:rPr lang="en-GB" dirty="0" smtClean="0">
-                <a:solidFill>
-                  <a:srgbClr val="000088"/>
-                </a:solidFill>
-              </a:rPr>
-              <a:t>for</a:t>
-            </a:r>
-            <a:r>
-              <a:rPr lang="en-GB" dirty="0" smtClean="0">
-                <a:solidFill>
-                  <a:srgbClr val="666600"/>
-                </a:solidFill>
-              </a:rPr>
-              <a:t>(</a:t>
-            </a:r>
-            <a:r>
-              <a:rPr lang="en-GB" dirty="0" err="1" smtClean="0">
-                <a:solidFill>
-                  <a:srgbClr val="252C33"/>
-                </a:solidFill>
-              </a:rPr>
-              <a:t>i</a:t>
-            </a:r>
-            <a:r>
-              <a:rPr lang="en-GB" dirty="0" smtClean="0">
-                <a:solidFill>
-                  <a:srgbClr val="666600"/>
-                </a:solidFill>
-              </a:rPr>
-              <a:t>=</a:t>
-            </a:r>
-            <a:r>
-              <a:rPr lang="en-GB" dirty="0" smtClean="0">
-                <a:solidFill>
-                  <a:srgbClr val="006666"/>
-                </a:solidFill>
-              </a:rPr>
-              <a:t>0</a:t>
-            </a:r>
-            <a:r>
-              <a:rPr lang="en-GB" dirty="0" smtClean="0">
-                <a:solidFill>
-                  <a:srgbClr val="666600"/>
-                </a:solidFill>
-              </a:rPr>
-              <a:t>;</a:t>
-            </a:r>
-            <a:r>
-              <a:rPr lang="en-GB" dirty="0" smtClean="0">
-                <a:solidFill>
-                  <a:srgbClr val="252C33"/>
-                </a:solidFill>
-              </a:rPr>
-              <a:t>i</a:t>
-            </a:r>
-            <a:r>
-              <a:rPr lang="en-GB" dirty="0" smtClean="0">
-                <a:solidFill>
-                  <a:srgbClr val="666600"/>
-                </a:solidFill>
-              </a:rPr>
-              <a:t>&lt;</a:t>
-            </a:r>
-            <a:r>
-              <a:rPr lang="en-GB" dirty="0" err="1" smtClean="0">
-                <a:solidFill>
-                  <a:srgbClr val="252C33"/>
-                </a:solidFill>
-              </a:rPr>
-              <a:t>n</a:t>
-            </a:r>
-            <a:r>
-              <a:rPr lang="en-GB" dirty="0" err="1" smtClean="0">
-                <a:solidFill>
-                  <a:srgbClr val="666600"/>
-                </a:solidFill>
-              </a:rPr>
-              <a:t>;</a:t>
-            </a:r>
-            <a:r>
-              <a:rPr lang="en-GB" dirty="0" err="1" smtClean="0">
-                <a:solidFill>
-                  <a:srgbClr val="252C33"/>
-                </a:solidFill>
-              </a:rPr>
-              <a:t>i</a:t>
-            </a:r>
-            <a:r>
-              <a:rPr lang="en-GB" dirty="0" smtClean="0">
-                <a:solidFill>
-                  <a:srgbClr val="666600"/>
-                </a:solidFill>
-              </a:rPr>
-              <a:t>++)</a:t>
-            </a:r>
-            <a:r>
-              <a:rPr lang="en-GB" dirty="0" smtClean="0">
-                <a:solidFill>
-                  <a:srgbClr val="252C33"/>
-                </a:solidFill>
-              </a:rPr>
-              <a:t> </a:t>
-            </a:r>
-          </a:p>
-          <a:p>
-            <a:pPr>
-              <a:buNone/>
-            </a:pPr>
-            <a:r>
-              <a:rPr lang="en-GB" dirty="0" smtClean="0">
-                <a:solidFill>
-                  <a:srgbClr val="252C33"/>
-                </a:solidFill>
-              </a:rPr>
-              <a:t>freq</a:t>
-            </a:r>
-            <a:r>
-              <a:rPr lang="en-GB" dirty="0" smtClean="0">
-                <a:solidFill>
-                  <a:srgbClr val="666600"/>
-                </a:solidFill>
-              </a:rPr>
-              <a:t>[(</a:t>
-            </a:r>
-            <a:r>
-              <a:rPr lang="en-GB" dirty="0" err="1" smtClean="0">
-                <a:solidFill>
-                  <a:srgbClr val="252C33"/>
-                </a:solidFill>
-              </a:rPr>
-              <a:t>arr</a:t>
-            </a:r>
-            <a:r>
-              <a:rPr lang="en-GB" dirty="0" smtClean="0">
-                <a:solidFill>
-                  <a:srgbClr val="666600"/>
-                </a:solidFill>
-              </a:rPr>
-              <a:t>[</a:t>
-            </a:r>
-            <a:r>
-              <a:rPr lang="en-GB" dirty="0" err="1" smtClean="0">
-                <a:solidFill>
-                  <a:srgbClr val="252C33"/>
-                </a:solidFill>
-              </a:rPr>
-              <a:t>i</a:t>
-            </a:r>
-            <a:r>
-              <a:rPr lang="en-GB" dirty="0" smtClean="0">
-                <a:solidFill>
-                  <a:srgbClr val="666600"/>
-                </a:solidFill>
-              </a:rPr>
-              <a:t>]/</a:t>
-            </a:r>
-            <a:r>
-              <a:rPr lang="en-GB" dirty="0" smtClean="0">
-                <a:solidFill>
-                  <a:srgbClr val="252C33"/>
-                </a:solidFill>
-              </a:rPr>
-              <a:t>place</a:t>
-            </a:r>
-            <a:r>
-              <a:rPr lang="en-GB" dirty="0" smtClean="0">
-                <a:solidFill>
-                  <a:srgbClr val="666600"/>
-                </a:solidFill>
-              </a:rPr>
-              <a:t>)%</a:t>
-            </a:r>
-            <a:r>
-              <a:rPr lang="en-GB" dirty="0" smtClean="0">
-                <a:solidFill>
-                  <a:srgbClr val="252C33"/>
-                </a:solidFill>
-              </a:rPr>
-              <a:t>range</a:t>
-            </a:r>
-            <a:r>
-              <a:rPr lang="en-GB" dirty="0" smtClean="0">
-                <a:solidFill>
-                  <a:srgbClr val="666600"/>
-                </a:solidFill>
-              </a:rPr>
-              <a:t>]++;</a:t>
-            </a:r>
-          </a:p>
-          <a:p>
-            <a:pPr>
-              <a:buNone/>
-            </a:pPr>
-            <a:r>
-              <a:rPr lang="en-GB" dirty="0" smtClean="0">
-                <a:solidFill>
-                  <a:srgbClr val="000088"/>
-                </a:solidFill>
-              </a:rPr>
-              <a:t>for</a:t>
-            </a:r>
-            <a:r>
-              <a:rPr lang="en-GB" dirty="0" smtClean="0">
-                <a:solidFill>
-                  <a:srgbClr val="666600"/>
-                </a:solidFill>
-              </a:rPr>
-              <a:t>(</a:t>
-            </a:r>
-            <a:r>
-              <a:rPr lang="en-GB" dirty="0" err="1" smtClean="0">
-                <a:solidFill>
-                  <a:srgbClr val="252C33"/>
-                </a:solidFill>
-              </a:rPr>
-              <a:t>i</a:t>
-            </a:r>
-            <a:r>
-              <a:rPr lang="en-GB" dirty="0" smtClean="0">
-                <a:solidFill>
-                  <a:srgbClr val="666600"/>
-                </a:solidFill>
-              </a:rPr>
-              <a:t>=</a:t>
-            </a:r>
-            <a:r>
-              <a:rPr lang="en-GB" dirty="0" smtClean="0">
-                <a:solidFill>
-                  <a:srgbClr val="006666"/>
-                </a:solidFill>
-              </a:rPr>
-              <a:t>1</a:t>
-            </a:r>
-            <a:r>
-              <a:rPr lang="en-GB" dirty="0" smtClean="0">
-                <a:solidFill>
-                  <a:srgbClr val="666600"/>
-                </a:solidFill>
-              </a:rPr>
-              <a:t>;</a:t>
-            </a:r>
-            <a:r>
-              <a:rPr lang="en-GB" dirty="0" smtClean="0">
-                <a:solidFill>
-                  <a:srgbClr val="252C33"/>
-                </a:solidFill>
-              </a:rPr>
-              <a:t>i</a:t>
-            </a:r>
-            <a:r>
-              <a:rPr lang="en-GB" dirty="0" smtClean="0">
-                <a:solidFill>
-                  <a:srgbClr val="666600"/>
-                </a:solidFill>
-              </a:rPr>
-              <a:t>&lt;</a:t>
-            </a:r>
-            <a:r>
-              <a:rPr lang="en-GB" dirty="0" err="1" smtClean="0">
-                <a:solidFill>
-                  <a:srgbClr val="252C33"/>
-                </a:solidFill>
-              </a:rPr>
-              <a:t>range</a:t>
-            </a:r>
-            <a:r>
-              <a:rPr lang="en-GB" dirty="0" err="1" smtClean="0">
-                <a:solidFill>
-                  <a:srgbClr val="666600"/>
-                </a:solidFill>
-              </a:rPr>
-              <a:t>;</a:t>
-            </a:r>
-            <a:r>
-              <a:rPr lang="en-GB" dirty="0" err="1" smtClean="0">
-                <a:solidFill>
-                  <a:srgbClr val="252C33"/>
-                </a:solidFill>
-              </a:rPr>
-              <a:t>i</a:t>
-            </a:r>
-            <a:r>
-              <a:rPr lang="en-GB" dirty="0" smtClean="0">
-                <a:solidFill>
-                  <a:srgbClr val="666600"/>
-                </a:solidFill>
-              </a:rPr>
-              <a:t>++)</a:t>
-            </a:r>
-            <a:r>
-              <a:rPr lang="en-GB" dirty="0" smtClean="0">
-                <a:solidFill>
-                  <a:srgbClr val="252C33"/>
-                </a:solidFill>
-              </a:rPr>
-              <a:t> freq</a:t>
-            </a:r>
-            <a:r>
-              <a:rPr lang="en-GB" dirty="0" smtClean="0">
-                <a:solidFill>
-                  <a:srgbClr val="666600"/>
-                </a:solidFill>
-              </a:rPr>
-              <a:t>[</a:t>
-            </a:r>
-            <a:r>
-              <a:rPr lang="en-GB" dirty="0" err="1" smtClean="0">
-                <a:solidFill>
-                  <a:srgbClr val="252C33"/>
-                </a:solidFill>
-              </a:rPr>
-              <a:t>i</a:t>
-            </a:r>
-            <a:r>
-              <a:rPr lang="en-GB" dirty="0" smtClean="0">
-                <a:solidFill>
-                  <a:srgbClr val="666600"/>
-                </a:solidFill>
-              </a:rPr>
-              <a:t>]+=</a:t>
-            </a:r>
-            <a:r>
-              <a:rPr lang="en-GB" dirty="0" smtClean="0">
-                <a:solidFill>
-                  <a:srgbClr val="252C33"/>
-                </a:solidFill>
-              </a:rPr>
-              <a:t>freq</a:t>
-            </a:r>
-            <a:r>
-              <a:rPr lang="en-GB" dirty="0" smtClean="0">
-                <a:solidFill>
-                  <a:srgbClr val="666600"/>
-                </a:solidFill>
-              </a:rPr>
-              <a:t>[</a:t>
-            </a:r>
-            <a:r>
-              <a:rPr lang="en-GB" dirty="0" smtClean="0">
-                <a:solidFill>
-                  <a:srgbClr val="252C33"/>
-                </a:solidFill>
-              </a:rPr>
-              <a:t>i</a:t>
-            </a:r>
-            <a:r>
-              <a:rPr lang="en-GB" dirty="0" smtClean="0">
-                <a:solidFill>
-                  <a:srgbClr val="666600"/>
-                </a:solidFill>
-              </a:rPr>
-              <a:t>-</a:t>
-            </a:r>
-            <a:r>
-              <a:rPr lang="en-GB" dirty="0" smtClean="0">
-                <a:solidFill>
-                  <a:srgbClr val="006666"/>
-                </a:solidFill>
-              </a:rPr>
-              <a:t>1</a:t>
-            </a:r>
-            <a:r>
-              <a:rPr lang="en-GB" dirty="0" smtClean="0">
-                <a:solidFill>
-                  <a:srgbClr val="666600"/>
-                </a:solidFill>
-              </a:rPr>
-              <a:t>];</a:t>
-            </a:r>
-            <a:r>
-              <a:rPr lang="en-GB" dirty="0" smtClean="0">
-                <a:solidFill>
-                  <a:srgbClr val="252C33"/>
-                </a:solidFill>
-              </a:rPr>
-              <a:t> </a:t>
-            </a:r>
-          </a:p>
-          <a:p>
-            <a:pPr>
-              <a:buNone/>
-            </a:pPr>
-            <a:r>
-              <a:rPr lang="en-GB" dirty="0" smtClean="0">
-                <a:solidFill>
-                  <a:srgbClr val="000088"/>
-                </a:solidFill>
-              </a:rPr>
-              <a:t>for</a:t>
-            </a:r>
-            <a:r>
-              <a:rPr lang="en-GB" dirty="0" smtClean="0">
-                <a:solidFill>
-                  <a:srgbClr val="666600"/>
-                </a:solidFill>
-              </a:rPr>
-              <a:t>(</a:t>
-            </a:r>
-            <a:r>
-              <a:rPr lang="en-GB" dirty="0" err="1" smtClean="0">
-                <a:solidFill>
-                  <a:srgbClr val="252C33"/>
-                </a:solidFill>
-              </a:rPr>
-              <a:t>i</a:t>
-            </a:r>
-            <a:r>
-              <a:rPr lang="en-GB" dirty="0" smtClean="0">
-                <a:solidFill>
-                  <a:srgbClr val="666600"/>
-                </a:solidFill>
-              </a:rPr>
-              <a:t>=</a:t>
-            </a:r>
-            <a:r>
-              <a:rPr lang="en-GB" dirty="0" smtClean="0">
-                <a:solidFill>
-                  <a:srgbClr val="252C33"/>
-                </a:solidFill>
-              </a:rPr>
-              <a:t>n</a:t>
-            </a:r>
-            <a:r>
-              <a:rPr lang="en-GB" dirty="0" smtClean="0">
-                <a:solidFill>
-                  <a:srgbClr val="666600"/>
-                </a:solidFill>
-              </a:rPr>
-              <a:t>-</a:t>
-            </a:r>
-            <a:r>
-              <a:rPr lang="en-GB" dirty="0" smtClean="0">
-                <a:solidFill>
-                  <a:srgbClr val="006666"/>
-                </a:solidFill>
-              </a:rPr>
-              <a:t>1</a:t>
-            </a:r>
-            <a:r>
-              <a:rPr lang="en-GB" dirty="0" smtClean="0">
-                <a:solidFill>
-                  <a:srgbClr val="666600"/>
-                </a:solidFill>
-              </a:rPr>
-              <a:t>;</a:t>
-            </a:r>
-            <a:r>
-              <a:rPr lang="en-GB" dirty="0" smtClean="0">
-                <a:solidFill>
-                  <a:srgbClr val="252C33"/>
-                </a:solidFill>
-              </a:rPr>
-              <a:t>i</a:t>
-            </a:r>
-            <a:r>
-              <a:rPr lang="en-GB" dirty="0" smtClean="0">
-                <a:solidFill>
-                  <a:srgbClr val="666600"/>
-                </a:solidFill>
-              </a:rPr>
-              <a:t>&gt;=</a:t>
-            </a:r>
-            <a:r>
-              <a:rPr lang="en-GB" dirty="0" smtClean="0">
-                <a:solidFill>
-                  <a:srgbClr val="006666"/>
-                </a:solidFill>
-              </a:rPr>
-              <a:t>0</a:t>
-            </a:r>
-            <a:r>
-              <a:rPr lang="en-GB" dirty="0" smtClean="0">
-                <a:solidFill>
-                  <a:srgbClr val="666600"/>
-                </a:solidFill>
-              </a:rPr>
-              <a:t>;</a:t>
-            </a:r>
-            <a:r>
-              <a:rPr lang="en-GB" dirty="0" smtClean="0">
-                <a:solidFill>
-                  <a:srgbClr val="252C33"/>
-                </a:solidFill>
-              </a:rPr>
-              <a:t>i</a:t>
-            </a:r>
-            <a:r>
-              <a:rPr lang="en-GB" dirty="0" smtClean="0">
-                <a:solidFill>
-                  <a:srgbClr val="666600"/>
-                </a:solidFill>
-              </a:rPr>
-              <a:t>--)</a:t>
-            </a:r>
-          </a:p>
-          <a:p>
-            <a:pPr>
-              <a:buNone/>
-            </a:pPr>
-            <a:r>
-              <a:rPr lang="en-GB" dirty="0" smtClean="0">
-                <a:solidFill>
-                  <a:srgbClr val="666600"/>
-                </a:solidFill>
-              </a:rPr>
-              <a:t>{</a:t>
-            </a:r>
-            <a:r>
-              <a:rPr lang="en-GB" dirty="0" smtClean="0">
-                <a:solidFill>
-                  <a:srgbClr val="252C33"/>
-                </a:solidFill>
-              </a:rPr>
-              <a:t> </a:t>
-            </a:r>
-          </a:p>
-          <a:p>
-            <a:pPr>
-              <a:buNone/>
-            </a:pPr>
-            <a:r>
-              <a:rPr lang="en-GB" dirty="0" smtClean="0">
-                <a:solidFill>
-                  <a:srgbClr val="252C33"/>
-                </a:solidFill>
-              </a:rPr>
-              <a:t>output</a:t>
-            </a:r>
-            <a:r>
-              <a:rPr lang="en-GB" dirty="0" smtClean="0">
-                <a:solidFill>
-                  <a:srgbClr val="666600"/>
-                </a:solidFill>
-              </a:rPr>
-              <a:t>[</a:t>
-            </a:r>
-            <a:r>
-              <a:rPr lang="en-GB" dirty="0" smtClean="0">
-                <a:solidFill>
-                  <a:srgbClr val="252C33"/>
-                </a:solidFill>
-              </a:rPr>
-              <a:t>freq</a:t>
-            </a:r>
-            <a:r>
-              <a:rPr lang="en-GB" dirty="0" smtClean="0">
-                <a:solidFill>
-                  <a:srgbClr val="666600"/>
-                </a:solidFill>
-              </a:rPr>
-              <a:t>[(</a:t>
-            </a:r>
-            <a:r>
-              <a:rPr lang="en-GB" dirty="0" err="1" smtClean="0">
-                <a:solidFill>
-                  <a:srgbClr val="252C33"/>
-                </a:solidFill>
-              </a:rPr>
-              <a:t>arr</a:t>
-            </a:r>
-            <a:r>
-              <a:rPr lang="en-GB" dirty="0" smtClean="0">
-                <a:solidFill>
-                  <a:srgbClr val="666600"/>
-                </a:solidFill>
-              </a:rPr>
-              <a:t>[</a:t>
-            </a:r>
-            <a:r>
-              <a:rPr lang="en-GB" dirty="0" err="1" smtClean="0">
-                <a:solidFill>
-                  <a:srgbClr val="252C33"/>
-                </a:solidFill>
-              </a:rPr>
-              <a:t>i</a:t>
-            </a:r>
-            <a:r>
-              <a:rPr lang="en-GB" dirty="0" smtClean="0">
-                <a:solidFill>
-                  <a:srgbClr val="666600"/>
-                </a:solidFill>
-              </a:rPr>
-              <a:t>]/</a:t>
-            </a:r>
-            <a:r>
-              <a:rPr lang="en-GB" dirty="0" smtClean="0">
-                <a:solidFill>
-                  <a:srgbClr val="252C33"/>
-                </a:solidFill>
-              </a:rPr>
-              <a:t>place</a:t>
-            </a:r>
-            <a:r>
-              <a:rPr lang="en-GB" dirty="0" smtClean="0">
-                <a:solidFill>
-                  <a:srgbClr val="666600"/>
-                </a:solidFill>
-              </a:rPr>
-              <a:t>)%</a:t>
-            </a:r>
-            <a:r>
-              <a:rPr lang="en-GB" dirty="0" smtClean="0">
-                <a:solidFill>
-                  <a:srgbClr val="252C33"/>
-                </a:solidFill>
-              </a:rPr>
-              <a:t>range</a:t>
-            </a:r>
-            <a:r>
-              <a:rPr lang="en-GB" dirty="0" smtClean="0">
-                <a:solidFill>
-                  <a:srgbClr val="666600"/>
-                </a:solidFill>
-              </a:rPr>
-              <a:t>]-</a:t>
-            </a:r>
-            <a:r>
-              <a:rPr lang="en-GB" dirty="0" smtClean="0">
-                <a:solidFill>
-                  <a:srgbClr val="006666"/>
-                </a:solidFill>
-              </a:rPr>
-              <a:t>1</a:t>
-            </a:r>
-            <a:r>
-              <a:rPr lang="en-GB" dirty="0" smtClean="0">
-                <a:solidFill>
-                  <a:srgbClr val="666600"/>
-                </a:solidFill>
-              </a:rPr>
-              <a:t>]=</a:t>
-            </a:r>
-            <a:r>
-              <a:rPr lang="en-GB" dirty="0" err="1" smtClean="0">
-                <a:solidFill>
-                  <a:srgbClr val="252C33"/>
-                </a:solidFill>
-              </a:rPr>
-              <a:t>arr</a:t>
-            </a:r>
-            <a:r>
-              <a:rPr lang="en-GB" dirty="0" smtClean="0">
-                <a:solidFill>
-                  <a:srgbClr val="666600"/>
-                </a:solidFill>
-              </a:rPr>
-              <a:t>[</a:t>
-            </a:r>
-            <a:r>
-              <a:rPr lang="en-GB" dirty="0" err="1" smtClean="0">
-                <a:solidFill>
-                  <a:srgbClr val="252C33"/>
-                </a:solidFill>
-              </a:rPr>
-              <a:t>i</a:t>
-            </a:r>
-            <a:r>
-              <a:rPr lang="en-GB" dirty="0" smtClean="0">
-                <a:solidFill>
-                  <a:srgbClr val="666600"/>
-                </a:solidFill>
-              </a:rPr>
-              <a:t>];</a:t>
-            </a:r>
-          </a:p>
-          <a:p>
-            <a:pPr>
-              <a:buNone/>
-            </a:pPr>
-            <a:r>
-              <a:rPr lang="en-GB" dirty="0" smtClean="0">
-                <a:solidFill>
-                  <a:srgbClr val="252C33"/>
-                </a:solidFill>
-              </a:rPr>
-              <a:t>freq</a:t>
-            </a:r>
-            <a:r>
-              <a:rPr lang="en-GB" dirty="0" smtClean="0">
-                <a:solidFill>
-                  <a:srgbClr val="666600"/>
-                </a:solidFill>
-              </a:rPr>
-              <a:t>[(</a:t>
-            </a:r>
-            <a:r>
-              <a:rPr lang="en-GB" dirty="0" err="1" smtClean="0">
-                <a:solidFill>
-                  <a:srgbClr val="252C33"/>
-                </a:solidFill>
-              </a:rPr>
-              <a:t>arr</a:t>
-            </a:r>
-            <a:r>
-              <a:rPr lang="en-GB" dirty="0" smtClean="0">
-                <a:solidFill>
-                  <a:srgbClr val="666600"/>
-                </a:solidFill>
-              </a:rPr>
-              <a:t>[</a:t>
-            </a:r>
-            <a:r>
-              <a:rPr lang="en-GB" dirty="0" err="1" smtClean="0">
-                <a:solidFill>
-                  <a:srgbClr val="252C33"/>
-                </a:solidFill>
-              </a:rPr>
-              <a:t>i</a:t>
-            </a:r>
-            <a:r>
-              <a:rPr lang="en-GB" dirty="0" smtClean="0">
-                <a:solidFill>
-                  <a:srgbClr val="666600"/>
-                </a:solidFill>
-              </a:rPr>
-              <a:t>]/</a:t>
-            </a:r>
-            <a:r>
-              <a:rPr lang="en-GB" dirty="0" smtClean="0">
-                <a:solidFill>
-                  <a:srgbClr val="252C33"/>
-                </a:solidFill>
-              </a:rPr>
-              <a:t>place</a:t>
-            </a:r>
-            <a:r>
-              <a:rPr lang="en-GB" dirty="0" smtClean="0">
-                <a:solidFill>
-                  <a:srgbClr val="666600"/>
-                </a:solidFill>
-              </a:rPr>
-              <a:t>)%</a:t>
-            </a:r>
-            <a:r>
-              <a:rPr lang="en-GB" dirty="0" smtClean="0">
-                <a:solidFill>
-                  <a:srgbClr val="252C33"/>
-                </a:solidFill>
-              </a:rPr>
-              <a:t>range</a:t>
-            </a:r>
-            <a:r>
-              <a:rPr lang="en-GB" dirty="0" smtClean="0">
-                <a:solidFill>
-                  <a:srgbClr val="666600"/>
-                </a:solidFill>
-              </a:rPr>
-              <a:t>]--;</a:t>
-            </a:r>
-            <a:r>
-              <a:rPr lang="en-GB" dirty="0" smtClean="0">
-                <a:solidFill>
-                  <a:srgbClr val="252C33"/>
-                </a:solidFill>
-              </a:rPr>
-              <a:t> </a:t>
-            </a:r>
-          </a:p>
-          <a:p>
-            <a:pPr>
-              <a:buNone/>
-            </a:pPr>
-            <a:r>
-              <a:rPr lang="en-GB" dirty="0" smtClean="0">
-                <a:solidFill>
-                  <a:srgbClr val="666600"/>
-                </a:solidFill>
-              </a:rPr>
-              <a:t>}</a:t>
-            </a:r>
-            <a:r>
-              <a:rPr lang="en-GB" dirty="0" smtClean="0">
-                <a:solidFill>
-                  <a:srgbClr val="252C33"/>
-                </a:solidFill>
-              </a:rPr>
-              <a:t> </a:t>
-            </a:r>
-          </a:p>
-          <a:p>
-            <a:pPr>
-              <a:buNone/>
-            </a:pPr>
-            <a:r>
-              <a:rPr lang="en-GB" dirty="0" smtClean="0">
-                <a:solidFill>
-                  <a:srgbClr val="000088"/>
-                </a:solidFill>
-              </a:rPr>
-              <a:t>for</a:t>
-            </a:r>
-            <a:r>
-              <a:rPr lang="en-GB" dirty="0" smtClean="0">
-                <a:solidFill>
-                  <a:srgbClr val="666600"/>
-                </a:solidFill>
-              </a:rPr>
-              <a:t>(</a:t>
-            </a:r>
-            <a:r>
-              <a:rPr lang="en-GB" dirty="0" err="1" smtClean="0">
-                <a:solidFill>
-                  <a:srgbClr val="252C33"/>
-                </a:solidFill>
-              </a:rPr>
-              <a:t>i</a:t>
-            </a:r>
-            <a:r>
-              <a:rPr lang="en-GB" dirty="0" smtClean="0">
-                <a:solidFill>
-                  <a:srgbClr val="666600"/>
-                </a:solidFill>
-              </a:rPr>
-              <a:t>=</a:t>
-            </a:r>
-            <a:r>
-              <a:rPr lang="en-GB" dirty="0" smtClean="0">
-                <a:solidFill>
-                  <a:srgbClr val="006666"/>
-                </a:solidFill>
-              </a:rPr>
-              <a:t>0</a:t>
-            </a:r>
-            <a:r>
-              <a:rPr lang="en-GB" dirty="0" smtClean="0">
-                <a:solidFill>
-                  <a:srgbClr val="666600"/>
-                </a:solidFill>
-              </a:rPr>
-              <a:t>;</a:t>
-            </a:r>
-            <a:r>
-              <a:rPr lang="en-GB" dirty="0" smtClean="0">
-                <a:solidFill>
-                  <a:srgbClr val="252C33"/>
-                </a:solidFill>
-              </a:rPr>
-              <a:t>i</a:t>
-            </a:r>
-            <a:r>
-              <a:rPr lang="en-GB" dirty="0" smtClean="0">
-                <a:solidFill>
-                  <a:srgbClr val="666600"/>
-                </a:solidFill>
-              </a:rPr>
-              <a:t>&lt;</a:t>
-            </a:r>
-            <a:r>
-              <a:rPr lang="en-GB" dirty="0" err="1" smtClean="0">
-                <a:solidFill>
-                  <a:srgbClr val="252C33"/>
-                </a:solidFill>
-              </a:rPr>
-              <a:t>n</a:t>
-            </a:r>
-            <a:r>
-              <a:rPr lang="en-GB" dirty="0" err="1" smtClean="0">
-                <a:solidFill>
-                  <a:srgbClr val="666600"/>
-                </a:solidFill>
-              </a:rPr>
-              <a:t>;</a:t>
-            </a:r>
-            <a:r>
-              <a:rPr lang="en-GB" dirty="0" err="1" smtClean="0">
-                <a:solidFill>
-                  <a:srgbClr val="252C33"/>
-                </a:solidFill>
-              </a:rPr>
-              <a:t>i</a:t>
-            </a:r>
-            <a:r>
-              <a:rPr lang="en-GB" dirty="0" smtClean="0">
-                <a:solidFill>
-                  <a:srgbClr val="666600"/>
-                </a:solidFill>
-              </a:rPr>
-              <a:t>++)</a:t>
-            </a:r>
-            <a:r>
-              <a:rPr lang="en-GB" dirty="0" smtClean="0">
-                <a:solidFill>
-                  <a:srgbClr val="252C33"/>
-                </a:solidFill>
-              </a:rPr>
-              <a:t> </a:t>
-            </a:r>
-          </a:p>
-          <a:p>
-            <a:pPr>
-              <a:buNone/>
-            </a:pPr>
-            <a:r>
-              <a:rPr lang="en-GB" dirty="0" err="1" smtClean="0">
-                <a:solidFill>
-                  <a:srgbClr val="252C33"/>
-                </a:solidFill>
-              </a:rPr>
-              <a:t>arr</a:t>
-            </a:r>
-            <a:r>
-              <a:rPr lang="en-GB" dirty="0" smtClean="0">
-                <a:solidFill>
-                  <a:srgbClr val="666600"/>
-                </a:solidFill>
-              </a:rPr>
-              <a:t>[</a:t>
-            </a:r>
-            <a:r>
-              <a:rPr lang="en-GB" dirty="0" err="1" smtClean="0">
-                <a:solidFill>
-                  <a:srgbClr val="252C33"/>
-                </a:solidFill>
-              </a:rPr>
-              <a:t>i</a:t>
-            </a:r>
-            <a:r>
-              <a:rPr lang="en-GB" dirty="0" smtClean="0">
-                <a:solidFill>
-                  <a:srgbClr val="666600"/>
-                </a:solidFill>
-              </a:rPr>
-              <a:t>]=</a:t>
-            </a:r>
-            <a:r>
-              <a:rPr lang="en-GB" dirty="0" smtClean="0">
-                <a:solidFill>
-                  <a:srgbClr val="252C33"/>
-                </a:solidFill>
-              </a:rPr>
-              <a:t>output</a:t>
-            </a:r>
-            <a:r>
-              <a:rPr lang="en-GB" dirty="0" smtClean="0">
-                <a:solidFill>
-                  <a:srgbClr val="666600"/>
-                </a:solidFill>
-              </a:rPr>
-              <a:t>[</a:t>
-            </a:r>
-            <a:r>
-              <a:rPr lang="en-GB" dirty="0" err="1" smtClean="0">
-                <a:solidFill>
-                  <a:srgbClr val="252C33"/>
-                </a:solidFill>
-              </a:rPr>
-              <a:t>i</a:t>
-            </a:r>
-            <a:r>
-              <a:rPr lang="en-GB" dirty="0" smtClean="0">
-                <a:solidFill>
-                  <a:srgbClr val="666600"/>
-                </a:solidFill>
-              </a:rPr>
-              <a:t>];</a:t>
-            </a:r>
-            <a:r>
-              <a:rPr lang="en-GB" dirty="0" smtClean="0">
-                <a:solidFill>
-                  <a:srgbClr val="252C33"/>
-                </a:solidFill>
-              </a:rPr>
-              <a:t> </a:t>
-            </a:r>
-            <a:r>
-              <a:rPr lang="en-GB" dirty="0" smtClean="0">
-                <a:solidFill>
-                  <a:srgbClr val="666600"/>
-                </a:solidFill>
-              </a:rPr>
-              <a:t>}</a:t>
-            </a:r>
-            <a:r>
-              <a:rPr lang="en-GB" dirty="0" smtClean="0">
-                <a:solidFill>
-                  <a:srgbClr val="252C33"/>
-                </a:solidFill>
-              </a:rPr>
-              <a:t> </a:t>
-            </a:r>
-          </a:p>
-          <a:p>
-            <a:pPr>
-              <a:buNone/>
-            </a:pPr>
-            <a:r>
-              <a:rPr lang="en-GB" dirty="0" smtClean="0">
-                <a:solidFill>
-                  <a:srgbClr val="000088"/>
-                </a:solidFill>
-              </a:rPr>
-              <a:t>void</a:t>
-            </a:r>
-            <a:r>
-              <a:rPr lang="en-GB" dirty="0" smtClean="0">
-                <a:solidFill>
-                  <a:srgbClr val="252C33"/>
-                </a:solidFill>
-              </a:rPr>
-              <a:t> </a:t>
-            </a:r>
-            <a:r>
-              <a:rPr lang="en-GB" dirty="0" err="1" smtClean="0">
-                <a:solidFill>
-                  <a:srgbClr val="252C33"/>
-                </a:solidFill>
-              </a:rPr>
-              <a:t>radixsort</a:t>
-            </a:r>
-            <a:r>
-              <a:rPr lang="en-GB" dirty="0" smtClean="0">
-                <a:solidFill>
-                  <a:srgbClr val="666600"/>
-                </a:solidFill>
-              </a:rPr>
-              <a:t>(</a:t>
-            </a:r>
-            <a:r>
-              <a:rPr lang="en-GB" dirty="0" err="1" smtClean="0">
-                <a:solidFill>
-                  <a:srgbClr val="252C33"/>
-                </a:solidFill>
-              </a:rPr>
-              <a:t>ll</a:t>
-            </a:r>
-            <a:r>
-              <a:rPr lang="en-GB" dirty="0" smtClean="0">
-                <a:solidFill>
-                  <a:srgbClr val="252C33"/>
-                </a:solidFill>
-              </a:rPr>
-              <a:t> </a:t>
-            </a:r>
-            <a:r>
-              <a:rPr lang="en-GB" dirty="0" err="1" smtClean="0">
-                <a:solidFill>
-                  <a:srgbClr val="252C33"/>
-                </a:solidFill>
-              </a:rPr>
-              <a:t>arr</a:t>
-            </a:r>
-            <a:r>
-              <a:rPr lang="en-GB" dirty="0" smtClean="0">
-                <a:solidFill>
-                  <a:srgbClr val="666600"/>
-                </a:solidFill>
-              </a:rPr>
-              <a:t>[],</a:t>
-            </a:r>
-            <a:r>
-              <a:rPr lang="en-GB" dirty="0" err="1" smtClean="0">
-                <a:solidFill>
-                  <a:srgbClr val="000088"/>
-                </a:solidFill>
-              </a:rPr>
-              <a:t>int</a:t>
-            </a:r>
-            <a:r>
-              <a:rPr lang="en-GB" dirty="0" smtClean="0">
-                <a:solidFill>
-                  <a:srgbClr val="252C33"/>
-                </a:solidFill>
-              </a:rPr>
-              <a:t> </a:t>
-            </a:r>
-            <a:r>
-              <a:rPr lang="en-GB" dirty="0" err="1" smtClean="0">
-                <a:solidFill>
-                  <a:srgbClr val="252C33"/>
-                </a:solidFill>
-              </a:rPr>
-              <a:t>n</a:t>
-            </a:r>
-            <a:r>
-              <a:rPr lang="en-GB" dirty="0" err="1" smtClean="0">
-                <a:solidFill>
-                  <a:srgbClr val="666600"/>
-                </a:solidFill>
-              </a:rPr>
-              <a:t>,</a:t>
-            </a:r>
-            <a:r>
-              <a:rPr lang="en-GB" dirty="0" err="1" smtClean="0">
-                <a:solidFill>
-                  <a:srgbClr val="000088"/>
-                </a:solidFill>
-              </a:rPr>
-              <a:t>int</a:t>
-            </a:r>
-            <a:r>
-              <a:rPr lang="en-GB" dirty="0" smtClean="0">
-                <a:solidFill>
-                  <a:srgbClr val="252C33"/>
-                </a:solidFill>
-              </a:rPr>
-              <a:t> </a:t>
-            </a:r>
-            <a:r>
-              <a:rPr lang="en-GB" dirty="0" err="1" smtClean="0">
-                <a:solidFill>
-                  <a:srgbClr val="252C33"/>
-                </a:solidFill>
-              </a:rPr>
-              <a:t>maxx</a:t>
-            </a:r>
-            <a:r>
-              <a:rPr lang="en-GB" dirty="0" smtClean="0">
-                <a:solidFill>
-                  <a:srgbClr val="666600"/>
-                </a:solidFill>
-              </a:rPr>
-              <a:t>)</a:t>
-            </a:r>
-            <a:r>
-              <a:rPr lang="en-GB" dirty="0" smtClean="0">
-                <a:solidFill>
-                  <a:srgbClr val="252C33"/>
-                </a:solidFill>
-              </a:rPr>
-              <a:t>  </a:t>
-            </a:r>
-          </a:p>
-          <a:p>
-            <a:pPr>
-              <a:buNone/>
-            </a:pPr>
-            <a:r>
-              <a:rPr lang="en-GB" dirty="0" smtClean="0">
-                <a:solidFill>
-                  <a:srgbClr val="666600"/>
-                </a:solidFill>
-              </a:rPr>
-              <a:t>{</a:t>
-            </a:r>
-            <a:r>
-              <a:rPr lang="en-GB" dirty="0" smtClean="0">
-                <a:solidFill>
-                  <a:srgbClr val="252C33"/>
-                </a:solidFill>
-              </a:rPr>
-              <a:t> </a:t>
-            </a:r>
-          </a:p>
-          <a:p>
-            <a:pPr>
-              <a:buNone/>
-            </a:pPr>
-            <a:r>
-              <a:rPr lang="en-GB" dirty="0" err="1" smtClean="0">
-                <a:solidFill>
-                  <a:srgbClr val="000088"/>
-                </a:solidFill>
-              </a:rPr>
-              <a:t>int</a:t>
-            </a:r>
-            <a:r>
-              <a:rPr lang="en-GB" dirty="0" smtClean="0">
-                <a:solidFill>
-                  <a:srgbClr val="252C33"/>
-                </a:solidFill>
-              </a:rPr>
-              <a:t> </a:t>
-            </a:r>
-            <a:r>
-              <a:rPr lang="en-GB" dirty="0" err="1" smtClean="0">
-                <a:solidFill>
-                  <a:srgbClr val="252C33"/>
-                </a:solidFill>
-              </a:rPr>
-              <a:t>mul</a:t>
-            </a:r>
-            <a:r>
-              <a:rPr lang="en-GB" dirty="0" smtClean="0">
-                <a:solidFill>
-                  <a:srgbClr val="666600"/>
-                </a:solidFill>
-              </a:rPr>
-              <a:t>=</a:t>
-            </a:r>
-            <a:r>
-              <a:rPr lang="en-GB" dirty="0" smtClean="0">
-                <a:solidFill>
-                  <a:srgbClr val="006666"/>
-                </a:solidFill>
-              </a:rPr>
-              <a:t>1</a:t>
-            </a:r>
-            <a:r>
-              <a:rPr lang="en-GB" dirty="0" smtClean="0">
-                <a:solidFill>
-                  <a:srgbClr val="666600"/>
-                </a:solidFill>
-              </a:rPr>
-              <a:t>;</a:t>
-            </a:r>
-            <a:r>
-              <a:rPr lang="en-GB" dirty="0" smtClean="0">
-                <a:solidFill>
-                  <a:srgbClr val="252C33"/>
-                </a:solidFill>
-              </a:rPr>
-              <a:t> </a:t>
-            </a:r>
-          </a:p>
-          <a:p>
-            <a:pPr>
-              <a:buNone/>
-            </a:pPr>
-            <a:r>
-              <a:rPr lang="en-GB" dirty="0" smtClean="0">
-                <a:solidFill>
-                  <a:srgbClr val="000088"/>
-                </a:solidFill>
-              </a:rPr>
-              <a:t>while</a:t>
-            </a:r>
-            <a:r>
-              <a:rPr lang="en-GB" dirty="0" smtClean="0">
-                <a:solidFill>
-                  <a:srgbClr val="666600"/>
-                </a:solidFill>
-              </a:rPr>
-              <a:t>(</a:t>
-            </a:r>
-            <a:r>
-              <a:rPr lang="en-GB" dirty="0" err="1" smtClean="0">
-                <a:solidFill>
-                  <a:srgbClr val="252C33"/>
-                </a:solidFill>
-              </a:rPr>
-              <a:t>maxx</a:t>
-            </a:r>
-            <a:r>
-              <a:rPr lang="en-GB" dirty="0" smtClean="0">
-                <a:solidFill>
-                  <a:srgbClr val="666600"/>
-                </a:solidFill>
-              </a:rPr>
-              <a:t>)</a:t>
-            </a:r>
-            <a:r>
-              <a:rPr lang="en-GB" dirty="0" smtClean="0">
-                <a:solidFill>
-                  <a:srgbClr val="252C33"/>
-                </a:solidFill>
-              </a:rPr>
-              <a:t> </a:t>
-            </a:r>
-          </a:p>
-          <a:p>
-            <a:pPr>
-              <a:buNone/>
-            </a:pPr>
-            <a:r>
-              <a:rPr lang="en-GB" dirty="0" smtClean="0">
-                <a:solidFill>
-                  <a:srgbClr val="666600"/>
-                </a:solidFill>
-              </a:rPr>
-              <a:t>{</a:t>
-            </a:r>
-            <a:r>
-              <a:rPr lang="en-GB" dirty="0" smtClean="0">
-                <a:solidFill>
-                  <a:srgbClr val="252C33"/>
-                </a:solidFill>
-              </a:rPr>
-              <a:t> </a:t>
-            </a:r>
-            <a:r>
-              <a:rPr lang="en-GB" dirty="0" err="1" smtClean="0">
-                <a:solidFill>
-                  <a:srgbClr val="252C33"/>
-                </a:solidFill>
-              </a:rPr>
-              <a:t>countsort</a:t>
-            </a:r>
-            <a:r>
-              <a:rPr lang="en-GB" dirty="0" smtClean="0">
-                <a:solidFill>
-                  <a:srgbClr val="666600"/>
-                </a:solidFill>
-              </a:rPr>
-              <a:t>(</a:t>
-            </a:r>
-            <a:r>
-              <a:rPr lang="en-GB" dirty="0" err="1" smtClean="0">
-                <a:solidFill>
-                  <a:srgbClr val="252C33"/>
-                </a:solidFill>
-              </a:rPr>
-              <a:t>arr</a:t>
-            </a:r>
-            <a:r>
-              <a:rPr lang="en-GB" dirty="0" err="1" smtClean="0">
-                <a:solidFill>
-                  <a:srgbClr val="666600"/>
-                </a:solidFill>
-              </a:rPr>
-              <a:t>,</a:t>
-            </a:r>
-            <a:r>
-              <a:rPr lang="en-GB" dirty="0" err="1" smtClean="0">
-                <a:solidFill>
-                  <a:srgbClr val="252C33"/>
-                </a:solidFill>
-              </a:rPr>
-              <a:t>n</a:t>
-            </a:r>
-            <a:r>
-              <a:rPr lang="en-GB" dirty="0" err="1" smtClean="0">
-                <a:solidFill>
-                  <a:srgbClr val="666600"/>
-                </a:solidFill>
-              </a:rPr>
-              <a:t>,</a:t>
-            </a:r>
-            <a:r>
-              <a:rPr lang="en-GB" dirty="0" err="1" smtClean="0">
-                <a:solidFill>
-                  <a:srgbClr val="252C33"/>
-                </a:solidFill>
-              </a:rPr>
-              <a:t>mul</a:t>
-            </a:r>
-            <a:r>
-              <a:rPr lang="en-GB" dirty="0" smtClean="0">
-                <a:solidFill>
-                  <a:srgbClr val="666600"/>
-                </a:solidFill>
-              </a:rPr>
-              <a:t>);</a:t>
-            </a:r>
-            <a:r>
-              <a:rPr lang="en-GB" dirty="0" smtClean="0">
-                <a:solidFill>
-                  <a:srgbClr val="252C33"/>
-                </a:solidFill>
-              </a:rPr>
-              <a:t> </a:t>
-            </a:r>
-            <a:r>
-              <a:rPr lang="en-GB" dirty="0" err="1" smtClean="0">
-                <a:solidFill>
-                  <a:srgbClr val="252C33"/>
-                </a:solidFill>
-              </a:rPr>
-              <a:t>mul</a:t>
-            </a:r>
-            <a:r>
-              <a:rPr lang="en-GB" dirty="0" smtClean="0">
-                <a:solidFill>
-                  <a:srgbClr val="666600"/>
-                </a:solidFill>
-              </a:rPr>
-              <a:t>*=</a:t>
-            </a:r>
-            <a:r>
-              <a:rPr lang="en-GB" dirty="0" smtClean="0">
-                <a:solidFill>
-                  <a:srgbClr val="006666"/>
-                </a:solidFill>
-              </a:rPr>
-              <a:t>10</a:t>
-            </a:r>
-            <a:r>
-              <a:rPr lang="en-GB" dirty="0" smtClean="0">
-                <a:solidFill>
-                  <a:srgbClr val="666600"/>
-                </a:solidFill>
-              </a:rPr>
-              <a:t>;</a:t>
-            </a:r>
-            <a:r>
-              <a:rPr lang="en-GB" dirty="0" smtClean="0">
-                <a:solidFill>
-                  <a:srgbClr val="252C33"/>
-                </a:solidFill>
-              </a:rPr>
-              <a:t> </a:t>
-            </a:r>
-            <a:r>
-              <a:rPr lang="en-GB" dirty="0" err="1" smtClean="0">
-                <a:solidFill>
-                  <a:srgbClr val="252C33"/>
-                </a:solidFill>
-              </a:rPr>
-              <a:t>maxx</a:t>
-            </a:r>
-            <a:r>
-              <a:rPr lang="en-GB" dirty="0" smtClean="0">
-                <a:solidFill>
-                  <a:srgbClr val="666600"/>
-                </a:solidFill>
-              </a:rPr>
-              <a:t>/=</a:t>
-            </a:r>
-            <a:r>
-              <a:rPr lang="en-GB" dirty="0" smtClean="0">
-                <a:solidFill>
-                  <a:srgbClr val="006666"/>
-                </a:solidFill>
-              </a:rPr>
-              <a:t>10</a:t>
-            </a:r>
-            <a:r>
-              <a:rPr lang="en-GB" dirty="0" smtClean="0">
-                <a:solidFill>
-                  <a:srgbClr val="666600"/>
-                </a:solidFill>
-              </a:rPr>
-              <a:t>;</a:t>
-            </a:r>
-            <a:r>
-              <a:rPr lang="en-GB" dirty="0" smtClean="0">
-                <a:solidFill>
-                  <a:srgbClr val="252C33"/>
-                </a:solidFill>
-              </a:rPr>
-              <a:t> </a:t>
-            </a:r>
-            <a:r>
-              <a:rPr lang="en-GB" dirty="0" smtClean="0">
-                <a:solidFill>
-                  <a:srgbClr val="666600"/>
-                </a:solidFill>
-              </a:rPr>
-              <a:t>}</a:t>
-            </a:r>
-            <a:r>
-              <a:rPr lang="en-GB" dirty="0" smtClean="0">
-                <a:solidFill>
-                  <a:srgbClr val="252C33"/>
-                </a:solidFill>
-              </a:rPr>
-              <a:t> </a:t>
-            </a:r>
-            <a:r>
-              <a:rPr lang="en-GB" dirty="0" smtClean="0">
-                <a:solidFill>
-                  <a:srgbClr val="666600"/>
-                </a:solidFill>
-              </a:rPr>
-              <a:t>}</a:t>
-            </a:r>
             <a:endParaRPr lang="en-US" dirty="0" smtClean="0"/>
           </a:p>
           <a:p>
-            <a:pPr>
-              <a:buNone/>
-            </a:pPr>
+            <a:r>
+              <a:rPr lang="en-US" dirty="0" smtClean="0"/>
+              <a:t>3. Return the sorted array.</a:t>
+            </a:r>
             <a:endParaRPr lang="en-US" dirty="0"/>
           </a:p>
         </p:txBody>
